--- a/Git training beginners.pptx
+++ b/Git training beginners.pptx
@@ -5,10 +5,10 @@
     <p:sldMasterId id="2147483648" r:id="rId4"/>
   </p:sldMasterIdLst>
   <p:notesMasterIdLst>
-    <p:notesMasterId r:id="rId28"/>
+    <p:notesMasterId r:id="rId29"/>
   </p:notesMasterIdLst>
   <p:handoutMasterIdLst>
-    <p:handoutMasterId r:id="rId29"/>
+    <p:handoutMasterId r:id="rId30"/>
   </p:handoutMasterIdLst>
   <p:sldIdLst>
     <p:sldId id="256" r:id="rId5"/>
@@ -24,16 +24,17 @@
     <p:sldId id="266" r:id="rId15"/>
     <p:sldId id="267" r:id="rId16"/>
     <p:sldId id="268" r:id="rId17"/>
-    <p:sldId id="269" r:id="rId18"/>
-    <p:sldId id="270" r:id="rId19"/>
-    <p:sldId id="271" r:id="rId20"/>
-    <p:sldId id="272" r:id="rId21"/>
-    <p:sldId id="273" r:id="rId22"/>
-    <p:sldId id="274" r:id="rId23"/>
-    <p:sldId id="275" r:id="rId24"/>
-    <p:sldId id="276" r:id="rId25"/>
-    <p:sldId id="277" r:id="rId26"/>
-    <p:sldId id="278" r:id="rId27"/>
+    <p:sldId id="279" r:id="rId18"/>
+    <p:sldId id="269" r:id="rId19"/>
+    <p:sldId id="270" r:id="rId20"/>
+    <p:sldId id="271" r:id="rId21"/>
+    <p:sldId id="272" r:id="rId22"/>
+    <p:sldId id="273" r:id="rId23"/>
+    <p:sldId id="274" r:id="rId24"/>
+    <p:sldId id="275" r:id="rId25"/>
+    <p:sldId id="276" r:id="rId26"/>
+    <p:sldId id="277" r:id="rId27"/>
+    <p:sldId id="278" r:id="rId28"/>
   </p:sldIdLst>
   <p:sldSz cx="12192000" cy="6858000"/>
   <p:notesSz cx="6858000" cy="9144000"/>
@@ -1894,7 +1895,14 @@
             </a:pPr>
             <a:r>
               <a:rPr lang="nl-NL" dirty="0"/>
-              <a:t>Commando's van Git werken via de SHA </a:t>
+              <a:t>Commando's van Git werken via de SHA</a:t>
+            </a:r>
+            <a:br>
+              <a:rPr lang="nl-NL" dirty="0"/>
+            </a:br>
+            <a:r>
+              <a:rPr lang="nl-NL" dirty="0"/>
+              <a:t> </a:t>
             </a:r>
           </a:p>
           <a:p>
@@ -1909,7 +1917,7 @@
             </a:pPr>
             <a:r>
               <a:rPr lang="nl-NL" b="1" dirty="0"/>
-              <a:t>Demonstratie:</a:t>
+              <a:t>DEMONSTRATE:</a:t>
             </a:r>
             <a:endParaRPr lang="nl-NL" dirty="0"/>
           </a:p>
@@ -2700,203 +2708,213 @@
               <a:buNone/>
             </a:pPr>
             <a:r>
-              <a:rPr lang="nl-NL" b="1" dirty="0"/>
-              <a:t>Demonstratie:</a:t>
-            </a:r>
+              <a:rPr lang="nl-NL" dirty="0"/>
+              <a:t>Inconsistentie: </a:t>
+            </a:r>
+            <a:r>
+              <a:rPr lang="nl-NL" dirty="0" err="1"/>
+              <a:t>working</a:t>
+            </a:r>
+            <a:r>
+              <a:rPr lang="nl-NL" dirty="0"/>
+              <a:t> directory wordt ook wel </a:t>
+            </a:r>
+            <a:r>
+              <a:rPr lang="nl-NL" dirty="0" err="1"/>
+              <a:t>working</a:t>
+            </a:r>
+            <a:r>
+              <a:rPr lang="nl-NL" dirty="0"/>
+              <a:t> tree genoemd. </a:t>
+            </a:r>
+            <a:r>
+              <a:rPr lang="nl-NL" dirty="0" err="1"/>
+              <a:t>Staging</a:t>
+            </a:r>
+            <a:r>
+              <a:rPr lang="nl-NL" dirty="0"/>
+              <a:t> area wordt ook wel index genoemd.</a:t>
+            </a:r>
+          </a:p>
+          <a:p>
+            <a:pPr marL="0" lvl="0" indent="0" algn="l" rtl="0">
+              <a:spcBef>
+                <a:spcPts val="0"/>
+              </a:spcBef>
+              <a:spcAft>
+                <a:spcPts val="0"/>
+              </a:spcAft>
+              <a:buNone/>
+            </a:pPr>
             <a:endParaRPr lang="nl-NL" dirty="0"/>
           </a:p>
           <a:p>
-            <a:pPr marL="171450" lvl="0" indent="-171450" algn="l" rtl="0">
-              <a:spcBef>
-                <a:spcPts val="0"/>
-              </a:spcBef>
-              <a:spcAft>
-                <a:spcPts val="0"/>
-              </a:spcAft>
-              <a:buClr>
-                <a:schemeClr val="dk1"/>
-              </a:buClr>
-              <a:buSzPts val="1200"/>
-              <a:buFont typeface="Arial"/>
-              <a:buChar char="•"/>
-            </a:pPr>
-            <a:r>
-              <a:rPr lang="nl-NL" b="0" dirty="0" err="1"/>
-              <a:t>Notepad</a:t>
-            </a:r>
-            <a:r>
-              <a:rPr lang="nl-NL" b="0" dirty="0"/>
-              <a:t> foo.txt. Maak wijziging in bestand</a:t>
-            </a:r>
-          </a:p>
-          <a:p>
-            <a:pPr marL="171450" lvl="0" indent="-171450" algn="l" rtl="0">
-              <a:spcBef>
-                <a:spcPts val="0"/>
-              </a:spcBef>
-              <a:spcAft>
-                <a:spcPts val="0"/>
-              </a:spcAft>
-              <a:buClr>
-                <a:schemeClr val="dk1"/>
-              </a:buClr>
-              <a:buSzPts val="1200"/>
-              <a:buFont typeface="Arial"/>
-              <a:buChar char="•"/>
-            </a:pPr>
-            <a:r>
-              <a:rPr lang="nl-NL" b="0" dirty="0"/>
-              <a:t>Git </a:t>
-            </a:r>
-            <a:r>
-              <a:rPr lang="nl-NL" b="0" dirty="0" err="1"/>
+            <a:pPr marL="0" lvl="0" indent="0" algn="l" rtl="0">
+              <a:spcBef>
+                <a:spcPts val="0"/>
+              </a:spcBef>
+              <a:spcAft>
+                <a:spcPts val="0"/>
+              </a:spcAft>
+              <a:buNone/>
+            </a:pPr>
+            <a:endParaRPr lang="nl-NL" dirty="0"/>
+          </a:p>
+          <a:p>
+            <a:pPr marL="0" lvl="0" indent="0" algn="l" rtl="0">
+              <a:spcBef>
+                <a:spcPts val="0"/>
+              </a:spcBef>
+              <a:spcAft>
+                <a:spcPts val="0"/>
+              </a:spcAft>
+              <a:buNone/>
+            </a:pPr>
+            <a:r>
+              <a:rPr lang="nl-NL" dirty="0"/>
+              <a:t>EXERCISE:</a:t>
+            </a:r>
+          </a:p>
+          <a:p>
+            <a:pPr marL="0" lvl="0" indent="0" algn="l" rtl="0">
+              <a:spcBef>
+                <a:spcPts val="0"/>
+              </a:spcBef>
+              <a:spcAft>
+                <a:spcPts val="0"/>
+              </a:spcAft>
+              <a:buNone/>
+            </a:pPr>
+            <a:r>
+              <a:rPr lang="nl-NL" dirty="0"/>
+              <a:t>- Make </a:t>
+            </a:r>
+            <a:r>
+              <a:rPr lang="nl-NL" dirty="0" err="1"/>
+              <a:t>sure</a:t>
+            </a:r>
+            <a:r>
+              <a:rPr lang="nl-NL" dirty="0"/>
+              <a:t> </a:t>
+            </a:r>
+            <a:r>
+              <a:rPr lang="nl-NL" dirty="0" err="1"/>
+              <a:t>to</a:t>
+            </a:r>
+            <a:r>
+              <a:rPr lang="nl-NL" dirty="0"/>
+              <a:t> </a:t>
+            </a:r>
+            <a:r>
+              <a:rPr lang="nl-NL" dirty="0" err="1"/>
+              <a:t>be</a:t>
+            </a:r>
+            <a:r>
+              <a:rPr lang="nl-NL" dirty="0"/>
+              <a:t> in </a:t>
+            </a:r>
+            <a:r>
+              <a:rPr lang="nl-NL" dirty="0" err="1"/>
+              <a:t>the</a:t>
+            </a:r>
+            <a:r>
+              <a:rPr lang="nl-NL" dirty="0"/>
+              <a:t> git </a:t>
+            </a:r>
+            <a:r>
+              <a:rPr lang="nl-NL" dirty="0" err="1"/>
+              <a:t>repository</a:t>
+            </a:r>
+            <a:endParaRPr lang="nl-NL" dirty="0"/>
+          </a:p>
+          <a:p>
+            <a:pPr marL="0" lvl="0" indent="0" algn="l" rtl="0">
+              <a:spcBef>
+                <a:spcPts val="0"/>
+              </a:spcBef>
+              <a:spcAft>
+                <a:spcPts val="0"/>
+              </a:spcAft>
+              <a:buNone/>
+            </a:pPr>
+            <a:r>
+              <a:rPr lang="nl-NL" dirty="0"/>
+              <a:t>- </a:t>
+            </a:r>
+            <a:r>
+              <a:rPr lang="nl-NL" dirty="0" err="1"/>
+              <a:t>Create</a:t>
+            </a:r>
+            <a:r>
+              <a:rPr lang="nl-NL" dirty="0"/>
+              <a:t> a file </a:t>
+            </a:r>
+            <a:r>
+              <a:rPr lang="nl-NL" dirty="0" err="1"/>
+              <a:t>called</a:t>
+            </a:r>
+            <a:r>
+              <a:rPr lang="nl-NL" dirty="0"/>
+              <a:t> name.txt </a:t>
+            </a:r>
+            <a:r>
+              <a:rPr lang="nl-NL" dirty="0" err="1"/>
+              <a:t>with</a:t>
+            </a:r>
+            <a:r>
+              <a:rPr lang="nl-NL" dirty="0"/>
+              <a:t> </a:t>
+            </a:r>
+            <a:r>
+              <a:rPr lang="nl-NL" dirty="0" err="1"/>
+              <a:t>your</a:t>
+            </a:r>
+            <a:r>
+              <a:rPr lang="nl-NL" dirty="0"/>
+              <a:t> name</a:t>
+            </a:r>
+          </a:p>
+          <a:p>
+            <a:pPr marL="0" lvl="0" indent="0" algn="l" rtl="0">
+              <a:spcBef>
+                <a:spcPts val="0"/>
+              </a:spcBef>
+              <a:spcAft>
+                <a:spcPts val="0"/>
+              </a:spcAft>
+              <a:buNone/>
+            </a:pPr>
+            <a:r>
+              <a:rPr lang="nl-NL" dirty="0"/>
+              <a:t>- git </a:t>
+            </a:r>
+            <a:r>
+              <a:rPr lang="nl-NL" dirty="0" err="1"/>
               <a:t>add</a:t>
             </a:r>
             <a:r>
-              <a:rPr lang="nl-NL" b="0" dirty="0"/>
-              <a:t> foo.txt</a:t>
-            </a:r>
-            <a:endParaRPr lang="nl-NL" dirty="0"/>
-          </a:p>
-          <a:p>
-            <a:pPr marL="171450" lvl="0" indent="-171450" algn="l" rtl="0">
-              <a:spcBef>
-                <a:spcPts val="0"/>
-              </a:spcBef>
-              <a:spcAft>
-                <a:spcPts val="0"/>
-              </a:spcAft>
-              <a:buClr>
-                <a:schemeClr val="dk1"/>
-              </a:buClr>
-              <a:buSzPts val="1200"/>
-              <a:buFont typeface="Arial"/>
-              <a:buChar char="•"/>
-            </a:pPr>
-            <a:r>
-              <a:rPr lang="nl-NL" b="0" dirty="0"/>
-              <a:t>Via </a:t>
-            </a:r>
-            <a:r>
-              <a:rPr lang="nl-NL" b="0" dirty="0" err="1"/>
-              <a:t>gitk</a:t>
-            </a:r>
-            <a:r>
-              <a:rPr lang="nl-NL" b="0" dirty="0"/>
-              <a:t> laten zien dat er nog geen </a:t>
-            </a:r>
-            <a:r>
-              <a:rPr lang="nl-NL" b="0" dirty="0" err="1"/>
+              <a:rPr lang="nl-NL" dirty="0"/>
+              <a:t> name.txt</a:t>
+            </a:r>
+          </a:p>
+          <a:p>
+            <a:pPr marL="0" lvl="0" indent="0" algn="l" rtl="0">
+              <a:spcBef>
+                <a:spcPts val="0"/>
+              </a:spcBef>
+              <a:spcAft>
+                <a:spcPts val="0"/>
+              </a:spcAft>
+              <a:buNone/>
+            </a:pPr>
+            <a:r>
+              <a:rPr lang="nl-NL" dirty="0"/>
+              <a:t>- git </a:t>
+            </a:r>
+            <a:r>
+              <a:rPr lang="nl-NL" dirty="0" err="1"/>
               <a:t>commit</a:t>
             </a:r>
-            <a:r>
-              <a:rPr lang="nl-NL" b="0" dirty="0"/>
-              <a:t> is</a:t>
-            </a:r>
-            <a:endParaRPr lang="nl-NL" dirty="0"/>
-          </a:p>
-          <a:p>
-            <a:pPr marL="171450" lvl="0" indent="-171450" algn="l" rtl="0">
-              <a:spcBef>
-                <a:spcPts val="0"/>
-              </a:spcBef>
-              <a:spcAft>
-                <a:spcPts val="0"/>
-              </a:spcAft>
-              <a:buClr>
-                <a:schemeClr val="dk1"/>
-              </a:buClr>
-              <a:buSzPts val="1200"/>
-              <a:buFont typeface="Arial"/>
-              <a:buChar char="•"/>
-            </a:pPr>
-            <a:r>
-              <a:rPr lang="nl-NL" b="0" dirty="0"/>
-              <a:t>Git </a:t>
-            </a:r>
-            <a:r>
-              <a:rPr lang="nl-NL" b="0" dirty="0" err="1"/>
-              <a:t>commit</a:t>
-            </a:r>
-            <a:r>
-              <a:rPr lang="nl-NL" b="0" dirty="0"/>
-              <a:t> </a:t>
-            </a:r>
-            <a:endParaRPr lang="nl-NL" dirty="0"/>
-          </a:p>
-          <a:p>
-            <a:pPr marL="0" lvl="0" indent="0" algn="l" rtl="0">
-              <a:spcBef>
-                <a:spcPts val="0"/>
-              </a:spcBef>
-              <a:spcAft>
-                <a:spcPts val="0"/>
-              </a:spcAft>
-              <a:buNone/>
-            </a:pPr>
-            <a:endParaRPr lang="nl-NL" dirty="0"/>
-          </a:p>
-          <a:p>
-            <a:pPr marL="0" lvl="0" indent="0" algn="l" rtl="0">
-              <a:spcBef>
-                <a:spcPts val="0"/>
-              </a:spcBef>
-              <a:spcAft>
-                <a:spcPts val="0"/>
-              </a:spcAft>
-              <a:buNone/>
-            </a:pPr>
-            <a:r>
-              <a:rPr lang="nl-NL" dirty="0"/>
-              <a:t>Inconsistentie: </a:t>
-            </a:r>
-            <a:r>
-              <a:rPr lang="nl-NL" dirty="0" err="1"/>
-              <a:t>working</a:t>
-            </a:r>
-            <a:r>
-              <a:rPr lang="nl-NL" dirty="0"/>
-              <a:t> directory wordt ook wel </a:t>
-            </a:r>
-            <a:r>
-              <a:rPr lang="nl-NL" dirty="0" err="1"/>
-              <a:t>working</a:t>
-            </a:r>
-            <a:r>
-              <a:rPr lang="nl-NL" dirty="0"/>
-              <a:t> tree genoemd. </a:t>
-            </a:r>
-            <a:r>
-              <a:rPr lang="nl-NL" dirty="0" err="1"/>
-              <a:t>Staging</a:t>
-            </a:r>
-            <a:r>
-              <a:rPr lang="nl-NL" dirty="0"/>
-              <a:t> area wordt ook wel index genoemd.</a:t>
-            </a:r>
-          </a:p>
-          <a:p>
-            <a:pPr marL="0" lvl="0" indent="0" algn="l" rtl="0">
-              <a:spcBef>
-                <a:spcPts val="0"/>
-              </a:spcBef>
-              <a:spcAft>
-                <a:spcPts val="0"/>
-              </a:spcAft>
-              <a:buNone/>
-            </a:pPr>
-            <a:endParaRPr lang="nl-NL" dirty="0"/>
-          </a:p>
-          <a:p>
-            <a:pPr marL="0" lvl="0" indent="0" algn="l" rtl="0">
-              <a:spcBef>
-                <a:spcPts val="0"/>
-              </a:spcBef>
-              <a:spcAft>
-                <a:spcPts val="0"/>
-              </a:spcAft>
-              <a:buNone/>
-            </a:pPr>
             <a:endParaRPr lang="nl-NL" dirty="0"/>
           </a:p>
           <a:p>
@@ -3101,18 +3119,6 @@
               </a:spcAft>
               <a:buNone/>
             </a:pPr>
-            <a:endParaRPr lang="en-US" dirty="0"/>
-          </a:p>
-          <a:p>
-            <a:pPr marL="0" lvl="0" indent="0" algn="l" rtl="0">
-              <a:spcBef>
-                <a:spcPts val="0"/>
-              </a:spcBef>
-              <a:spcAft>
-                <a:spcPts val="0"/>
-              </a:spcAft>
-              <a:buNone/>
-            </a:pPr>
             <a:r>
               <a:rPr lang="en-US" dirty="0"/>
               <a:t>Git show </a:t>
@@ -3168,18 +3174,6 @@
               </a:spcAft>
               <a:buNone/>
             </a:pPr>
-            <a:endParaRPr lang="en-US" dirty="0"/>
-          </a:p>
-          <a:p>
-            <a:pPr marL="0" lvl="0" indent="0" algn="l" rtl="0">
-              <a:spcBef>
-                <a:spcPts val="0"/>
-              </a:spcBef>
-              <a:spcAft>
-                <a:spcPts val="0"/>
-              </a:spcAft>
-              <a:buNone/>
-            </a:pPr>
             <a:r>
               <a:rPr lang="en-US" dirty="0"/>
               <a:t>Git diff </a:t>
@@ -3299,18 +3293,6 @@
               </a:spcAft>
               <a:buNone/>
             </a:pPr>
-            <a:endParaRPr lang="en-US" dirty="0"/>
-          </a:p>
-          <a:p>
-            <a:pPr marL="0" lvl="0" indent="0" algn="l" rtl="0">
-              <a:spcBef>
-                <a:spcPts val="0"/>
-              </a:spcBef>
-              <a:spcAft>
-                <a:spcPts val="0"/>
-              </a:spcAft>
-              <a:buNone/>
-            </a:pPr>
             <a:r>
               <a:rPr lang="en-US" dirty="0"/>
               <a:t>Git log shows all your commits as a list. </a:t>
@@ -3322,6 +3304,218 @@
             <a:r>
               <a:rPr lang="en-US" dirty="0"/>
               <a:t> –all does the same but with a GUI.</a:t>
+            </a:r>
+          </a:p>
+          <a:p>
+            <a:pPr marL="0" lvl="0" indent="0" algn="l" rtl="0">
+              <a:spcBef>
+                <a:spcPts val="0"/>
+              </a:spcBef>
+              <a:spcAft>
+                <a:spcPts val="0"/>
+              </a:spcAft>
+              <a:buNone/>
+            </a:pPr>
+            <a:endParaRPr lang="en-US" dirty="0"/>
+          </a:p>
+          <a:p>
+            <a:pPr marL="0" lvl="0" indent="0" algn="l" rtl="0">
+              <a:spcBef>
+                <a:spcPts val="0"/>
+              </a:spcBef>
+              <a:spcAft>
+                <a:spcPts val="0"/>
+              </a:spcAft>
+              <a:buNone/>
+            </a:pPr>
+            <a:endParaRPr lang="en-US" dirty="0"/>
+          </a:p>
+          <a:p>
+            <a:pPr marL="0" lvl="0" indent="0" algn="l" rtl="0">
+              <a:spcBef>
+                <a:spcPts val="0"/>
+              </a:spcBef>
+              <a:spcAft>
+                <a:spcPts val="0"/>
+              </a:spcAft>
+              <a:buNone/>
+            </a:pPr>
+            <a:r>
+              <a:rPr lang="en-US" dirty="0"/>
+              <a:t>EXERCISE:</a:t>
+            </a:r>
+          </a:p>
+          <a:p>
+            <a:pPr marL="0" lvl="0" indent="0" algn="l" rtl="0">
+              <a:spcBef>
+                <a:spcPts val="0"/>
+              </a:spcBef>
+              <a:spcAft>
+                <a:spcPts val="0"/>
+              </a:spcAft>
+              <a:buNone/>
+            </a:pPr>
+            <a:r>
+              <a:rPr lang="en-US" dirty="0"/>
+              <a:t>- In the git repository use Git status to display that nothing has changed</a:t>
+            </a:r>
+          </a:p>
+          <a:p>
+            <a:pPr marL="0" lvl="0" indent="0" algn="l" rtl="0">
+              <a:spcBef>
+                <a:spcPts val="0"/>
+              </a:spcBef>
+              <a:spcAft>
+                <a:spcPts val="0"/>
+              </a:spcAft>
+              <a:buNone/>
+            </a:pPr>
+            <a:r>
+              <a:rPr lang="en-US" dirty="0"/>
+              <a:t>- Make a change to the contents of name.txt</a:t>
+            </a:r>
+          </a:p>
+          <a:p>
+            <a:pPr marL="0" lvl="0" indent="0" algn="l" rtl="0">
+              <a:spcBef>
+                <a:spcPts val="0"/>
+              </a:spcBef>
+              <a:spcAft>
+                <a:spcPts val="0"/>
+              </a:spcAft>
+              <a:buNone/>
+            </a:pPr>
+            <a:r>
+              <a:rPr lang="en-US" dirty="0"/>
+              <a:t>- Use git status to display that the file has changed</a:t>
+            </a:r>
+          </a:p>
+          <a:p>
+            <a:pPr marL="0" lvl="0" indent="0" algn="l" rtl="0">
+              <a:spcBef>
+                <a:spcPts val="0"/>
+              </a:spcBef>
+              <a:spcAft>
+                <a:spcPts val="0"/>
+              </a:spcAft>
+              <a:buNone/>
+            </a:pPr>
+            <a:r>
+              <a:rPr lang="en-US" dirty="0"/>
+              <a:t>- Use git diff to display the change compared to the working directory</a:t>
+            </a:r>
+          </a:p>
+          <a:p>
+            <a:pPr marL="0" lvl="0" indent="0" algn="l" rtl="0">
+              <a:spcBef>
+                <a:spcPts val="0"/>
+              </a:spcBef>
+              <a:spcAft>
+                <a:spcPts val="0"/>
+              </a:spcAft>
+              <a:buNone/>
+            </a:pPr>
+            <a:r>
+              <a:rPr lang="en-US" dirty="0"/>
+              <a:t>- Use git </a:t>
+            </a:r>
+            <a:r>
+              <a:rPr lang="en-US" dirty="0" err="1"/>
+              <a:t>difftool</a:t>
+            </a:r>
+            <a:r>
+              <a:rPr lang="en-US" dirty="0"/>
+              <a:t> to do it in your graphical merge tool</a:t>
+            </a:r>
+          </a:p>
+          <a:p>
+            <a:pPr marL="0" lvl="0" indent="0" algn="l" rtl="0">
+              <a:spcBef>
+                <a:spcPts val="0"/>
+              </a:spcBef>
+              <a:spcAft>
+                <a:spcPts val="0"/>
+              </a:spcAft>
+              <a:buNone/>
+            </a:pPr>
+            <a:r>
+              <a:rPr lang="en-US" dirty="0"/>
+              <a:t>- Use git add to stage the change</a:t>
+            </a:r>
+          </a:p>
+          <a:p>
+            <a:pPr marL="0" lvl="0" indent="0" algn="l" rtl="0">
+              <a:spcBef>
+                <a:spcPts val="0"/>
+              </a:spcBef>
+              <a:spcAft>
+                <a:spcPts val="0"/>
+              </a:spcAft>
+              <a:buNone/>
+            </a:pPr>
+            <a:r>
+              <a:rPr lang="en-US" dirty="0"/>
+              <a:t>- Use git status to show the new state</a:t>
+            </a:r>
+          </a:p>
+          <a:p>
+            <a:pPr marL="0" lvl="0" indent="0" algn="l" rtl="0">
+              <a:spcBef>
+                <a:spcPts val="0"/>
+              </a:spcBef>
+              <a:spcAft>
+                <a:spcPts val="0"/>
+              </a:spcAft>
+              <a:buNone/>
+            </a:pPr>
+            <a:r>
+              <a:rPr lang="en-US" dirty="0"/>
+              <a:t>- Use git diff --cached to show the changes in the staging area</a:t>
+            </a:r>
+          </a:p>
+          <a:p>
+            <a:pPr marL="0" lvl="0" indent="0" algn="l" rtl="0">
+              <a:spcBef>
+                <a:spcPts val="0"/>
+              </a:spcBef>
+              <a:spcAft>
+                <a:spcPts val="0"/>
+              </a:spcAft>
+              <a:buNone/>
+            </a:pPr>
+            <a:r>
+              <a:rPr lang="en-US" dirty="0"/>
+              <a:t>- Commit the change using git commit</a:t>
+            </a:r>
+          </a:p>
+          <a:p>
+            <a:pPr marL="0" lvl="0" indent="0" algn="l" rtl="0">
+              <a:spcBef>
+                <a:spcPts val="0"/>
+              </a:spcBef>
+              <a:spcAft>
+                <a:spcPts val="0"/>
+              </a:spcAft>
+              <a:buNone/>
+            </a:pPr>
+            <a:r>
+              <a:rPr lang="en-US" dirty="0"/>
+              <a:t>- Use git log to display the list of commits</a:t>
+            </a:r>
+          </a:p>
+          <a:p>
+            <a:pPr marL="0" lvl="0" indent="0" algn="l" rtl="0">
+              <a:spcBef>
+                <a:spcPts val="0"/>
+              </a:spcBef>
+              <a:spcAft>
+                <a:spcPts val="0"/>
+              </a:spcAft>
+              <a:buNone/>
+            </a:pPr>
+            <a:r>
+              <a:rPr lang="en-US" dirty="0"/>
+              <a:t>- Use git show to display your latest change</a:t>
             </a:r>
           </a:p>
           <a:p>
@@ -3512,8 +3706,8 @@
               <a:buNone/>
             </a:pPr>
             <a:r>
-              <a:rPr lang="nl-NL" dirty="0"/>
-              <a:t>git reset dient twee doelen:</a:t>
+              <a:rPr lang="en-US" dirty="0"/>
+              <a:t>DEMONSTRATE</a:t>
             </a:r>
           </a:p>
           <a:p>
@@ -3526,7 +3720,7 @@
               </a:spcAft>
               <a:buNone/>
             </a:pPr>
-            <a:endParaRPr lang="nl-NL" dirty="0"/>
+            <a:endParaRPr lang="en-US" dirty="0"/>
           </a:p>
           <a:p>
             <a:pPr marL="0" lvl="0" indent="0" algn="l" rtl="0">
@@ -3539,16 +3733,8 @@
               <a:buNone/>
             </a:pPr>
             <a:r>
-              <a:rPr lang="nl-NL" dirty="0"/>
-              <a:t>Om wijzigingen in je index en/of </a:t>
-            </a:r>
-            <a:r>
-              <a:rPr lang="nl-NL" dirty="0" err="1"/>
-              <a:t>working</a:t>
-            </a:r>
-            <a:r>
-              <a:rPr lang="nl-NL" dirty="0"/>
-              <a:t> directory weg te gooien.</a:t>
+              <a:rPr lang="en-US" dirty="0"/>
+              <a:t>- git show HEAD is the same output as git show</a:t>
             </a:r>
           </a:p>
           <a:p>
@@ -3561,7 +3747,10 @@
               </a:spcAft>
               <a:buNone/>
             </a:pPr>
-            <a:endParaRPr lang="nl-NL" dirty="0"/>
+            <a:r>
+              <a:rPr lang="en-US" dirty="0"/>
+              <a:t>- git show &lt;sha&gt; is the same output as git show</a:t>
+            </a:r>
           </a:p>
           <a:p>
             <a:pPr marL="0" lvl="0" indent="0" algn="l" rtl="0">
@@ -3573,34 +3762,7 @@
               </a:spcAft>
               <a:buNone/>
             </a:pPr>
-            <a:r>
-              <a:rPr lang="nl-NL" dirty="0"/>
-              <a:t>Om in je huidige </a:t>
-            </a:r>
-            <a:r>
-              <a:rPr lang="nl-NL" dirty="0" err="1"/>
-              <a:t>branch</a:t>
-            </a:r>
-            <a:r>
-              <a:rPr lang="nl-NL" dirty="0"/>
-              <a:t> terug te gaan naar een voorgaande </a:t>
-            </a:r>
-            <a:r>
-              <a:rPr lang="nl-NL" dirty="0" err="1"/>
-              <a:t>commit</a:t>
-            </a:r>
-            <a:r>
-              <a:rPr lang="nl-NL" dirty="0"/>
-              <a:t> waarbij je alle tussenliggende </a:t>
-            </a:r>
-            <a:r>
-              <a:rPr lang="nl-NL" dirty="0" err="1"/>
-              <a:t>commits</a:t>
-            </a:r>
-            <a:r>
-              <a:rPr lang="nl-NL" dirty="0"/>
-              <a:t> weggooit.</a:t>
-            </a:r>
+            <a:endParaRPr lang="en-US" dirty="0"/>
           </a:p>
           <a:p>
             <a:pPr marL="0" lvl="0" indent="0" algn="l" rtl="0">
@@ -3612,7 +3774,10 @@
               </a:spcAft>
               <a:buNone/>
             </a:pPr>
-            <a:endParaRPr lang="nl-NL" dirty="0"/>
+            <a:r>
+              <a:rPr lang="en-US" dirty="0"/>
+              <a:t>Show that \.git\refs\heads contains the branch name files where in the files you can find the SHA.</a:t>
+            </a:r>
           </a:p>
           <a:p>
             <a:pPr marL="0" lvl="0" indent="0" algn="l" rtl="0">
@@ -3624,378 +3789,7 @@
               </a:spcAft>
               <a:buNone/>
             </a:pPr>
-            <a:r>
-              <a:rPr lang="nl-NL" dirty="0"/>
-              <a:t>Zonder </a:t>
-            </a:r>
-            <a:r>
-              <a:rPr lang="nl-NL" dirty="0" err="1"/>
-              <a:t>commit</a:t>
-            </a:r>
-            <a:r>
-              <a:rPr lang="nl-NL" dirty="0"/>
-              <a:t> te specificeren werkt git </a:t>
-            </a:r>
-            <a:r>
-              <a:rPr lang="nl-NL" dirty="0" err="1"/>
-              <a:t>commit</a:t>
-            </a:r>
-            <a:r>
-              <a:rPr lang="nl-NL" dirty="0"/>
-              <a:t> altijd op je laatste </a:t>
-            </a:r>
-            <a:r>
-              <a:rPr lang="nl-NL" dirty="0" err="1"/>
-              <a:t>commit</a:t>
-            </a:r>
-            <a:r>
-              <a:rPr lang="nl-NL" dirty="0"/>
-              <a:t> (HEAD genoemd)</a:t>
-            </a:r>
-          </a:p>
-          <a:p>
-            <a:pPr marL="0" lvl="0" indent="0" algn="l" rtl="0">
-              <a:spcBef>
-                <a:spcPts val="0"/>
-              </a:spcBef>
-              <a:spcAft>
-                <a:spcPts val="0"/>
-              </a:spcAft>
-              <a:buNone/>
-            </a:pPr>
-            <a:endParaRPr lang="nl-NL" dirty="0"/>
-          </a:p>
-          <a:p>
-            <a:pPr marL="0" lvl="0" indent="0" algn="l" rtl="0">
-              <a:spcBef>
-                <a:spcPts val="0"/>
-              </a:spcBef>
-              <a:spcAft>
-                <a:spcPts val="0"/>
-              </a:spcAft>
-              <a:buNone/>
-            </a:pPr>
-            <a:r>
-              <a:rPr lang="nl-NL" dirty="0"/>
-              <a:t>(9 van de 10 keer gebruik ik git reset –hard)</a:t>
-            </a:r>
-          </a:p>
-          <a:p>
-            <a:pPr marL="0" lvl="0" indent="0" algn="l" rtl="0">
-              <a:spcBef>
-                <a:spcPts val="0"/>
-              </a:spcBef>
-              <a:spcAft>
-                <a:spcPts val="0"/>
-              </a:spcAft>
-              <a:buNone/>
-            </a:pPr>
-            <a:endParaRPr lang="nl-NL" dirty="0"/>
-          </a:p>
-          <a:p>
-            <a:pPr marL="0" lvl="0" indent="0" algn="l" rtl="0">
-              <a:spcBef>
-                <a:spcPts val="0"/>
-              </a:spcBef>
-              <a:spcAft>
-                <a:spcPts val="0"/>
-              </a:spcAft>
-              <a:buNone/>
-            </a:pPr>
-            <a:r>
-              <a:rPr lang="nl-NL" b="1" dirty="0"/>
-              <a:t>Demonstratie:</a:t>
-            </a:r>
-            <a:endParaRPr lang="nl-NL" dirty="0"/>
-          </a:p>
-          <a:p>
-            <a:pPr marL="0" lvl="0" indent="0" algn="l" rtl="0">
-              <a:spcBef>
-                <a:spcPts val="0"/>
-              </a:spcBef>
-              <a:spcAft>
-                <a:spcPts val="0"/>
-              </a:spcAft>
-              <a:buNone/>
-            </a:pPr>
-            <a:r>
-              <a:rPr lang="nl-NL" b="0" dirty="0"/>
-              <a:t>Alle drie varianten van git reset commando.</a:t>
-            </a:r>
-            <a:endParaRPr lang="nl-NL" dirty="0"/>
-          </a:p>
-          <a:p>
-            <a:pPr marL="0" lvl="0" indent="0" algn="l" rtl="0">
-              <a:spcBef>
-                <a:spcPts val="0"/>
-              </a:spcBef>
-              <a:spcAft>
-                <a:spcPts val="0"/>
-              </a:spcAft>
-              <a:buNone/>
-            </a:pPr>
-            <a:endParaRPr lang="nl-NL" b="0" dirty="0"/>
-          </a:p>
-          <a:p>
-            <a:pPr marL="0" lvl="0" indent="0" algn="l" rtl="0">
-              <a:spcBef>
-                <a:spcPts val="0"/>
-              </a:spcBef>
-              <a:spcAft>
-                <a:spcPts val="0"/>
-              </a:spcAft>
-              <a:buNone/>
-            </a:pPr>
-            <a:r>
-              <a:rPr lang="nl-NL" b="0" dirty="0"/>
-              <a:t>Demonstratie git reset –mixed:</a:t>
-            </a:r>
-            <a:endParaRPr lang="nl-NL" dirty="0"/>
-          </a:p>
-          <a:p>
-            <a:pPr marL="171450" lvl="0" indent="-171450" algn="l" rtl="0">
-              <a:spcBef>
-                <a:spcPts val="0"/>
-              </a:spcBef>
-              <a:spcAft>
-                <a:spcPts val="0"/>
-              </a:spcAft>
-              <a:buClr>
-                <a:schemeClr val="dk1"/>
-              </a:buClr>
-              <a:buSzPts val="1200"/>
-              <a:buFont typeface="Arial"/>
-              <a:buChar char="•"/>
-            </a:pPr>
-            <a:r>
-              <a:rPr lang="nl-NL" b="0" dirty="0"/>
-              <a:t>Bestaand bestand wijzigen</a:t>
-            </a:r>
-          </a:p>
-          <a:p>
-            <a:pPr marL="171450" lvl="0" indent="-171450" algn="l" rtl="0">
-              <a:spcBef>
-                <a:spcPts val="0"/>
-              </a:spcBef>
-              <a:spcAft>
-                <a:spcPts val="0"/>
-              </a:spcAft>
-              <a:buClr>
-                <a:schemeClr val="dk1"/>
-              </a:buClr>
-              <a:buSzPts val="1200"/>
-              <a:buFont typeface="Arial"/>
-              <a:buChar char="•"/>
-            </a:pPr>
-            <a:r>
-              <a:rPr lang="nl-NL" b="0" dirty="0"/>
-              <a:t>Toevoegen aan index via git </a:t>
-            </a:r>
-            <a:r>
-              <a:rPr lang="nl-NL" b="0" dirty="0" err="1"/>
-              <a:t>add</a:t>
-            </a:r>
-            <a:r>
-              <a:rPr lang="nl-NL" b="0" dirty="0"/>
-              <a:t> &lt;file&gt;</a:t>
-            </a:r>
-            <a:endParaRPr lang="nl-NL" dirty="0"/>
-          </a:p>
-          <a:p>
-            <a:pPr marL="171450" lvl="0" indent="-171450" algn="l" rtl="0">
-              <a:spcBef>
-                <a:spcPts val="0"/>
-              </a:spcBef>
-              <a:spcAft>
-                <a:spcPts val="0"/>
-              </a:spcAft>
-              <a:buClr>
-                <a:schemeClr val="dk1"/>
-              </a:buClr>
-              <a:buSzPts val="1200"/>
-              <a:buFont typeface="Arial"/>
-              <a:buChar char="•"/>
-            </a:pPr>
-            <a:r>
-              <a:rPr lang="nl-NL" b="0" dirty="0"/>
-              <a:t>Reset via git reset –mixed. Index is weer leeg, wijzigingen staan nog in </a:t>
-            </a:r>
-            <a:r>
-              <a:rPr lang="nl-NL" b="0" dirty="0" err="1"/>
-              <a:t>working</a:t>
-            </a:r>
-            <a:r>
-              <a:rPr lang="nl-NL" b="0" dirty="0"/>
-              <a:t> directory.</a:t>
-            </a:r>
-            <a:endParaRPr lang="nl-NL" dirty="0"/>
-          </a:p>
-          <a:p>
-            <a:pPr marL="171450" lvl="0" indent="-95250" algn="l" rtl="0">
-              <a:spcBef>
-                <a:spcPts val="0"/>
-              </a:spcBef>
-              <a:spcAft>
-                <a:spcPts val="0"/>
-              </a:spcAft>
-              <a:buClr>
-                <a:schemeClr val="dk1"/>
-              </a:buClr>
-              <a:buSzPts val="1200"/>
-              <a:buFont typeface="Arial"/>
-              <a:buNone/>
-            </a:pPr>
-            <a:endParaRPr lang="nl-NL" b="0" dirty="0"/>
-          </a:p>
-          <a:p>
-            <a:pPr marL="0" lvl="0" indent="0" algn="l" rtl="0">
-              <a:spcBef>
-                <a:spcPts val="0"/>
-              </a:spcBef>
-              <a:spcAft>
-                <a:spcPts val="0"/>
-              </a:spcAft>
-              <a:buClr>
-                <a:schemeClr val="dk1"/>
-              </a:buClr>
-              <a:buSzPts val="1200"/>
-              <a:buFont typeface="Arial"/>
-              <a:buNone/>
-            </a:pPr>
-            <a:r>
-              <a:rPr lang="nl-NL" b="0" dirty="0"/>
-              <a:t>Demonstratie git reset –hard</a:t>
-            </a:r>
-            <a:endParaRPr lang="nl-NL" dirty="0"/>
-          </a:p>
-          <a:p>
-            <a:pPr marL="171450" lvl="0" indent="-171450" algn="l" rtl="0">
-              <a:spcBef>
-                <a:spcPts val="0"/>
-              </a:spcBef>
-              <a:spcAft>
-                <a:spcPts val="0"/>
-              </a:spcAft>
-              <a:buClr>
-                <a:schemeClr val="dk1"/>
-              </a:buClr>
-              <a:buSzPts val="1200"/>
-              <a:buFont typeface="Arial"/>
-              <a:buChar char="•"/>
-            </a:pPr>
-            <a:r>
-              <a:rPr lang="nl-NL" b="0" dirty="0"/>
-              <a:t>Bestaand bestand wijzigen</a:t>
-            </a:r>
-          </a:p>
-          <a:p>
-            <a:pPr marL="171450" lvl="0" indent="-171450" algn="l" rtl="0">
-              <a:spcBef>
-                <a:spcPts val="0"/>
-              </a:spcBef>
-              <a:spcAft>
-                <a:spcPts val="0"/>
-              </a:spcAft>
-              <a:buClr>
-                <a:schemeClr val="dk1"/>
-              </a:buClr>
-              <a:buSzPts val="1200"/>
-              <a:buFont typeface="Arial"/>
-              <a:buChar char="•"/>
-            </a:pPr>
-            <a:r>
-              <a:rPr lang="nl-NL" b="0" dirty="0"/>
-              <a:t>Toevoegen aan index via git </a:t>
-            </a:r>
-            <a:r>
-              <a:rPr lang="nl-NL" b="0" dirty="0" err="1"/>
-              <a:t>add</a:t>
-            </a:r>
-            <a:r>
-              <a:rPr lang="nl-NL" b="0" dirty="0"/>
-              <a:t> &lt;file&gt;</a:t>
-            </a:r>
-            <a:endParaRPr lang="nl-NL" dirty="0"/>
-          </a:p>
-          <a:p>
-            <a:pPr marL="171450" lvl="0" indent="-171450" algn="l" rtl="0">
-              <a:spcBef>
-                <a:spcPts val="0"/>
-              </a:spcBef>
-              <a:spcAft>
-                <a:spcPts val="0"/>
-              </a:spcAft>
-              <a:buClr>
-                <a:schemeClr val="dk1"/>
-              </a:buClr>
-              <a:buSzPts val="1200"/>
-              <a:buFont typeface="Arial"/>
-              <a:buChar char="•"/>
-            </a:pPr>
-            <a:r>
-              <a:rPr lang="nl-NL" b="0" dirty="0"/>
-              <a:t>Reset via git reset –hard. Zowel index als </a:t>
-            </a:r>
-            <a:r>
-              <a:rPr lang="nl-NL" b="0" dirty="0" err="1"/>
-              <a:t>working</a:t>
-            </a:r>
-            <a:r>
-              <a:rPr lang="nl-NL" b="0" dirty="0"/>
-              <a:t> directory is nu leeg.</a:t>
-            </a:r>
-            <a:endParaRPr lang="nl-NL" dirty="0"/>
-          </a:p>
-          <a:p>
-            <a:pPr marL="171450" lvl="0" indent="-95250" algn="l" rtl="0">
-              <a:spcBef>
-                <a:spcPts val="0"/>
-              </a:spcBef>
-              <a:spcAft>
-                <a:spcPts val="0"/>
-              </a:spcAft>
-              <a:buClr>
-                <a:schemeClr val="dk1"/>
-              </a:buClr>
-              <a:buSzPts val="1200"/>
-              <a:buFont typeface="Arial"/>
-              <a:buNone/>
-            </a:pPr>
-            <a:endParaRPr lang="nl-NL" b="0" dirty="0"/>
-          </a:p>
-          <a:p>
-            <a:pPr marL="171450" lvl="0" indent="-95250" algn="l" rtl="0">
-              <a:spcBef>
-                <a:spcPts val="0"/>
-              </a:spcBef>
-              <a:spcAft>
-                <a:spcPts val="0"/>
-              </a:spcAft>
-              <a:buClr>
-                <a:schemeClr val="dk1"/>
-              </a:buClr>
-              <a:buSzPts val="1200"/>
-              <a:buFont typeface="Arial"/>
-              <a:buNone/>
-            </a:pPr>
-            <a:endParaRPr lang="nl-NL" b="0" dirty="0"/>
-          </a:p>
-          <a:p>
-            <a:pPr marL="171450" lvl="0" indent="-95250" algn="l" rtl="0">
-              <a:spcBef>
-                <a:spcPts val="0"/>
-              </a:spcBef>
-              <a:spcAft>
-                <a:spcPts val="0"/>
-              </a:spcAft>
-              <a:buClr>
-                <a:schemeClr val="dk1"/>
-              </a:buClr>
-              <a:buSzPts val="1200"/>
-              <a:buFont typeface="Arial"/>
-              <a:buNone/>
-            </a:pPr>
-            <a:endParaRPr lang="nl-NL" b="0" dirty="0"/>
+            <a:endParaRPr lang="en-US" dirty="0"/>
           </a:p>
         </p:txBody>
       </p:sp>
@@ -4025,7 +3819,7 @@
     </p:spTree>
     <p:extLst>
       <p:ext uri="{BB962C8B-B14F-4D97-AF65-F5344CB8AC3E}">
-        <p14:creationId xmlns:p14="http://schemas.microsoft.com/office/powerpoint/2010/main" val="3629021081"/>
+        <p14:creationId xmlns:p14="http://schemas.microsoft.com/office/powerpoint/2010/main" val="496265263"/>
       </p:ext>
     </p:extLst>
   </p:cSld>
@@ -4138,6 +3932,60 @@
               </a:spcAft>
               <a:buNone/>
             </a:pPr>
+            <a:r>
+              <a:rPr lang="nl-NL" dirty="0"/>
+              <a:t>Om in je huidige </a:t>
+            </a:r>
+            <a:r>
+              <a:rPr lang="nl-NL" dirty="0" err="1"/>
+              <a:t>branch</a:t>
+            </a:r>
+            <a:r>
+              <a:rPr lang="nl-NL" dirty="0"/>
+              <a:t> terug te gaan naar een voorgaande </a:t>
+            </a:r>
+            <a:r>
+              <a:rPr lang="nl-NL" dirty="0" err="1"/>
+              <a:t>commit</a:t>
+            </a:r>
+            <a:r>
+              <a:rPr lang="nl-NL" dirty="0"/>
+              <a:t> waarbij je alle tussenliggende </a:t>
+            </a:r>
+            <a:r>
+              <a:rPr lang="nl-NL" dirty="0" err="1"/>
+              <a:t>commits</a:t>
+            </a:r>
+            <a:r>
+              <a:rPr lang="nl-NL" dirty="0"/>
+              <a:t> weggooit.</a:t>
+            </a:r>
+          </a:p>
+          <a:p>
+            <a:pPr marL="0" lvl="0" indent="0" algn="l" rtl="0">
+              <a:spcBef>
+                <a:spcPts val="0"/>
+              </a:spcBef>
+              <a:spcAft>
+                <a:spcPts val="0"/>
+              </a:spcAft>
+              <a:buNone/>
+            </a:pPr>
+            <a:r>
+              <a:rPr lang="nl-NL" dirty="0"/>
+              <a:t>(9 van de 10 keer gebruik ik git reset –hard)</a:t>
+            </a:r>
+          </a:p>
+          <a:p>
+            <a:pPr marL="0" lvl="0" indent="0" algn="l" rtl="0">
+              <a:spcBef>
+                <a:spcPts val="0"/>
+              </a:spcBef>
+              <a:spcAft>
+                <a:spcPts val="0"/>
+              </a:spcAft>
+              <a:buNone/>
+            </a:pPr>
             <a:endParaRPr lang="nl-NL" dirty="0"/>
           </a:p>
           <a:p>
@@ -4150,34 +3998,274 @@
               </a:spcAft>
               <a:buNone/>
             </a:pPr>
-            <a:r>
-              <a:rPr lang="nl-NL" dirty="0"/>
-              <a:t>Om in je huidige </a:t>
-            </a:r>
-            <a:r>
-              <a:rPr lang="nl-NL" dirty="0" err="1"/>
-              <a:t>branch</a:t>
-            </a:r>
-            <a:r>
-              <a:rPr lang="nl-NL" dirty="0"/>
-              <a:t> terug te gaan naar een voorgaande </a:t>
+            <a:endParaRPr lang="nl-NL" dirty="0"/>
+          </a:p>
+          <a:p>
+            <a:pPr marL="0" lvl="0" indent="0" algn="l" rtl="0">
+              <a:spcBef>
+                <a:spcPts val="0"/>
+              </a:spcBef>
+              <a:spcAft>
+                <a:spcPts val="0"/>
+              </a:spcAft>
+              <a:buNone/>
+            </a:pPr>
+            <a:r>
+              <a:rPr lang="nl-NL" dirty="0"/>
+              <a:t>EXERCISE</a:t>
+            </a:r>
+          </a:p>
+          <a:p>
+            <a:pPr marL="0" lvl="0" indent="0" algn="l" rtl="0">
+              <a:spcBef>
+                <a:spcPts val="0"/>
+              </a:spcBef>
+              <a:spcAft>
+                <a:spcPts val="0"/>
+              </a:spcAft>
+              <a:buNone/>
+            </a:pPr>
+            <a:r>
+              <a:rPr lang="nl-NL" dirty="0"/>
+              <a:t>- Make a change </a:t>
+            </a:r>
+            <a:r>
+              <a:rPr lang="nl-NL" dirty="0" err="1"/>
+              <a:t>to</a:t>
+            </a:r>
+            <a:r>
+              <a:rPr lang="nl-NL" dirty="0"/>
+              <a:t> </a:t>
+            </a:r>
+            <a:r>
+              <a:rPr lang="nl-NL" dirty="0" err="1"/>
+              <a:t>the</a:t>
+            </a:r>
+            <a:r>
+              <a:rPr lang="nl-NL" dirty="0"/>
+              <a:t> name.txt</a:t>
+            </a:r>
+          </a:p>
+          <a:p>
+            <a:pPr marL="0" lvl="0" indent="0" algn="l" rtl="0">
+              <a:spcBef>
+                <a:spcPts val="0"/>
+              </a:spcBef>
+              <a:spcAft>
+                <a:spcPts val="0"/>
+              </a:spcAft>
+              <a:buNone/>
+            </a:pPr>
+            <a:r>
+              <a:rPr lang="nl-NL" dirty="0"/>
+              <a:t>- </a:t>
+            </a:r>
+            <a:r>
+              <a:rPr lang="nl-NL" dirty="0" err="1"/>
+              <a:t>Add</a:t>
+            </a:r>
+            <a:r>
+              <a:rPr lang="nl-NL" dirty="0"/>
+              <a:t> </a:t>
+            </a:r>
+            <a:r>
+              <a:rPr lang="nl-NL" dirty="0" err="1"/>
+              <a:t>to</a:t>
+            </a:r>
+            <a:r>
+              <a:rPr lang="nl-NL" dirty="0"/>
+              <a:t> </a:t>
+            </a:r>
+            <a:r>
+              <a:rPr lang="nl-NL" dirty="0" err="1"/>
+              <a:t>the</a:t>
+            </a:r>
+            <a:r>
+              <a:rPr lang="nl-NL" dirty="0"/>
+              <a:t> </a:t>
+            </a:r>
+            <a:r>
+              <a:rPr lang="nl-NL" dirty="0" err="1"/>
+              <a:t>staging</a:t>
+            </a:r>
+            <a:r>
+              <a:rPr lang="nl-NL" dirty="0"/>
+              <a:t> area </a:t>
+            </a:r>
+            <a:r>
+              <a:rPr lang="nl-NL" dirty="0" err="1"/>
+              <a:t>using</a:t>
+            </a:r>
+            <a:r>
+              <a:rPr lang="nl-NL" dirty="0"/>
+              <a:t> git </a:t>
+            </a:r>
+            <a:r>
+              <a:rPr lang="nl-NL" dirty="0" err="1"/>
+              <a:t>git</a:t>
+            </a:r>
+            <a:r>
+              <a:rPr lang="nl-NL" dirty="0"/>
+              <a:t> </a:t>
+            </a:r>
+            <a:r>
+              <a:rPr lang="nl-NL" dirty="0" err="1"/>
+              <a:t>add</a:t>
+            </a:r>
+            <a:r>
+              <a:rPr lang="nl-NL" dirty="0"/>
+              <a:t>.</a:t>
+            </a:r>
+          </a:p>
+          <a:p>
+            <a:pPr marL="0" lvl="0" indent="0" algn="l" rtl="0">
+              <a:spcBef>
+                <a:spcPts val="0"/>
+              </a:spcBef>
+              <a:spcAft>
+                <a:spcPts val="0"/>
+              </a:spcAft>
+              <a:buNone/>
+            </a:pPr>
+            <a:r>
+              <a:rPr lang="nl-NL" dirty="0"/>
+              <a:t>- git status</a:t>
+            </a:r>
+          </a:p>
+          <a:p>
+            <a:pPr marL="0" lvl="0" indent="0" algn="l" rtl="0">
+              <a:spcBef>
+                <a:spcPts val="0"/>
+              </a:spcBef>
+              <a:spcAft>
+                <a:spcPts val="0"/>
+              </a:spcAft>
+              <a:buNone/>
+            </a:pPr>
+            <a:r>
+              <a:rPr lang="nl-NL" dirty="0"/>
+              <a:t>- Do a git reset –mixed</a:t>
+            </a:r>
+          </a:p>
+          <a:p>
+            <a:pPr marL="0" lvl="0" indent="0" algn="l" rtl="0">
+              <a:spcBef>
+                <a:spcPts val="0"/>
+              </a:spcBef>
+              <a:spcAft>
+                <a:spcPts val="0"/>
+              </a:spcAft>
+              <a:buNone/>
+            </a:pPr>
+            <a:r>
+              <a:rPr lang="nl-NL" dirty="0"/>
+              <a:t>- git status</a:t>
+            </a:r>
+          </a:p>
+          <a:p>
+            <a:pPr marL="0" lvl="0" indent="0" algn="l" rtl="0">
+              <a:spcBef>
+                <a:spcPts val="0"/>
+              </a:spcBef>
+              <a:spcAft>
+                <a:spcPts val="0"/>
+              </a:spcAft>
+              <a:buNone/>
+            </a:pPr>
+            <a:r>
+              <a:rPr lang="nl-NL" dirty="0"/>
+              <a:t>- Do a git reset –-hard</a:t>
+            </a:r>
+          </a:p>
+          <a:p>
+            <a:pPr marL="0" lvl="0" indent="0" algn="l" rtl="0">
+              <a:spcBef>
+                <a:spcPts val="0"/>
+              </a:spcBef>
+              <a:spcAft>
+                <a:spcPts val="0"/>
+              </a:spcAft>
+              <a:buNone/>
+            </a:pPr>
+            <a:r>
+              <a:rPr lang="nl-NL" dirty="0"/>
+              <a:t>- git status (</a:t>
+            </a:r>
+            <a:r>
+              <a:rPr lang="nl-NL" dirty="0" err="1"/>
+              <a:t>all</a:t>
+            </a:r>
+            <a:r>
+              <a:rPr lang="nl-NL" dirty="0"/>
+              <a:t> changes </a:t>
+            </a:r>
+            <a:r>
+              <a:rPr lang="nl-NL" dirty="0" err="1"/>
+              <a:t>gone</a:t>
+            </a:r>
+            <a:r>
+              <a:rPr lang="nl-NL" dirty="0"/>
+              <a:t>)</a:t>
+            </a:r>
+          </a:p>
+          <a:p>
+            <a:pPr marL="0" lvl="0" indent="0" algn="l" rtl="0">
+              <a:spcBef>
+                <a:spcPts val="0"/>
+              </a:spcBef>
+              <a:spcAft>
+                <a:spcPts val="0"/>
+              </a:spcAft>
+              <a:buNone/>
+            </a:pPr>
+            <a:r>
+              <a:rPr lang="nl-NL" dirty="0"/>
+              <a:t>- Make a change </a:t>
+            </a:r>
+            <a:r>
+              <a:rPr lang="nl-NL" dirty="0" err="1"/>
+              <a:t>to</a:t>
+            </a:r>
+            <a:r>
+              <a:rPr lang="nl-NL" dirty="0"/>
+              <a:t> </a:t>
+            </a:r>
+            <a:r>
+              <a:rPr lang="nl-NL" dirty="0" err="1"/>
+              <a:t>the</a:t>
+            </a:r>
+            <a:r>
+              <a:rPr lang="nl-NL" dirty="0"/>
+              <a:t> name.txt</a:t>
+            </a:r>
+          </a:p>
+          <a:p>
+            <a:pPr marL="0" lvl="0" indent="0" algn="l" rtl="0">
+              <a:spcBef>
+                <a:spcPts val="0"/>
+              </a:spcBef>
+              <a:spcAft>
+                <a:spcPts val="0"/>
+              </a:spcAft>
+              <a:buNone/>
+            </a:pPr>
+            <a:r>
+              <a:rPr lang="nl-NL" dirty="0"/>
+              <a:t>- Git </a:t>
+            </a:r>
+            <a:r>
+              <a:rPr lang="nl-NL" dirty="0" err="1"/>
+              <a:t>add</a:t>
+            </a:r>
+            <a:r>
+              <a:rPr lang="nl-NL" dirty="0"/>
+              <a:t> / git </a:t>
             </a:r>
             <a:r>
               <a:rPr lang="nl-NL" dirty="0" err="1"/>
               <a:t>commit</a:t>
             </a:r>
-            <a:r>
-              <a:rPr lang="nl-NL" dirty="0"/>
-              <a:t> waarbij je alle tussenliggende </a:t>
-            </a:r>
-            <a:r>
-              <a:rPr lang="nl-NL" dirty="0" err="1"/>
-              <a:t>commits</a:t>
-            </a:r>
-            <a:r>
-              <a:rPr lang="nl-NL" dirty="0"/>
-              <a:t> weggooit.</a:t>
-            </a:r>
+            <a:endParaRPr lang="nl-NL" dirty="0"/>
           </a:p>
           <a:p>
             <a:pPr marL="0" lvl="0" indent="0" algn="l" rtl="0">
@@ -4189,6 +4277,84 @@
               </a:spcAft>
               <a:buNone/>
             </a:pPr>
+            <a:r>
+              <a:rPr lang="nl-NL" dirty="0"/>
+              <a:t>- </a:t>
+            </a:r>
+            <a:r>
+              <a:rPr lang="nl-NL" dirty="0" err="1"/>
+              <a:t>Use</a:t>
+            </a:r>
+            <a:r>
+              <a:rPr lang="nl-NL" dirty="0"/>
+              <a:t> git log </a:t>
+            </a:r>
+            <a:r>
+              <a:rPr lang="nl-NL" dirty="0" err="1"/>
+              <a:t>to</a:t>
+            </a:r>
+            <a:r>
+              <a:rPr lang="nl-NL" dirty="0"/>
+              <a:t> </a:t>
+            </a:r>
+            <a:r>
+              <a:rPr lang="nl-NL" dirty="0" err="1"/>
+              <a:t>see</a:t>
+            </a:r>
+            <a:r>
+              <a:rPr lang="nl-NL" dirty="0"/>
+              <a:t> </a:t>
+            </a:r>
+            <a:r>
+              <a:rPr lang="nl-NL" dirty="0" err="1"/>
+              <a:t>the</a:t>
+            </a:r>
+            <a:r>
+              <a:rPr lang="nl-NL" dirty="0"/>
+              <a:t> </a:t>
+            </a:r>
+            <a:r>
+              <a:rPr lang="nl-NL" dirty="0" err="1"/>
+              <a:t>previous</a:t>
+            </a:r>
+            <a:r>
+              <a:rPr lang="nl-NL" dirty="0"/>
+              <a:t> SHA</a:t>
+            </a:r>
+          </a:p>
+          <a:p>
+            <a:pPr marL="0" lvl="0" indent="0" algn="l" rtl="0">
+              <a:spcBef>
+                <a:spcPts val="0"/>
+              </a:spcBef>
+              <a:spcAft>
+                <a:spcPts val="0"/>
+              </a:spcAft>
+              <a:buNone/>
+            </a:pPr>
+            <a:r>
+              <a:rPr lang="nl-NL" dirty="0"/>
+              <a:t>- git reset --hard &lt;</a:t>
+            </a:r>
+            <a:r>
+              <a:rPr lang="nl-NL" dirty="0" err="1"/>
+              <a:t>commit</a:t>
+            </a:r>
+            <a:r>
+              <a:rPr lang="nl-NL" dirty="0"/>
+              <a:t>&gt;</a:t>
+            </a:r>
+          </a:p>
+          <a:p>
+            <a:pPr marL="0" lvl="0" indent="0" algn="l" rtl="0">
+              <a:spcBef>
+                <a:spcPts val="0"/>
+              </a:spcBef>
+              <a:spcAft>
+                <a:spcPts val="0"/>
+              </a:spcAft>
+              <a:buNone/>
+            </a:pPr>
             <a:endParaRPr lang="nl-NL" dirty="0"/>
           </a:p>
           <a:p>
@@ -4201,378 +4367,7 @@
               </a:spcAft>
               <a:buNone/>
             </a:pPr>
-            <a:r>
-              <a:rPr lang="nl-NL" dirty="0"/>
-              <a:t>Zonder </a:t>
-            </a:r>
-            <a:r>
-              <a:rPr lang="nl-NL" dirty="0" err="1"/>
-              <a:t>commit</a:t>
-            </a:r>
-            <a:r>
-              <a:rPr lang="nl-NL" dirty="0"/>
-              <a:t> te specificeren werkt git </a:t>
-            </a:r>
-            <a:r>
-              <a:rPr lang="nl-NL" dirty="0" err="1"/>
-              <a:t>commit</a:t>
-            </a:r>
-            <a:r>
-              <a:rPr lang="nl-NL" dirty="0"/>
-              <a:t> altijd op je laatste </a:t>
-            </a:r>
-            <a:r>
-              <a:rPr lang="nl-NL" dirty="0" err="1"/>
-              <a:t>commit</a:t>
-            </a:r>
-            <a:r>
-              <a:rPr lang="nl-NL" dirty="0"/>
-              <a:t> (HEAD genoemd)</a:t>
-            </a:r>
-          </a:p>
-          <a:p>
-            <a:pPr marL="0" lvl="0" indent="0" algn="l" rtl="0">
-              <a:spcBef>
-                <a:spcPts val="0"/>
-              </a:spcBef>
-              <a:spcAft>
-                <a:spcPts val="0"/>
-              </a:spcAft>
-              <a:buNone/>
-            </a:pPr>
             <a:endParaRPr lang="nl-NL" dirty="0"/>
-          </a:p>
-          <a:p>
-            <a:pPr marL="0" lvl="0" indent="0" algn="l" rtl="0">
-              <a:spcBef>
-                <a:spcPts val="0"/>
-              </a:spcBef>
-              <a:spcAft>
-                <a:spcPts val="0"/>
-              </a:spcAft>
-              <a:buNone/>
-            </a:pPr>
-            <a:r>
-              <a:rPr lang="nl-NL" dirty="0"/>
-              <a:t>(9 van de 10 keer gebruik ik git reset –hard)</a:t>
-            </a:r>
-          </a:p>
-          <a:p>
-            <a:pPr marL="0" lvl="0" indent="0" algn="l" rtl="0">
-              <a:spcBef>
-                <a:spcPts val="0"/>
-              </a:spcBef>
-              <a:spcAft>
-                <a:spcPts val="0"/>
-              </a:spcAft>
-              <a:buNone/>
-            </a:pPr>
-            <a:endParaRPr lang="nl-NL" dirty="0"/>
-          </a:p>
-          <a:p>
-            <a:pPr marL="0" lvl="0" indent="0" algn="l" rtl="0">
-              <a:spcBef>
-                <a:spcPts val="0"/>
-              </a:spcBef>
-              <a:spcAft>
-                <a:spcPts val="0"/>
-              </a:spcAft>
-              <a:buNone/>
-            </a:pPr>
-            <a:r>
-              <a:rPr lang="nl-NL" b="1" dirty="0"/>
-              <a:t>Demonstratie:</a:t>
-            </a:r>
-            <a:endParaRPr lang="nl-NL" dirty="0"/>
-          </a:p>
-          <a:p>
-            <a:pPr marL="0" lvl="0" indent="0" algn="l" rtl="0">
-              <a:spcBef>
-                <a:spcPts val="0"/>
-              </a:spcBef>
-              <a:spcAft>
-                <a:spcPts val="0"/>
-              </a:spcAft>
-              <a:buNone/>
-            </a:pPr>
-            <a:r>
-              <a:rPr lang="nl-NL" b="0" dirty="0"/>
-              <a:t>Alle drie varianten van git reset commando.</a:t>
-            </a:r>
-            <a:endParaRPr lang="nl-NL" dirty="0"/>
-          </a:p>
-          <a:p>
-            <a:pPr marL="0" lvl="0" indent="0" algn="l" rtl="0">
-              <a:spcBef>
-                <a:spcPts val="0"/>
-              </a:spcBef>
-              <a:spcAft>
-                <a:spcPts val="0"/>
-              </a:spcAft>
-              <a:buNone/>
-            </a:pPr>
-            <a:endParaRPr lang="nl-NL" b="0" dirty="0"/>
-          </a:p>
-          <a:p>
-            <a:pPr marL="0" lvl="0" indent="0" algn="l" rtl="0">
-              <a:spcBef>
-                <a:spcPts val="0"/>
-              </a:spcBef>
-              <a:spcAft>
-                <a:spcPts val="0"/>
-              </a:spcAft>
-              <a:buNone/>
-            </a:pPr>
-            <a:r>
-              <a:rPr lang="nl-NL" b="0" dirty="0"/>
-              <a:t>Demonstratie git reset –mixed:</a:t>
-            </a:r>
-            <a:endParaRPr lang="nl-NL" dirty="0"/>
-          </a:p>
-          <a:p>
-            <a:pPr marL="171450" lvl="0" indent="-171450" algn="l" rtl="0">
-              <a:spcBef>
-                <a:spcPts val="0"/>
-              </a:spcBef>
-              <a:spcAft>
-                <a:spcPts val="0"/>
-              </a:spcAft>
-              <a:buClr>
-                <a:schemeClr val="dk1"/>
-              </a:buClr>
-              <a:buSzPts val="1200"/>
-              <a:buFont typeface="Arial"/>
-              <a:buChar char="•"/>
-            </a:pPr>
-            <a:r>
-              <a:rPr lang="nl-NL" b="0" dirty="0"/>
-              <a:t>Bestaand bestand wijzigen</a:t>
-            </a:r>
-          </a:p>
-          <a:p>
-            <a:pPr marL="171450" lvl="0" indent="-171450" algn="l" rtl="0">
-              <a:spcBef>
-                <a:spcPts val="0"/>
-              </a:spcBef>
-              <a:spcAft>
-                <a:spcPts val="0"/>
-              </a:spcAft>
-              <a:buClr>
-                <a:schemeClr val="dk1"/>
-              </a:buClr>
-              <a:buSzPts val="1200"/>
-              <a:buFont typeface="Arial"/>
-              <a:buChar char="•"/>
-            </a:pPr>
-            <a:r>
-              <a:rPr lang="nl-NL" b="0" dirty="0"/>
-              <a:t>Toevoegen aan index via git </a:t>
-            </a:r>
-            <a:r>
-              <a:rPr lang="nl-NL" b="0" dirty="0" err="1"/>
-              <a:t>add</a:t>
-            </a:r>
-            <a:r>
-              <a:rPr lang="nl-NL" b="0" dirty="0"/>
-              <a:t> &lt;file&gt;</a:t>
-            </a:r>
-            <a:endParaRPr lang="nl-NL" dirty="0"/>
-          </a:p>
-          <a:p>
-            <a:pPr marL="171450" lvl="0" indent="-171450" algn="l" rtl="0">
-              <a:spcBef>
-                <a:spcPts val="0"/>
-              </a:spcBef>
-              <a:spcAft>
-                <a:spcPts val="0"/>
-              </a:spcAft>
-              <a:buClr>
-                <a:schemeClr val="dk1"/>
-              </a:buClr>
-              <a:buSzPts val="1200"/>
-              <a:buFont typeface="Arial"/>
-              <a:buChar char="•"/>
-            </a:pPr>
-            <a:r>
-              <a:rPr lang="nl-NL" b="0" dirty="0"/>
-              <a:t>Reset via git reset –mixed. Index is weer leeg, wijzigingen staan nog in </a:t>
-            </a:r>
-            <a:r>
-              <a:rPr lang="nl-NL" b="0" dirty="0" err="1"/>
-              <a:t>working</a:t>
-            </a:r>
-            <a:r>
-              <a:rPr lang="nl-NL" b="0" dirty="0"/>
-              <a:t> directory.</a:t>
-            </a:r>
-            <a:endParaRPr lang="nl-NL" dirty="0"/>
-          </a:p>
-          <a:p>
-            <a:pPr marL="171450" lvl="0" indent="-95250" algn="l" rtl="0">
-              <a:spcBef>
-                <a:spcPts val="0"/>
-              </a:spcBef>
-              <a:spcAft>
-                <a:spcPts val="0"/>
-              </a:spcAft>
-              <a:buClr>
-                <a:schemeClr val="dk1"/>
-              </a:buClr>
-              <a:buSzPts val="1200"/>
-              <a:buFont typeface="Arial"/>
-              <a:buNone/>
-            </a:pPr>
-            <a:endParaRPr lang="nl-NL" b="0" dirty="0"/>
-          </a:p>
-          <a:p>
-            <a:pPr marL="0" lvl="0" indent="0" algn="l" rtl="0">
-              <a:spcBef>
-                <a:spcPts val="0"/>
-              </a:spcBef>
-              <a:spcAft>
-                <a:spcPts val="0"/>
-              </a:spcAft>
-              <a:buClr>
-                <a:schemeClr val="dk1"/>
-              </a:buClr>
-              <a:buSzPts val="1200"/>
-              <a:buFont typeface="Arial"/>
-              <a:buNone/>
-            </a:pPr>
-            <a:r>
-              <a:rPr lang="nl-NL" b="0" dirty="0"/>
-              <a:t>Demonstratie git reset –hard</a:t>
-            </a:r>
-            <a:endParaRPr lang="nl-NL" dirty="0"/>
-          </a:p>
-          <a:p>
-            <a:pPr marL="171450" lvl="0" indent="-171450" algn="l" rtl="0">
-              <a:spcBef>
-                <a:spcPts val="0"/>
-              </a:spcBef>
-              <a:spcAft>
-                <a:spcPts val="0"/>
-              </a:spcAft>
-              <a:buClr>
-                <a:schemeClr val="dk1"/>
-              </a:buClr>
-              <a:buSzPts val="1200"/>
-              <a:buFont typeface="Arial"/>
-              <a:buChar char="•"/>
-            </a:pPr>
-            <a:r>
-              <a:rPr lang="nl-NL" b="0" dirty="0"/>
-              <a:t>Bestaand bestand wijzigen</a:t>
-            </a:r>
-          </a:p>
-          <a:p>
-            <a:pPr marL="171450" lvl="0" indent="-171450" algn="l" rtl="0">
-              <a:spcBef>
-                <a:spcPts val="0"/>
-              </a:spcBef>
-              <a:spcAft>
-                <a:spcPts val="0"/>
-              </a:spcAft>
-              <a:buClr>
-                <a:schemeClr val="dk1"/>
-              </a:buClr>
-              <a:buSzPts val="1200"/>
-              <a:buFont typeface="Arial"/>
-              <a:buChar char="•"/>
-            </a:pPr>
-            <a:r>
-              <a:rPr lang="nl-NL" b="0" dirty="0"/>
-              <a:t>Toevoegen aan index via git </a:t>
-            </a:r>
-            <a:r>
-              <a:rPr lang="nl-NL" b="0" dirty="0" err="1"/>
-              <a:t>add</a:t>
-            </a:r>
-            <a:r>
-              <a:rPr lang="nl-NL" b="0" dirty="0"/>
-              <a:t> &lt;file&gt;</a:t>
-            </a:r>
-            <a:endParaRPr lang="nl-NL" dirty="0"/>
-          </a:p>
-          <a:p>
-            <a:pPr marL="171450" lvl="0" indent="-171450" algn="l" rtl="0">
-              <a:spcBef>
-                <a:spcPts val="0"/>
-              </a:spcBef>
-              <a:spcAft>
-                <a:spcPts val="0"/>
-              </a:spcAft>
-              <a:buClr>
-                <a:schemeClr val="dk1"/>
-              </a:buClr>
-              <a:buSzPts val="1200"/>
-              <a:buFont typeface="Arial"/>
-              <a:buChar char="•"/>
-            </a:pPr>
-            <a:r>
-              <a:rPr lang="nl-NL" b="0" dirty="0"/>
-              <a:t>Reset via git reset –hard. Zowel index als </a:t>
-            </a:r>
-            <a:r>
-              <a:rPr lang="nl-NL" b="0" dirty="0" err="1"/>
-              <a:t>working</a:t>
-            </a:r>
-            <a:r>
-              <a:rPr lang="nl-NL" b="0" dirty="0"/>
-              <a:t> directory is nu leeg.</a:t>
-            </a:r>
-            <a:endParaRPr lang="nl-NL" dirty="0"/>
-          </a:p>
-          <a:p>
-            <a:pPr marL="171450" lvl="0" indent="-95250" algn="l" rtl="0">
-              <a:spcBef>
-                <a:spcPts val="0"/>
-              </a:spcBef>
-              <a:spcAft>
-                <a:spcPts val="0"/>
-              </a:spcAft>
-              <a:buClr>
-                <a:schemeClr val="dk1"/>
-              </a:buClr>
-              <a:buSzPts val="1200"/>
-              <a:buFont typeface="Arial"/>
-              <a:buNone/>
-            </a:pPr>
-            <a:endParaRPr lang="nl-NL" b="0" dirty="0"/>
-          </a:p>
-          <a:p>
-            <a:pPr marL="171450" lvl="0" indent="-95250" algn="l" rtl="0">
-              <a:spcBef>
-                <a:spcPts val="0"/>
-              </a:spcBef>
-              <a:spcAft>
-                <a:spcPts val="0"/>
-              </a:spcAft>
-              <a:buClr>
-                <a:schemeClr val="dk1"/>
-              </a:buClr>
-              <a:buSzPts val="1200"/>
-              <a:buFont typeface="Arial"/>
-              <a:buNone/>
-            </a:pPr>
-            <a:endParaRPr lang="nl-NL" b="0" dirty="0"/>
-          </a:p>
-          <a:p>
-            <a:pPr marL="171450" lvl="0" indent="-95250" algn="l" rtl="0">
-              <a:spcBef>
-                <a:spcPts val="0"/>
-              </a:spcBef>
-              <a:spcAft>
-                <a:spcPts val="0"/>
-              </a:spcAft>
-              <a:buClr>
-                <a:schemeClr val="dk1"/>
-              </a:buClr>
-              <a:buSzPts val="1200"/>
-              <a:buFont typeface="Arial"/>
-              <a:buNone/>
-            </a:pPr>
-            <a:endParaRPr lang="nl-NL" b="0" dirty="0"/>
           </a:p>
         </p:txBody>
       </p:sp>
@@ -4602,7 +4397,7 @@
     </p:spTree>
     <p:extLst>
       <p:ext uri="{BB962C8B-B14F-4D97-AF65-F5344CB8AC3E}">
-        <p14:creationId xmlns:p14="http://schemas.microsoft.com/office/powerpoint/2010/main" val="2871199983"/>
+        <p14:creationId xmlns:p14="http://schemas.microsoft.com/office/powerpoint/2010/main" val="3629021081"/>
       </p:ext>
     </p:extLst>
   </p:cSld>
@@ -4666,39 +4461,186 @@
               <a:buNone/>
             </a:pPr>
             <a:r>
-              <a:rPr lang="nl-NL" dirty="0"/>
-              <a:t>Met de voorgaande commando’s heb je alles wat je nodig hebt om in een </a:t>
-            </a:r>
-            <a:r>
-              <a:rPr lang="nl-NL" dirty="0" err="1"/>
-              <a:t>locale</a:t>
-            </a:r>
-            <a:r>
-              <a:rPr lang="nl-NL" dirty="0"/>
-              <a:t> </a:t>
-            </a:r>
-            <a:r>
-              <a:rPr lang="nl-NL" dirty="0" err="1"/>
-              <a:t>repository</a:t>
-            </a:r>
-            <a:r>
-              <a:rPr lang="nl-NL" dirty="0"/>
-              <a:t> te kunnen werken zonder branches. Maar goed, dat is natuurlijk niet veel meer dan een veredeld </a:t>
-            </a:r>
-            <a:r>
-              <a:rPr lang="nl-NL" dirty="0" err="1"/>
-              <a:t>backup</a:t>
-            </a:r>
-            <a:r>
-              <a:rPr lang="nl-NL" dirty="0"/>
-              <a:t> systeem. We gaan nu branches toevoegen aan onze </a:t>
-            </a:r>
-            <a:r>
-              <a:rPr lang="nl-NL" dirty="0" err="1"/>
-              <a:t>repository</a:t>
-            </a:r>
-            <a:r>
-              <a:rPr lang="nl-NL" dirty="0"/>
+              <a:rPr lang="en-GB" dirty="0"/>
+              <a:t>EXERCISE</a:t>
+            </a:r>
+          </a:p>
+          <a:p>
+            <a:pPr marL="0" lvl="0" indent="0" algn="l" rtl="0">
+              <a:spcBef>
+                <a:spcPts val="0"/>
+              </a:spcBef>
+              <a:spcAft>
+                <a:spcPts val="0"/>
+              </a:spcAft>
+              <a:buNone/>
+            </a:pPr>
+            <a:r>
+              <a:rPr lang="en-GB" dirty="0"/>
+              <a:t>- Copy name.txt to </a:t>
+            </a:r>
+            <a:r>
+              <a:rPr lang="en-GB" dirty="0" err="1"/>
+              <a:t>name.bak</a:t>
+            </a:r>
+            <a:endParaRPr lang="en-GB" dirty="0"/>
+          </a:p>
+          <a:p>
+            <a:pPr marL="0" lvl="0" indent="0" algn="l" rtl="0">
+              <a:spcBef>
+                <a:spcPts val="0"/>
+              </a:spcBef>
+              <a:spcAft>
+                <a:spcPts val="0"/>
+              </a:spcAft>
+              <a:buNone/>
+            </a:pPr>
+            <a:r>
+              <a:rPr lang="en-GB" dirty="0"/>
+              <a:t>- git status</a:t>
+            </a:r>
+          </a:p>
+          <a:p>
+            <a:pPr marL="0" lvl="0" indent="0" algn="l" rtl="0">
+              <a:spcBef>
+                <a:spcPts val="0"/>
+              </a:spcBef>
+              <a:spcAft>
+                <a:spcPts val="0"/>
+              </a:spcAft>
+              <a:buNone/>
+            </a:pPr>
+            <a:r>
+              <a:rPr lang="en-GB" dirty="0"/>
+              <a:t>- Create a .</a:t>
+            </a:r>
+            <a:r>
+              <a:rPr lang="en-GB" dirty="0" err="1"/>
+              <a:t>gitignore</a:t>
+            </a:r>
+            <a:r>
+              <a:rPr lang="en-GB" dirty="0"/>
+              <a:t> file with the contents *.</a:t>
+            </a:r>
+            <a:r>
+              <a:rPr lang="en-GB" dirty="0" err="1"/>
+              <a:t>bak</a:t>
+            </a:r>
+            <a:endParaRPr lang="en-GB" dirty="0"/>
+          </a:p>
+          <a:p>
+            <a:pPr marL="0" lvl="0" indent="0" algn="l" rtl="0">
+              <a:spcBef>
+                <a:spcPts val="0"/>
+              </a:spcBef>
+              <a:spcAft>
+                <a:spcPts val="0"/>
+              </a:spcAft>
+              <a:buNone/>
+            </a:pPr>
+            <a:r>
+              <a:rPr lang="en-GB" dirty="0"/>
+              <a:t>- git status</a:t>
+            </a:r>
+          </a:p>
+          <a:p>
+            <a:pPr marL="0" lvl="0" indent="0" algn="l" rtl="0">
+              <a:spcBef>
+                <a:spcPts val="0"/>
+              </a:spcBef>
+              <a:spcAft>
+                <a:spcPts val="0"/>
+              </a:spcAft>
+              <a:buNone/>
+            </a:pPr>
+            <a:r>
+              <a:rPr lang="en-GB" dirty="0"/>
+              <a:t>- git add .</a:t>
+            </a:r>
+            <a:r>
+              <a:rPr lang="en-GB" dirty="0" err="1"/>
+              <a:t>gitignore</a:t>
+            </a:r>
+            <a:endParaRPr lang="en-GB" dirty="0"/>
+          </a:p>
+          <a:p>
+            <a:pPr marL="0" lvl="0" indent="0" algn="l" rtl="0">
+              <a:spcBef>
+                <a:spcPts val="0"/>
+              </a:spcBef>
+              <a:spcAft>
+                <a:spcPts val="0"/>
+              </a:spcAft>
+              <a:buNone/>
+            </a:pPr>
+            <a:r>
+              <a:rPr lang="en-GB" dirty="0"/>
+              <a:t>- git commit</a:t>
+            </a:r>
+          </a:p>
+          <a:p>
+            <a:pPr marL="0" lvl="0" indent="0" algn="l" rtl="0">
+              <a:spcBef>
+                <a:spcPts val="0"/>
+              </a:spcBef>
+              <a:spcAft>
+                <a:spcPts val="0"/>
+              </a:spcAft>
+              <a:buNone/>
+            </a:pPr>
+            <a:endParaRPr lang="en-GB" dirty="0"/>
+          </a:p>
+          <a:p>
+            <a:pPr marL="0" lvl="0" indent="0" algn="l" rtl="0">
+              <a:spcBef>
+                <a:spcPts val="0"/>
+              </a:spcBef>
+              <a:spcAft>
+                <a:spcPts val="0"/>
+              </a:spcAft>
+              <a:buNone/>
+            </a:pPr>
+            <a:r>
+              <a:rPr lang="en-GB" dirty="0"/>
+              <a:t>QUESTION</a:t>
+            </a:r>
+          </a:p>
+          <a:p>
+            <a:pPr marL="0" lvl="0" indent="0" algn="l" rtl="0">
+              <a:spcBef>
+                <a:spcPts val="0"/>
+              </a:spcBef>
+              <a:spcAft>
+                <a:spcPts val="0"/>
+              </a:spcAft>
+              <a:buNone/>
+            </a:pPr>
+            <a:r>
+              <a:rPr lang="en-GB" dirty="0"/>
+              <a:t>- When a .</a:t>
+            </a:r>
+            <a:r>
+              <a:rPr lang="en-GB" dirty="0" err="1"/>
+              <a:t>bak</a:t>
+            </a:r>
+            <a:r>
+              <a:rPr lang="en-GB" dirty="0"/>
+              <a:t> file has been added to git and later you create a .</a:t>
+            </a:r>
+            <a:r>
+              <a:rPr lang="en-GB" dirty="0" err="1"/>
+              <a:t>gitignore</a:t>
+            </a:r>
+            <a:r>
+              <a:rPr lang="en-GB" dirty="0"/>
+              <a:t> file with *.</a:t>
+            </a:r>
+            <a:r>
+              <a:rPr lang="en-GB" dirty="0" err="1"/>
+              <a:t>bak</a:t>
+            </a:r>
+            <a:r>
+              <a:rPr lang="en-GB" dirty="0"/>
               <a:t>.</a:t>
             </a:r>
           </a:p>
@@ -4712,443 +4654,54 @@
               </a:spcAft>
               <a:buNone/>
             </a:pPr>
+            <a:r>
+              <a:rPr lang="en-GB" dirty="0"/>
+              <a:t>- And now you change that .</a:t>
+            </a:r>
+            <a:r>
+              <a:rPr lang="en-GB" dirty="0" err="1"/>
+              <a:t>bak</a:t>
+            </a:r>
+            <a:r>
+              <a:rPr lang="en-GB" dirty="0"/>
+              <a:t> file, will Git record it as a change? Yes or no? Why?</a:t>
+            </a:r>
+          </a:p>
+          <a:p>
+            <a:pPr marL="0" lvl="0" indent="0" algn="l" rtl="0">
+              <a:spcBef>
+                <a:spcPts val="0"/>
+              </a:spcBef>
+              <a:spcAft>
+                <a:spcPts val="0"/>
+              </a:spcAft>
+              <a:buNone/>
+            </a:pPr>
+            <a:endParaRPr lang="en-GB" dirty="0"/>
+          </a:p>
+          <a:p>
+            <a:pPr marL="0" lvl="0" indent="0" algn="l" rtl="0">
+              <a:spcBef>
+                <a:spcPts val="0"/>
+              </a:spcBef>
+              <a:spcAft>
+                <a:spcPts val="0"/>
+              </a:spcAft>
+              <a:buNone/>
+            </a:pPr>
+            <a:endParaRPr lang="en-GB" dirty="0"/>
+          </a:p>
+          <a:p>
+            <a:pPr marL="0" lvl="0" indent="0" algn="l" rtl="0">
+              <a:spcBef>
+                <a:spcPts val="0"/>
+              </a:spcBef>
+              <a:spcAft>
+                <a:spcPts val="0"/>
+              </a:spcAft>
+              <a:buNone/>
+            </a:pPr>
             <a:endParaRPr lang="nl-NL" dirty="0"/>
-          </a:p>
-          <a:p>
-            <a:pPr marL="0" lvl="0" indent="0" algn="l" rtl="0">
-              <a:spcBef>
-                <a:spcPts val="0"/>
-              </a:spcBef>
-              <a:spcAft>
-                <a:spcPts val="0"/>
-              </a:spcAft>
-              <a:buNone/>
-            </a:pPr>
-            <a:r>
-              <a:rPr lang="nl-NL" dirty="0"/>
-              <a:t>Demonstratie:</a:t>
-            </a:r>
-          </a:p>
-          <a:p>
-            <a:pPr marL="0" lvl="0" indent="0" algn="l" rtl="0">
-              <a:spcBef>
-                <a:spcPts val="0"/>
-              </a:spcBef>
-              <a:spcAft>
-                <a:spcPts val="0"/>
-              </a:spcAft>
-              <a:buNone/>
-            </a:pPr>
-            <a:r>
-              <a:rPr lang="nl-NL" dirty="0"/>
-              <a:t>Git </a:t>
-            </a:r>
-            <a:r>
-              <a:rPr lang="nl-NL" dirty="0" err="1"/>
-              <a:t>branch</a:t>
-            </a:r>
-            <a:r>
-              <a:rPr lang="nl-NL" dirty="0"/>
-              <a:t> demonstreren: aanmaken van een </a:t>
-            </a:r>
-            <a:r>
-              <a:rPr lang="nl-NL" dirty="0" err="1"/>
-              <a:t>branch</a:t>
-            </a:r>
-            <a:r>
-              <a:rPr lang="nl-NL" dirty="0"/>
-              <a:t>. </a:t>
-            </a:r>
-          </a:p>
-          <a:p>
-            <a:pPr marL="0" lvl="0" indent="0" algn="l" rtl="0">
-              <a:spcBef>
-                <a:spcPts val="0"/>
-              </a:spcBef>
-              <a:spcAft>
-                <a:spcPts val="0"/>
-              </a:spcAft>
-              <a:buNone/>
-            </a:pPr>
-            <a:r>
-              <a:rPr lang="nl-NL" dirty="0"/>
-              <a:t>Meerdere mogelijkheden: </a:t>
-            </a:r>
-          </a:p>
-          <a:p>
-            <a:pPr marL="0" lvl="0" indent="0" algn="l" rtl="0">
-              <a:spcBef>
-                <a:spcPts val="0"/>
-              </a:spcBef>
-              <a:spcAft>
-                <a:spcPts val="0"/>
-              </a:spcAft>
-              <a:buNone/>
-            </a:pPr>
-            <a:endParaRPr lang="nl-NL" dirty="0"/>
-          </a:p>
-          <a:p>
-            <a:pPr marL="0" lvl="0" indent="0" algn="l" rtl="0">
-              <a:spcBef>
-                <a:spcPts val="0"/>
-              </a:spcBef>
-              <a:spcAft>
-                <a:spcPts val="0"/>
-              </a:spcAft>
-              <a:buNone/>
-            </a:pPr>
-            <a:r>
-              <a:rPr lang="nl-NL" dirty="0"/>
-              <a:t>git </a:t>
-            </a:r>
-            <a:r>
-              <a:rPr lang="nl-NL" dirty="0" err="1"/>
-              <a:t>branch</a:t>
-            </a:r>
-            <a:r>
-              <a:rPr lang="nl-NL" dirty="0"/>
-              <a:t> laat namen van branches zien. </a:t>
-            </a:r>
-          </a:p>
-          <a:p>
-            <a:pPr marL="0" lvl="0" indent="0" algn="l" rtl="0">
-              <a:spcBef>
-                <a:spcPts val="0"/>
-              </a:spcBef>
-              <a:spcAft>
-                <a:spcPts val="0"/>
-              </a:spcAft>
-              <a:buNone/>
-            </a:pPr>
-            <a:r>
-              <a:rPr lang="nl-NL" dirty="0"/>
-              <a:t>Git </a:t>
-            </a:r>
-            <a:r>
-              <a:rPr lang="nl-NL" dirty="0" err="1"/>
-              <a:t>branch</a:t>
-            </a:r>
-            <a:r>
-              <a:rPr lang="nl-NL" dirty="0"/>
-              <a:t> &lt;</a:t>
-            </a:r>
-            <a:r>
-              <a:rPr lang="nl-NL" dirty="0" err="1"/>
-              <a:t>branchnaam</a:t>
-            </a:r>
-            <a:r>
-              <a:rPr lang="nl-NL" dirty="0"/>
-              <a:t>&gt; maakt </a:t>
-            </a:r>
-            <a:r>
-              <a:rPr lang="nl-NL" dirty="0" err="1"/>
-              <a:t>branch</a:t>
-            </a:r>
-            <a:r>
-              <a:rPr lang="nl-NL" dirty="0"/>
-              <a:t> aan. </a:t>
-            </a:r>
-          </a:p>
-          <a:p>
-            <a:pPr marL="0" lvl="0" indent="0" algn="l" rtl="0">
-              <a:spcBef>
-                <a:spcPts val="0"/>
-              </a:spcBef>
-              <a:spcAft>
-                <a:spcPts val="0"/>
-              </a:spcAft>
-              <a:buNone/>
-            </a:pPr>
-            <a:r>
-              <a:rPr lang="nl-NL" dirty="0"/>
-              <a:t>Git </a:t>
-            </a:r>
-            <a:r>
-              <a:rPr lang="nl-NL" dirty="0" err="1"/>
-              <a:t>branch</a:t>
-            </a:r>
-            <a:r>
-              <a:rPr lang="nl-NL" dirty="0"/>
-              <a:t> &lt;</a:t>
-            </a:r>
-            <a:r>
-              <a:rPr lang="nl-NL" dirty="0" err="1"/>
-              <a:t>branchnaam</a:t>
-            </a:r>
-            <a:r>
-              <a:rPr lang="nl-NL" dirty="0"/>
-              <a:t>&gt; </a:t>
-            </a:r>
-            <a:r>
-              <a:rPr lang="nl-NL" dirty="0" err="1"/>
-              <a:t>commit</a:t>
-            </a:r>
-            <a:r>
-              <a:rPr lang="nl-NL" dirty="0"/>
-              <a:t> maakt </a:t>
-            </a:r>
-            <a:r>
-              <a:rPr lang="nl-NL" dirty="0" err="1"/>
-              <a:t>branch</a:t>
-            </a:r>
-            <a:r>
-              <a:rPr lang="nl-NL" dirty="0"/>
-              <a:t> aan op basis van voorgaande </a:t>
-            </a:r>
-            <a:r>
-              <a:rPr lang="nl-NL" dirty="0" err="1"/>
-              <a:t>commit</a:t>
-            </a:r>
-            <a:r>
-              <a:rPr lang="nl-NL" dirty="0"/>
-              <a:t>.</a:t>
-            </a:r>
-          </a:p>
-          <a:p>
-            <a:pPr marL="0" lvl="0" indent="0" algn="l" rtl="0">
-              <a:spcBef>
-                <a:spcPts val="0"/>
-              </a:spcBef>
-              <a:spcAft>
-                <a:spcPts val="0"/>
-              </a:spcAft>
-              <a:buNone/>
-            </a:pPr>
-            <a:r>
-              <a:rPr lang="nl-NL" dirty="0"/>
-              <a:t>Git </a:t>
-            </a:r>
-            <a:r>
-              <a:rPr lang="nl-NL" dirty="0" err="1"/>
-              <a:t>branch</a:t>
-            </a:r>
-            <a:r>
-              <a:rPr lang="nl-NL" dirty="0"/>
-              <a:t> –d &lt;</a:t>
-            </a:r>
-            <a:r>
-              <a:rPr lang="nl-NL" dirty="0" err="1"/>
-              <a:t>branchnaam</a:t>
-            </a:r>
-            <a:r>
-              <a:rPr lang="nl-NL" dirty="0"/>
-              <a:t>&gt; verwijdert </a:t>
-            </a:r>
-            <a:r>
-              <a:rPr lang="nl-NL" dirty="0" err="1"/>
-              <a:t>branch</a:t>
-            </a:r>
-            <a:endParaRPr lang="nl-NL" dirty="0"/>
-          </a:p>
-          <a:p>
-            <a:pPr marL="0" lvl="0" indent="0" algn="l" rtl="0">
-              <a:spcBef>
-                <a:spcPts val="0"/>
-              </a:spcBef>
-              <a:spcAft>
-                <a:spcPts val="0"/>
-              </a:spcAft>
-              <a:buNone/>
-            </a:pPr>
-            <a:endParaRPr lang="nl-NL" dirty="0"/>
-          </a:p>
-          <a:p>
-            <a:pPr marL="0" lvl="0" indent="0" algn="l" rtl="0">
-              <a:spcBef>
-                <a:spcPts val="0"/>
-              </a:spcBef>
-              <a:spcAft>
-                <a:spcPts val="0"/>
-              </a:spcAft>
-              <a:buNone/>
-            </a:pPr>
-            <a:r>
-              <a:rPr lang="nl-NL" dirty="0"/>
-              <a:t>Git </a:t>
-            </a:r>
-            <a:r>
-              <a:rPr lang="nl-NL" dirty="0" err="1"/>
-              <a:t>checkout</a:t>
-            </a:r>
-            <a:r>
-              <a:rPr lang="nl-NL" dirty="0"/>
-              <a:t>: switchen tussen een </a:t>
-            </a:r>
-            <a:r>
-              <a:rPr lang="nl-NL" dirty="0" err="1"/>
-              <a:t>branch</a:t>
-            </a:r>
-            <a:r>
-              <a:rPr lang="nl-NL" dirty="0"/>
-              <a:t>. Let wel: indien het mogelijk is zullen wijzigingen in de index/</a:t>
-            </a:r>
-            <a:r>
-              <a:rPr lang="nl-NL" dirty="0" err="1"/>
-              <a:t>working</a:t>
-            </a:r>
-            <a:r>
-              <a:rPr lang="nl-NL" dirty="0"/>
-              <a:t> directory bewaard blijven. Indien dit problemen oplevert zal de </a:t>
-            </a:r>
-            <a:r>
-              <a:rPr lang="nl-NL" dirty="0" err="1"/>
-              <a:t>checkout</a:t>
-            </a:r>
-            <a:r>
-              <a:rPr lang="nl-NL" dirty="0"/>
-              <a:t> niet doorgaan.</a:t>
-            </a:r>
-          </a:p>
-          <a:p>
-            <a:pPr marL="0" lvl="0" indent="0" algn="l" rtl="0">
-              <a:spcBef>
-                <a:spcPts val="0"/>
-              </a:spcBef>
-              <a:spcAft>
-                <a:spcPts val="0"/>
-              </a:spcAft>
-              <a:buNone/>
-            </a:pPr>
-            <a:endParaRPr lang="nl-NL" dirty="0"/>
-          </a:p>
-          <a:p>
-            <a:pPr marL="0" lvl="0" indent="0" algn="l" rtl="0">
-              <a:spcBef>
-                <a:spcPts val="0"/>
-              </a:spcBef>
-              <a:spcAft>
-                <a:spcPts val="0"/>
-              </a:spcAft>
-              <a:buNone/>
-            </a:pPr>
-            <a:r>
-              <a:rPr lang="nl-NL" dirty="0"/>
-              <a:t>Tegenwoordig voor Git </a:t>
-            </a:r>
-            <a:r>
-              <a:rPr lang="nl-NL" dirty="0" err="1"/>
-              <a:t>checkout</a:t>
-            </a:r>
-            <a:r>
-              <a:rPr lang="nl-NL" dirty="0"/>
-              <a:t> om oude bestanden uit te checken kun je ook git </a:t>
-            </a:r>
-            <a:r>
-              <a:rPr lang="nl-NL" dirty="0" err="1"/>
-              <a:t>restore</a:t>
-            </a:r>
-            <a:r>
-              <a:rPr lang="nl-NL" dirty="0"/>
-              <a:t> gebruiken.</a:t>
-            </a:r>
-          </a:p>
-          <a:p>
-            <a:pPr marL="0" lvl="0" indent="0" algn="l" rtl="0">
-              <a:spcBef>
-                <a:spcPts val="0"/>
-              </a:spcBef>
-              <a:spcAft>
-                <a:spcPts val="0"/>
-              </a:spcAft>
-              <a:buNone/>
-            </a:pPr>
-            <a:r>
-              <a:rPr lang="nl-NL" dirty="0"/>
-              <a:t>Syntax: git </a:t>
-            </a:r>
-            <a:r>
-              <a:rPr lang="nl-NL" dirty="0" err="1"/>
-              <a:t>restore</a:t>
-            </a:r>
-            <a:r>
-              <a:rPr lang="nl-NL" dirty="0"/>
-              <a:t> --source 5d40889 </a:t>
-            </a:r>
-            <a:r>
-              <a:rPr lang="nl-NL" dirty="0" err="1"/>
-              <a:t>AssemblyInfo.cs</a:t>
-            </a:r>
-            <a:endParaRPr lang="nl-NL" dirty="0"/>
-          </a:p>
-          <a:p>
-            <a:pPr marL="0" lvl="0" indent="0" algn="l" rtl="0">
-              <a:spcBef>
-                <a:spcPts val="0"/>
-              </a:spcBef>
-              <a:spcAft>
-                <a:spcPts val="0"/>
-              </a:spcAft>
-              <a:buNone/>
-            </a:pPr>
-            <a:endParaRPr lang="nl-NL" dirty="0"/>
-          </a:p>
-          <a:p>
-            <a:pPr marL="0" lvl="0" indent="0" algn="l" rtl="0">
-              <a:spcBef>
-                <a:spcPts val="0"/>
-              </a:spcBef>
-              <a:spcAft>
-                <a:spcPts val="0"/>
-              </a:spcAft>
-              <a:buNone/>
-            </a:pPr>
-            <a:endParaRPr lang="nl-NL" dirty="0"/>
-          </a:p>
-          <a:p>
-            <a:pPr marL="0" lvl="0" indent="0" algn="l" rtl="0">
-              <a:spcBef>
-                <a:spcPts val="0"/>
-              </a:spcBef>
-              <a:spcAft>
-                <a:spcPts val="0"/>
-              </a:spcAft>
-              <a:buNone/>
-            </a:pPr>
-            <a:endParaRPr lang="nl-NL" dirty="0"/>
-          </a:p>
-          <a:p>
-            <a:pPr marL="0" lvl="0" indent="0" algn="l" rtl="0">
-              <a:spcBef>
-                <a:spcPts val="0"/>
-              </a:spcBef>
-              <a:spcAft>
-                <a:spcPts val="0"/>
-              </a:spcAft>
-              <a:buNone/>
-            </a:pPr>
-            <a:r>
-              <a:rPr lang="nl-NL" dirty="0"/>
-              <a:t>.</a:t>
-            </a:r>
-          </a:p>
-          <a:p>
-            <a:pPr marL="0" lvl="0" indent="0" algn="l" rtl="0">
-              <a:spcBef>
-                <a:spcPts val="0"/>
-              </a:spcBef>
-              <a:spcAft>
-                <a:spcPts val="0"/>
-              </a:spcAft>
-              <a:buNone/>
-            </a:pPr>
-            <a:endParaRPr lang="nl-NL" dirty="0"/>
-          </a:p>
-          <a:p>
-            <a:pPr marL="171450" lvl="0" indent="-95250" algn="l" rtl="0">
-              <a:spcBef>
-                <a:spcPts val="0"/>
-              </a:spcBef>
-              <a:spcAft>
-                <a:spcPts val="0"/>
-              </a:spcAft>
-              <a:buClr>
-                <a:schemeClr val="dk1"/>
-              </a:buClr>
-              <a:buSzPts val="1200"/>
-              <a:buFont typeface="Arial"/>
-              <a:buNone/>
-            </a:pPr>
-            <a:endParaRPr lang="nl-NL" b="0" dirty="0"/>
           </a:p>
         </p:txBody>
       </p:sp>
@@ -5178,7 +4731,7 @@
     </p:spTree>
     <p:extLst>
       <p:ext uri="{BB962C8B-B14F-4D97-AF65-F5344CB8AC3E}">
-        <p14:creationId xmlns:p14="http://schemas.microsoft.com/office/powerpoint/2010/main" val="555849691"/>
+        <p14:creationId xmlns:p14="http://schemas.microsoft.com/office/powerpoint/2010/main" val="2871199983"/>
       </p:ext>
     </p:extLst>
   </p:cSld>
@@ -5232,98 +4785,7 @@
           <a:bodyPr/>
           <a:lstStyle/>
           <a:p>
-            <a:pPr marL="0" lvl="0" indent="0" algn="l" rtl="0">
-              <a:spcBef>
-                <a:spcPts val="0"/>
-              </a:spcBef>
-              <a:spcAft>
-                <a:spcPts val="0"/>
-              </a:spcAft>
-              <a:buNone/>
-            </a:pPr>
-            <a:r>
-              <a:rPr lang="nl-NL" b="1" dirty="0"/>
-              <a:t>Demonstratie:</a:t>
-            </a:r>
-            <a:endParaRPr lang="nl-NL" dirty="0"/>
-          </a:p>
-          <a:p>
-            <a:pPr marL="0" lvl="0" indent="0" algn="l" rtl="0">
-              <a:spcBef>
-                <a:spcPts val="0"/>
-              </a:spcBef>
-              <a:spcAft>
-                <a:spcPts val="0"/>
-              </a:spcAft>
-              <a:buNone/>
-            </a:pPr>
-            <a:r>
-              <a:rPr lang="nl-NL" dirty="0"/>
-              <a:t>Voorbeeld geven van </a:t>
-            </a:r>
-            <a:r>
-              <a:rPr lang="nl-NL" dirty="0" err="1"/>
-              <a:t>merge</a:t>
-            </a:r>
-            <a:r>
-              <a:rPr lang="nl-NL" dirty="0"/>
-              <a:t> zonder </a:t>
-            </a:r>
-            <a:r>
-              <a:rPr lang="nl-NL" dirty="0" err="1"/>
-              <a:t>mergeconflict</a:t>
-            </a:r>
-            <a:r>
-              <a:rPr lang="nl-NL" dirty="0"/>
-              <a:t> en met </a:t>
-            </a:r>
-            <a:r>
-              <a:rPr lang="nl-NL" dirty="0" err="1"/>
-              <a:t>mergeconflict</a:t>
-            </a:r>
-            <a:r>
-              <a:rPr lang="nl-NL" dirty="0"/>
-              <a:t>. Dit demonstreren door eerst zonder </a:t>
-            </a:r>
-            <a:r>
-              <a:rPr lang="nl-NL" dirty="0" err="1"/>
-              <a:t>merge</a:t>
-            </a:r>
-            <a:r>
-              <a:rPr lang="nl-NL" dirty="0"/>
-              <a:t>-conflict te </a:t>
-            </a:r>
-            <a:r>
-              <a:rPr lang="nl-NL" dirty="0" err="1"/>
-              <a:t>mergen</a:t>
-            </a:r>
-            <a:r>
-              <a:rPr lang="nl-NL" dirty="0"/>
-              <a:t>, daarna een git reset te doen en vervolgens een wijziging door te voeren zodat er wel een </a:t>
-            </a:r>
-            <a:r>
-              <a:rPr lang="nl-NL" dirty="0" err="1"/>
-              <a:t>merge</a:t>
-            </a:r>
-            <a:r>
-              <a:rPr lang="nl-NL" dirty="0"/>
-              <a:t>-conflict zal optreden.</a:t>
-            </a:r>
-          </a:p>
-          <a:p>
-            <a:pPr marL="0" lvl="0" indent="0" algn="l" rtl="0">
-              <a:spcBef>
-                <a:spcPts val="0"/>
-              </a:spcBef>
-              <a:spcAft>
-                <a:spcPts val="0"/>
-              </a:spcAft>
-              <a:buNone/>
-            </a:pPr>
-            <a:endParaRPr lang="nl-NL" b="0" dirty="0"/>
-          </a:p>
-          <a:p>
-            <a:pPr marL="171450" lvl="0" indent="-171450" algn="l" rtl="0">
+            <a:pPr marL="171450" lvl="0" indent="-95250" algn="l" rtl="0">
               <a:spcBef>
                 <a:spcPts val="0"/>
               </a:spcBef>
@@ -5335,19 +4797,15 @@
               </a:buClr>
               <a:buSzPts val="1200"/>
               <a:buFont typeface="Arial"/>
-              <a:buChar char="•"/>
-            </a:pPr>
-            <a:r>
-              <a:rPr lang="nl-NL" b="0" dirty="0" err="1"/>
-              <a:t>Branch</a:t>
-            </a:r>
-            <a:r>
-              <a:rPr lang="nl-NL" b="0" dirty="0"/>
-              <a:t> aanmaken</a:t>
-            </a:r>
-          </a:p>
-          <a:p>
-            <a:pPr marL="171450" lvl="0" indent="-171450" algn="l" rtl="0">
+              <a:buNone/>
+            </a:pPr>
+            <a:r>
+              <a:rPr lang="en-GB" b="0" dirty="0"/>
+              <a:t>EXERCISES:</a:t>
+            </a:r>
+          </a:p>
+          <a:p>
+            <a:pPr marL="171450" lvl="0" indent="-95250" algn="l" rtl="0">
               <a:spcBef>
                 <a:spcPts val="0"/>
               </a:spcBef>
@@ -5359,15 +4817,12 @@
               </a:buClr>
               <a:buSzPts val="1200"/>
               <a:buFont typeface="Arial"/>
-              <a:buChar char="•"/>
-            </a:pPr>
-            <a:r>
-              <a:rPr lang="nl-NL" b="0" dirty="0"/>
-              <a:t>File toevoegen</a:t>
-            </a:r>
-          </a:p>
-          <a:p>
-            <a:pPr marL="171450" lvl="0" indent="-171450" algn="l" rtl="0">
+              <a:buNone/>
+            </a:pPr>
+            <a:endParaRPr lang="en-GB" b="0" dirty="0"/>
+          </a:p>
+          <a:p>
+            <a:pPr marL="171450" lvl="0" indent="-95250" algn="l" rtl="0">
               <a:spcBef>
                 <a:spcPts val="0"/>
               </a:spcBef>
@@ -5379,16 +4834,15 @@
               </a:buClr>
               <a:buSzPts val="1200"/>
               <a:buFont typeface="Arial"/>
-              <a:buChar char="•"/>
-            </a:pPr>
-            <a:r>
-              <a:rPr lang="nl-NL" b="0" dirty="0" err="1"/>
-              <a:t>Committen</a:t>
-            </a:r>
-            <a:endParaRPr lang="nl-NL" b="0" dirty="0"/>
-          </a:p>
-          <a:p>
-            <a:pPr marL="171450" lvl="0" indent="-171450" algn="l" rtl="0">
+              <a:buNone/>
+            </a:pPr>
+            <a:r>
+              <a:rPr lang="en-GB" b="0" dirty="0"/>
+              <a:t>- git branch to create a new branch</a:t>
+            </a:r>
+          </a:p>
+          <a:p>
+            <a:pPr marL="171450" lvl="0" indent="-95250" algn="l" rtl="0">
               <a:spcBef>
                 <a:spcPts val="0"/>
               </a:spcBef>
@@ -5400,15 +4854,15 @@
               </a:buClr>
               <a:buSzPts val="1200"/>
               <a:buFont typeface="Arial"/>
-              <a:buChar char="•"/>
-            </a:pPr>
-            <a:r>
-              <a:rPr lang="nl-NL" b="0" dirty="0"/>
-              <a:t>Mergen</a:t>
-            </a:r>
-          </a:p>
-          <a:p>
-            <a:pPr marL="171450" lvl="0" indent="-171450" algn="l" rtl="0">
+              <a:buNone/>
+            </a:pPr>
+            <a:r>
+              <a:rPr lang="en-GB" b="0" dirty="0"/>
+              <a:t>- git switch to switch to the new branch</a:t>
+            </a:r>
+          </a:p>
+          <a:p>
+            <a:pPr marL="171450" lvl="0" indent="-95250" algn="l" rtl="0">
               <a:spcBef>
                 <a:spcPts val="0"/>
               </a:spcBef>
@@ -5420,15 +4874,11 @@
               </a:buClr>
               <a:buSzPts val="1200"/>
               <a:buFont typeface="Arial"/>
-              <a:buChar char="•"/>
-            </a:pPr>
-            <a:r>
-              <a:rPr lang="nl-NL" b="0" dirty="0" err="1"/>
-              <a:t>Merge</a:t>
-            </a:r>
-            <a:r>
-              <a:rPr lang="nl-NL" b="0" dirty="0"/>
-              <a:t> resetten</a:t>
+              <a:buNone/>
+            </a:pPr>
+            <a:r>
+              <a:rPr lang="en-GB" b="0" dirty="0"/>
+              <a:t>- create a new file and add/commit it to the new branch</a:t>
             </a:r>
           </a:p>
           <a:p>
@@ -5446,10 +4896,21 @@
               <a:buFont typeface="Arial"/>
               <a:buNone/>
             </a:pPr>
-            <a:endParaRPr lang="nl-NL" b="0" dirty="0"/>
-          </a:p>
-          <a:p>
-            <a:pPr marL="171450" lvl="0" indent="-171450" algn="l" rtl="0">
+            <a:r>
+              <a:rPr lang="en-GB" b="0" dirty="0"/>
+              <a:t>- </a:t>
+            </a:r>
+            <a:r>
+              <a:rPr lang="en-GB" b="0" dirty="0" err="1"/>
+              <a:t>gitk</a:t>
+            </a:r>
+            <a:r>
+              <a:rPr lang="en-GB" b="0" dirty="0"/>
+              <a:t> to show the new graph</a:t>
+            </a:r>
+          </a:p>
+          <a:p>
+            <a:pPr marL="171450" lvl="0" indent="-95250" algn="l" rtl="0">
               <a:spcBef>
                 <a:spcPts val="0"/>
               </a:spcBef>
@@ -5461,19 +4922,15 @@
               </a:buClr>
               <a:buSzPts val="1200"/>
               <a:buFont typeface="Arial"/>
-              <a:buChar char="•"/>
-            </a:pPr>
-            <a:r>
-              <a:rPr lang="nl-NL" b="0" dirty="0" err="1"/>
-              <a:t>Branch</a:t>
-            </a:r>
-            <a:r>
-              <a:rPr lang="nl-NL" b="0" dirty="0"/>
-              <a:t> aanmaken</a:t>
-            </a:r>
-          </a:p>
-          <a:p>
-            <a:pPr marL="171450" lvl="0" indent="-171450" algn="l" rtl="0">
+              <a:buNone/>
+            </a:pPr>
+            <a:r>
+              <a:rPr lang="en-GB" b="0" dirty="0"/>
+              <a:t>- git switch to switch back to main</a:t>
+            </a:r>
+          </a:p>
+          <a:p>
+            <a:pPr marL="171450" lvl="0" indent="-95250" algn="l" rtl="0">
               <a:spcBef>
                 <a:spcPts val="0"/>
               </a:spcBef>
@@ -5485,15 +4942,15 @@
               </a:buClr>
               <a:buSzPts val="1200"/>
               <a:buFont typeface="Arial"/>
-              <a:buChar char="•"/>
-            </a:pPr>
-            <a:r>
-              <a:rPr lang="nl-NL" b="0" dirty="0"/>
-              <a:t>File toevoegen</a:t>
-            </a:r>
-          </a:p>
-          <a:p>
-            <a:pPr marL="171450" lvl="0" indent="-171450" algn="l" rtl="0">
+              <a:buNone/>
+            </a:pPr>
+            <a:r>
+              <a:rPr lang="en-GB" b="0" dirty="0"/>
+              <a:t>- explain the working directory concept</a:t>
+            </a:r>
+          </a:p>
+          <a:p>
+            <a:pPr marL="171450" lvl="0" indent="-95250" algn="l" rtl="0">
               <a:spcBef>
                 <a:spcPts val="0"/>
               </a:spcBef>
@@ -5505,176 +4962,12 @@
               </a:buClr>
               <a:buSzPts val="1200"/>
               <a:buFont typeface="Arial"/>
-              <a:buChar char="•"/>
-            </a:pPr>
-            <a:r>
-              <a:rPr lang="nl-NL" b="0" dirty="0" err="1"/>
-              <a:t>Committen</a:t>
-            </a:r>
-            <a:endParaRPr lang="nl-NL" b="0" dirty="0"/>
-          </a:p>
-          <a:p>
-            <a:pPr marL="171450" lvl="0" indent="-171450" algn="l" rtl="0">
-              <a:spcBef>
-                <a:spcPts val="0"/>
-              </a:spcBef>
-              <a:spcAft>
-                <a:spcPts val="0"/>
-              </a:spcAft>
-              <a:buClr>
-                <a:schemeClr val="dk1"/>
-              </a:buClr>
-              <a:buSzPts val="1200"/>
-              <a:buFont typeface="Arial"/>
-              <a:buChar char="•"/>
-            </a:pPr>
-            <a:r>
-              <a:rPr lang="nl-NL" b="0" dirty="0"/>
-              <a:t>In andere </a:t>
-            </a:r>
-            <a:r>
-              <a:rPr lang="nl-NL" b="0" dirty="0" err="1"/>
-              <a:t>branch</a:t>
-            </a:r>
-            <a:r>
-              <a:rPr lang="nl-NL" b="0" dirty="0"/>
-              <a:t> ook zelfde file aanmaken</a:t>
-            </a:r>
-          </a:p>
-          <a:p>
-            <a:pPr marL="171450" lvl="0" indent="-171450" algn="l" rtl="0">
-              <a:spcBef>
-                <a:spcPts val="0"/>
-              </a:spcBef>
-              <a:spcAft>
-                <a:spcPts val="0"/>
-              </a:spcAft>
-              <a:buClr>
-                <a:schemeClr val="dk1"/>
-              </a:buClr>
-              <a:buSzPts val="1200"/>
-              <a:buFont typeface="Arial"/>
-              <a:buChar char="•"/>
-            </a:pPr>
-            <a:r>
-              <a:rPr lang="nl-NL" b="0" dirty="0" err="1"/>
-              <a:t>Committen</a:t>
-            </a:r>
-            <a:endParaRPr lang="nl-NL" b="0" dirty="0"/>
-          </a:p>
-          <a:p>
-            <a:pPr marL="171450" lvl="0" indent="-171450" algn="l" rtl="0">
-              <a:spcBef>
-                <a:spcPts val="0"/>
-              </a:spcBef>
-              <a:spcAft>
-                <a:spcPts val="0"/>
-              </a:spcAft>
-              <a:buClr>
-                <a:schemeClr val="dk1"/>
-              </a:buClr>
-              <a:buSzPts val="1200"/>
-              <a:buFont typeface="Arial"/>
-              <a:buChar char="•"/>
-            </a:pPr>
-            <a:r>
-              <a:rPr lang="nl-NL" b="0" dirty="0"/>
-              <a:t>Mergen</a:t>
-            </a:r>
-          </a:p>
-          <a:p>
-            <a:pPr marL="171450" lvl="0" indent="-171450" algn="l" rtl="0">
-              <a:spcBef>
-                <a:spcPts val="0"/>
-              </a:spcBef>
-              <a:spcAft>
-                <a:spcPts val="0"/>
-              </a:spcAft>
-              <a:buClr>
-                <a:schemeClr val="dk1"/>
-              </a:buClr>
-              <a:buSzPts val="1200"/>
-              <a:buFont typeface="Arial"/>
-              <a:buChar char="•"/>
-            </a:pPr>
-            <a:r>
-              <a:rPr lang="nl-NL" b="0" dirty="0" err="1"/>
-              <a:t>Mergeconflict</a:t>
-            </a:r>
-            <a:r>
-              <a:rPr lang="nl-NL" b="0" dirty="0"/>
-              <a:t> oplossen</a:t>
-            </a:r>
-          </a:p>
-          <a:p>
-            <a:pPr marL="171450" lvl="0" indent="-95250" algn="l" rtl="0">
-              <a:spcBef>
-                <a:spcPts val="0"/>
-              </a:spcBef>
-              <a:spcAft>
-                <a:spcPts val="0"/>
-              </a:spcAft>
-              <a:buClr>
-                <a:schemeClr val="dk1"/>
-              </a:buClr>
-              <a:buSzPts val="1200"/>
-              <a:buFont typeface="Arial"/>
-              <a:buNone/>
-            </a:pPr>
-            <a:endParaRPr lang="nl-NL" b="0" dirty="0"/>
-          </a:p>
-          <a:p>
-            <a:pPr marL="0" lvl="0" indent="0" algn="l" rtl="0">
-              <a:spcBef>
-                <a:spcPts val="0"/>
-              </a:spcBef>
-              <a:spcAft>
-                <a:spcPts val="0"/>
-              </a:spcAft>
-              <a:buClr>
-                <a:schemeClr val="dk1"/>
-              </a:buClr>
-              <a:buSzPts val="1200"/>
-              <a:buFont typeface="Arial"/>
-              <a:buNone/>
-            </a:pPr>
-            <a:r>
-              <a:rPr lang="nl-NL" b="0" dirty="0"/>
-              <a:t>Toelichten dat er altijd een </a:t>
-            </a:r>
-            <a:r>
-              <a:rPr lang="nl-NL" b="0" dirty="0" err="1"/>
-              <a:t>merge</a:t>
-            </a:r>
-            <a:r>
-              <a:rPr lang="nl-NL" b="0" dirty="0"/>
-              <a:t> </a:t>
-            </a:r>
-            <a:r>
-              <a:rPr lang="nl-NL" b="0" dirty="0" err="1"/>
-              <a:t>commit</a:t>
-            </a:r>
-            <a:r>
-              <a:rPr lang="nl-NL" b="0" dirty="0"/>
-              <a:t> aangemaakt wordt als de DAG niet op elkaar aansluiten (ook al is er geen fileconflict)</a:t>
-            </a:r>
-            <a:endParaRPr lang="nl-NL" dirty="0"/>
-          </a:p>
-          <a:p>
-            <a:pPr marL="171450" lvl="0" indent="-95250" algn="l" rtl="0">
-              <a:spcBef>
-                <a:spcPts val="0"/>
-              </a:spcBef>
-              <a:spcAft>
-                <a:spcPts val="0"/>
-              </a:spcAft>
-              <a:buClr>
-                <a:schemeClr val="dk1"/>
-              </a:buClr>
-              <a:buSzPts val="1200"/>
-              <a:buFont typeface="Arial"/>
-              <a:buNone/>
-            </a:pPr>
+              <a:buNone/>
+            </a:pPr>
+            <a:r>
+              <a:rPr lang="en-GB" b="0" dirty="0"/>
+              <a:t>- git branch –d newly created branch</a:t>
+            </a:r>
             <a:endParaRPr lang="nl-NL" b="0" dirty="0"/>
           </a:p>
         </p:txBody>
@@ -5705,7 +4998,7 @@
     </p:spTree>
     <p:extLst>
       <p:ext uri="{BB962C8B-B14F-4D97-AF65-F5344CB8AC3E}">
-        <p14:creationId xmlns:p14="http://schemas.microsoft.com/office/powerpoint/2010/main" val="1434164851"/>
+        <p14:creationId xmlns:p14="http://schemas.microsoft.com/office/powerpoint/2010/main" val="555849691"/>
       </p:ext>
     </p:extLst>
   </p:cSld>
@@ -5773,7 +5066,569 @@
               <a:buFont typeface="Arial"/>
               <a:buNone/>
             </a:pPr>
-            <a:endParaRPr lang="nl-NL" b="0" dirty="0"/>
+            <a:r>
+              <a:rPr lang="en-GB" b="0" dirty="0"/>
+              <a:t>EXERCISE</a:t>
+            </a:r>
+          </a:p>
+          <a:p>
+            <a:pPr marL="171450" lvl="0" indent="-95250" algn="l" rtl="0">
+              <a:spcBef>
+                <a:spcPts val="0"/>
+              </a:spcBef>
+              <a:spcAft>
+                <a:spcPts val="0"/>
+              </a:spcAft>
+              <a:buClr>
+                <a:schemeClr val="dk1"/>
+              </a:buClr>
+              <a:buSzPts val="1200"/>
+              <a:buFont typeface="Arial"/>
+              <a:buNone/>
+            </a:pPr>
+            <a:endParaRPr lang="en-GB" b="0" dirty="0"/>
+          </a:p>
+          <a:p>
+            <a:pPr marL="171450" lvl="0" indent="-95250" algn="l" rtl="0">
+              <a:spcBef>
+                <a:spcPts val="0"/>
+              </a:spcBef>
+              <a:spcAft>
+                <a:spcPts val="0"/>
+              </a:spcAft>
+              <a:buClr>
+                <a:schemeClr val="dk1"/>
+              </a:buClr>
+              <a:buSzPts val="1200"/>
+              <a:buFont typeface="Arial"/>
+              <a:buNone/>
+            </a:pPr>
+            <a:r>
+              <a:rPr lang="en-GB" b="0" dirty="0"/>
+              <a:t>Merge without </a:t>
+            </a:r>
+            <a:r>
+              <a:rPr lang="en-GB" b="0" dirty="0" err="1"/>
+              <a:t>mergeconflict</a:t>
+            </a:r>
+            <a:endParaRPr lang="en-GB" b="0" dirty="0"/>
+          </a:p>
+          <a:p>
+            <a:pPr marL="171450" lvl="0" indent="-95250" algn="l" rtl="0">
+              <a:spcBef>
+                <a:spcPts val="0"/>
+              </a:spcBef>
+              <a:spcAft>
+                <a:spcPts val="0"/>
+              </a:spcAft>
+              <a:buClr>
+                <a:schemeClr val="dk1"/>
+              </a:buClr>
+              <a:buSzPts val="1200"/>
+              <a:buFont typeface="Arial"/>
+              <a:buNone/>
+            </a:pPr>
+            <a:r>
+              <a:rPr lang="en-GB" b="0" dirty="0"/>
+              <a:t>- Create a new branch</a:t>
+            </a:r>
+          </a:p>
+          <a:p>
+            <a:pPr marL="171450" lvl="0" indent="-95250" algn="l" rtl="0">
+              <a:spcBef>
+                <a:spcPts val="0"/>
+              </a:spcBef>
+              <a:spcAft>
+                <a:spcPts val="0"/>
+              </a:spcAft>
+              <a:buClr>
+                <a:schemeClr val="dk1"/>
+              </a:buClr>
+              <a:buSzPts val="1200"/>
+              <a:buFont typeface="Arial"/>
+              <a:buNone/>
+            </a:pPr>
+            <a:r>
+              <a:rPr lang="en-GB" b="0" dirty="0"/>
+              <a:t>- Go to the new branch</a:t>
+            </a:r>
+          </a:p>
+          <a:p>
+            <a:pPr marL="171450" lvl="0" indent="-95250" algn="l" rtl="0">
+              <a:spcBef>
+                <a:spcPts val="0"/>
+              </a:spcBef>
+              <a:spcAft>
+                <a:spcPts val="0"/>
+              </a:spcAft>
+              <a:buClr>
+                <a:schemeClr val="dk1"/>
+              </a:buClr>
+              <a:buSzPts val="1200"/>
+              <a:buFont typeface="Arial"/>
+              <a:buNone/>
+            </a:pPr>
+            <a:r>
+              <a:rPr lang="en-GB" b="0" dirty="0"/>
+              <a:t>- Add a file and commit it to that branch</a:t>
+            </a:r>
+          </a:p>
+          <a:p>
+            <a:pPr marL="171450" lvl="0" indent="-95250" algn="l" rtl="0">
+              <a:spcBef>
+                <a:spcPts val="0"/>
+              </a:spcBef>
+              <a:spcAft>
+                <a:spcPts val="0"/>
+              </a:spcAft>
+              <a:buClr>
+                <a:schemeClr val="dk1"/>
+              </a:buClr>
+              <a:buSzPts val="1200"/>
+              <a:buFont typeface="Arial"/>
+              <a:buNone/>
+            </a:pPr>
+            <a:r>
+              <a:rPr lang="en-GB" b="0" dirty="0"/>
+              <a:t>- use </a:t>
+            </a:r>
+            <a:r>
+              <a:rPr lang="en-GB" b="0" dirty="0" err="1"/>
+              <a:t>gitk</a:t>
+            </a:r>
+            <a:r>
+              <a:rPr lang="en-GB" b="0" dirty="0"/>
+              <a:t> to display the new situation</a:t>
+            </a:r>
+          </a:p>
+          <a:p>
+            <a:pPr marL="171450" lvl="0" indent="-95250" algn="l" rtl="0">
+              <a:spcBef>
+                <a:spcPts val="0"/>
+              </a:spcBef>
+              <a:spcAft>
+                <a:spcPts val="0"/>
+              </a:spcAft>
+              <a:buClr>
+                <a:schemeClr val="dk1"/>
+              </a:buClr>
+              <a:buSzPts val="1200"/>
+              <a:buFont typeface="Arial"/>
+              <a:buNone/>
+            </a:pPr>
+            <a:r>
+              <a:rPr lang="en-GB" b="0" dirty="0"/>
+              <a:t>- Explain that commands work on the branch you are in.</a:t>
+            </a:r>
+          </a:p>
+          <a:p>
+            <a:pPr marL="171450" lvl="0" indent="-95250" algn="l" rtl="0">
+              <a:spcBef>
+                <a:spcPts val="0"/>
+              </a:spcBef>
+              <a:spcAft>
+                <a:spcPts val="0"/>
+              </a:spcAft>
+              <a:buClr>
+                <a:schemeClr val="dk1"/>
+              </a:buClr>
+              <a:buSzPts val="1200"/>
+              <a:buFont typeface="Arial"/>
+              <a:buNone/>
+            </a:pPr>
+            <a:r>
+              <a:rPr lang="en-GB" b="0" dirty="0"/>
+              <a:t>- Switch to main</a:t>
+            </a:r>
+          </a:p>
+          <a:p>
+            <a:pPr marL="171450" lvl="0" indent="-95250" algn="l" rtl="0">
+              <a:spcBef>
+                <a:spcPts val="0"/>
+              </a:spcBef>
+              <a:spcAft>
+                <a:spcPts val="0"/>
+              </a:spcAft>
+              <a:buClr>
+                <a:schemeClr val="dk1"/>
+              </a:buClr>
+              <a:buSzPts val="1200"/>
+              <a:buFont typeface="Arial"/>
+              <a:buNone/>
+            </a:pPr>
+            <a:r>
+              <a:rPr lang="en-GB" b="0" dirty="0"/>
+              <a:t>- git merge &lt;</a:t>
+            </a:r>
+            <a:r>
+              <a:rPr lang="en-GB" b="0" dirty="0" err="1"/>
+              <a:t>newbranch</a:t>
+            </a:r>
+            <a:r>
+              <a:rPr lang="en-GB" b="0" dirty="0"/>
+              <a:t>&gt;</a:t>
+            </a:r>
+          </a:p>
+          <a:p>
+            <a:pPr marL="171450" lvl="0" indent="-95250" algn="l" rtl="0">
+              <a:spcBef>
+                <a:spcPts val="0"/>
+              </a:spcBef>
+              <a:spcAft>
+                <a:spcPts val="0"/>
+              </a:spcAft>
+              <a:buClr>
+                <a:schemeClr val="dk1"/>
+              </a:buClr>
+              <a:buSzPts val="1200"/>
+              <a:buFont typeface="Arial"/>
+              <a:buNone/>
+            </a:pPr>
+            <a:r>
+              <a:rPr lang="en-GB" b="0" dirty="0"/>
+              <a:t>- Explain fast-forward merge</a:t>
+            </a:r>
+          </a:p>
+          <a:p>
+            <a:pPr marL="171450" lvl="0" indent="-95250" algn="l" rtl="0">
+              <a:spcBef>
+                <a:spcPts val="0"/>
+              </a:spcBef>
+              <a:spcAft>
+                <a:spcPts val="0"/>
+              </a:spcAft>
+              <a:buClr>
+                <a:schemeClr val="dk1"/>
+              </a:buClr>
+              <a:buSzPts val="1200"/>
+              <a:buFont typeface="Arial"/>
+              <a:buNone/>
+            </a:pPr>
+            <a:r>
+              <a:rPr lang="en-GB" b="0" dirty="0"/>
+              <a:t>- Delete created branch</a:t>
+            </a:r>
+          </a:p>
+          <a:p>
+            <a:pPr marL="171450" lvl="0" indent="-95250" algn="l" rtl="0">
+              <a:spcBef>
+                <a:spcPts val="0"/>
+              </a:spcBef>
+              <a:spcAft>
+                <a:spcPts val="0"/>
+              </a:spcAft>
+              <a:buClr>
+                <a:schemeClr val="dk1"/>
+              </a:buClr>
+              <a:buSzPts val="1200"/>
+              <a:buFont typeface="Arial"/>
+              <a:buNone/>
+            </a:pPr>
+            <a:endParaRPr lang="en-GB" b="0" dirty="0"/>
+          </a:p>
+          <a:p>
+            <a:pPr marL="171450" lvl="0" indent="-95250" algn="l" rtl="0">
+              <a:spcBef>
+                <a:spcPts val="0"/>
+              </a:spcBef>
+              <a:spcAft>
+                <a:spcPts val="0"/>
+              </a:spcAft>
+              <a:buClr>
+                <a:schemeClr val="dk1"/>
+              </a:buClr>
+              <a:buSzPts val="1200"/>
+              <a:buFont typeface="Arial"/>
+              <a:buNone/>
+            </a:pPr>
+            <a:r>
+              <a:rPr lang="en-GB" b="0" dirty="0"/>
+              <a:t>Merge with </a:t>
+            </a:r>
+            <a:r>
+              <a:rPr lang="en-GB" b="0" dirty="0" err="1"/>
+              <a:t>mergeconflict</a:t>
+            </a:r>
+            <a:endParaRPr lang="en-GB" b="0" dirty="0"/>
+          </a:p>
+          <a:p>
+            <a:pPr marL="171450" lvl="0" indent="-95250" algn="l" rtl="0">
+              <a:spcBef>
+                <a:spcPts val="0"/>
+              </a:spcBef>
+              <a:spcAft>
+                <a:spcPts val="0"/>
+              </a:spcAft>
+              <a:buClr>
+                <a:schemeClr val="dk1"/>
+              </a:buClr>
+              <a:buSzPts val="1200"/>
+              <a:buFont typeface="Arial"/>
+              <a:buNone/>
+            </a:pPr>
+            <a:r>
+              <a:rPr lang="en-GB" b="0" dirty="0"/>
+              <a:t>- Make a new branch (but don’t do anything with it yet)</a:t>
+            </a:r>
+          </a:p>
+          <a:p>
+            <a:pPr marL="171450" lvl="0" indent="-95250" algn="l" rtl="0">
+              <a:spcBef>
+                <a:spcPts val="0"/>
+              </a:spcBef>
+              <a:spcAft>
+                <a:spcPts val="0"/>
+              </a:spcAft>
+              <a:buClr>
+                <a:schemeClr val="dk1"/>
+              </a:buClr>
+              <a:buSzPts val="1200"/>
+              <a:buFont typeface="Arial"/>
+              <a:buNone/>
+            </a:pPr>
+            <a:r>
+              <a:rPr lang="en-GB" b="0" dirty="0"/>
+              <a:t>- Make a change in name.txt on a specific line</a:t>
+            </a:r>
+          </a:p>
+          <a:p>
+            <a:pPr marL="171450" lvl="0" indent="-95250" algn="l" rtl="0">
+              <a:spcBef>
+                <a:spcPts val="0"/>
+              </a:spcBef>
+              <a:spcAft>
+                <a:spcPts val="0"/>
+              </a:spcAft>
+              <a:buClr>
+                <a:schemeClr val="dk1"/>
+              </a:buClr>
+              <a:buSzPts val="1200"/>
+              <a:buFont typeface="Arial"/>
+              <a:buNone/>
+            </a:pPr>
+            <a:r>
+              <a:rPr lang="en-GB" b="0" dirty="0"/>
+              <a:t>- Git add/commit</a:t>
+            </a:r>
+          </a:p>
+          <a:p>
+            <a:pPr marL="171450" lvl="0" indent="-95250" algn="l" rtl="0">
+              <a:spcBef>
+                <a:spcPts val="0"/>
+              </a:spcBef>
+              <a:spcAft>
+                <a:spcPts val="0"/>
+              </a:spcAft>
+              <a:buClr>
+                <a:schemeClr val="dk1"/>
+              </a:buClr>
+              <a:buSzPts val="1200"/>
+              <a:buFont typeface="Arial"/>
+              <a:buNone/>
+            </a:pPr>
+            <a:r>
+              <a:rPr lang="en-GB" b="0" dirty="0"/>
+              <a:t>- Switch to the new branch</a:t>
+            </a:r>
+          </a:p>
+          <a:p>
+            <a:pPr marL="171450" lvl="0" indent="-95250" algn="l" rtl="0">
+              <a:spcBef>
+                <a:spcPts val="0"/>
+              </a:spcBef>
+              <a:spcAft>
+                <a:spcPts val="0"/>
+              </a:spcAft>
+              <a:buClr>
+                <a:schemeClr val="dk1"/>
+              </a:buClr>
+              <a:buSzPts val="1200"/>
+              <a:buFont typeface="Arial"/>
+              <a:buNone/>
+            </a:pPr>
+            <a:r>
+              <a:rPr lang="en-GB" b="0" dirty="0"/>
+              <a:t>- Make a change in name.txt on the same line</a:t>
+            </a:r>
+          </a:p>
+          <a:p>
+            <a:pPr marL="171450" lvl="0" indent="-95250" algn="l" rtl="0">
+              <a:spcBef>
+                <a:spcPts val="0"/>
+              </a:spcBef>
+              <a:spcAft>
+                <a:spcPts val="0"/>
+              </a:spcAft>
+              <a:buClr>
+                <a:schemeClr val="dk1"/>
+              </a:buClr>
+              <a:buSzPts val="1200"/>
+              <a:buFont typeface="Arial"/>
+              <a:buNone/>
+            </a:pPr>
+            <a:r>
+              <a:rPr lang="en-GB" b="0" dirty="0"/>
+              <a:t>- git add/commit</a:t>
+            </a:r>
+          </a:p>
+          <a:p>
+            <a:pPr marL="171450" lvl="0" indent="-95250" algn="l" rtl="0">
+              <a:spcBef>
+                <a:spcPts val="0"/>
+              </a:spcBef>
+              <a:spcAft>
+                <a:spcPts val="0"/>
+              </a:spcAft>
+              <a:buClr>
+                <a:schemeClr val="dk1"/>
+              </a:buClr>
+              <a:buSzPts val="1200"/>
+              <a:buFont typeface="Arial"/>
+              <a:buNone/>
+            </a:pPr>
+            <a:r>
+              <a:rPr lang="en-GB" b="0" dirty="0"/>
+              <a:t>- switch to main</a:t>
+            </a:r>
+          </a:p>
+          <a:p>
+            <a:pPr marL="171450" lvl="0" indent="-95250" algn="l" rtl="0">
+              <a:spcBef>
+                <a:spcPts val="0"/>
+              </a:spcBef>
+              <a:spcAft>
+                <a:spcPts val="0"/>
+              </a:spcAft>
+              <a:buClr>
+                <a:schemeClr val="dk1"/>
+              </a:buClr>
+              <a:buSzPts val="1200"/>
+              <a:buFont typeface="Arial"/>
+              <a:buNone/>
+            </a:pPr>
+            <a:r>
+              <a:rPr lang="en-GB" b="0" dirty="0"/>
+              <a:t>- try to merge using git merge</a:t>
+            </a:r>
+          </a:p>
+          <a:p>
+            <a:pPr marL="171450" lvl="0" indent="-95250" algn="l" rtl="0">
+              <a:spcBef>
+                <a:spcPts val="0"/>
+              </a:spcBef>
+              <a:spcAft>
+                <a:spcPts val="0"/>
+              </a:spcAft>
+              <a:buClr>
+                <a:schemeClr val="dk1"/>
+              </a:buClr>
+              <a:buSzPts val="1200"/>
+              <a:buFont typeface="Arial"/>
+              <a:buNone/>
+            </a:pPr>
+            <a:r>
+              <a:rPr lang="en-GB" b="0" dirty="0"/>
+              <a:t>- display the contents of the file</a:t>
+            </a:r>
+          </a:p>
+          <a:p>
+            <a:pPr marL="171450" lvl="0" indent="-95250" algn="l" rtl="0">
+              <a:spcBef>
+                <a:spcPts val="0"/>
+              </a:spcBef>
+              <a:spcAft>
+                <a:spcPts val="0"/>
+              </a:spcAft>
+              <a:buClr>
+                <a:schemeClr val="dk1"/>
+              </a:buClr>
+              <a:buSzPts val="1200"/>
+              <a:buFont typeface="Arial"/>
+              <a:buNone/>
+            </a:pPr>
+            <a:r>
+              <a:rPr lang="en-GB" b="0" dirty="0"/>
+              <a:t>- use git </a:t>
+            </a:r>
+            <a:r>
+              <a:rPr lang="en-GB" b="0" dirty="0" err="1"/>
+              <a:t>mergetool</a:t>
+            </a:r>
+            <a:endParaRPr lang="en-GB" b="0" dirty="0"/>
+          </a:p>
+          <a:p>
+            <a:pPr marL="171450" lvl="0" indent="-95250" algn="l" rtl="0">
+              <a:spcBef>
+                <a:spcPts val="0"/>
+              </a:spcBef>
+              <a:spcAft>
+                <a:spcPts val="0"/>
+              </a:spcAft>
+              <a:buClr>
+                <a:schemeClr val="dk1"/>
+              </a:buClr>
+              <a:buSzPts val="1200"/>
+              <a:buFont typeface="Arial"/>
+              <a:buNone/>
+            </a:pPr>
+            <a:r>
+              <a:rPr lang="en-GB" b="0" dirty="0"/>
+              <a:t>- git status</a:t>
+            </a:r>
+          </a:p>
+          <a:p>
+            <a:pPr marL="171450" lvl="0" indent="-95250" algn="l" rtl="0">
+              <a:spcBef>
+                <a:spcPts val="0"/>
+              </a:spcBef>
+              <a:spcAft>
+                <a:spcPts val="0"/>
+              </a:spcAft>
+              <a:buClr>
+                <a:schemeClr val="dk1"/>
+              </a:buClr>
+              <a:buSzPts val="1200"/>
+              <a:buFont typeface="Arial"/>
+              <a:buNone/>
+            </a:pPr>
+            <a:r>
+              <a:rPr lang="en-GB" b="0" dirty="0"/>
+              <a:t>- git commit to conclude merge</a:t>
+            </a:r>
+          </a:p>
+          <a:p>
+            <a:pPr marL="171450" lvl="0" indent="-95250" algn="l" rtl="0">
+              <a:spcBef>
+                <a:spcPts val="0"/>
+              </a:spcBef>
+              <a:spcAft>
+                <a:spcPts val="0"/>
+              </a:spcAft>
+              <a:buClr>
+                <a:schemeClr val="dk1"/>
+              </a:buClr>
+              <a:buSzPts val="1200"/>
+              <a:buFont typeface="Arial"/>
+              <a:buNone/>
+            </a:pPr>
+            <a:endParaRPr lang="en-GB" b="0" dirty="0"/>
+          </a:p>
+          <a:p>
+            <a:pPr marL="171450" lvl="0" indent="-95250" algn="l" rtl="0">
+              <a:spcBef>
+                <a:spcPts val="0"/>
+              </a:spcBef>
+              <a:spcAft>
+                <a:spcPts val="0"/>
+              </a:spcAft>
+              <a:buClr>
+                <a:schemeClr val="dk1"/>
+              </a:buClr>
+              <a:buSzPts val="1200"/>
+              <a:buFont typeface="Arial"/>
+              <a:buNone/>
+            </a:pPr>
+            <a:endParaRPr lang="en-GB" b="0" dirty="0"/>
           </a:p>
         </p:txBody>
       </p:sp>
@@ -5803,7 +5658,7 @@
     </p:spTree>
     <p:extLst>
       <p:ext uri="{BB962C8B-B14F-4D97-AF65-F5344CB8AC3E}">
-        <p14:creationId xmlns:p14="http://schemas.microsoft.com/office/powerpoint/2010/main" val="55107990"/>
+        <p14:creationId xmlns:p14="http://schemas.microsoft.com/office/powerpoint/2010/main" val="1434164851"/>
       </p:ext>
     </p:extLst>
   </p:cSld>
@@ -5857,78 +5712,225 @@
           <a:bodyPr/>
           <a:lstStyle/>
           <a:p>
-            <a:pPr marL="0" lvl="0" indent="0" algn="l" rtl="0">
-              <a:spcBef>
-                <a:spcPts val="0"/>
-              </a:spcBef>
-              <a:spcAft>
-                <a:spcPts val="0"/>
-              </a:spcAft>
-              <a:buNone/>
-            </a:pPr>
-            <a:r>
-              <a:rPr lang="nl-NL" dirty="0"/>
-              <a:t>Nadelen toelichten. </a:t>
-            </a:r>
-          </a:p>
-          <a:p>
-            <a:pPr marL="0" lvl="0" indent="0" algn="l" rtl="0">
-              <a:spcBef>
-                <a:spcPts val="0"/>
-              </a:spcBef>
-              <a:spcAft>
-                <a:spcPts val="0"/>
-              </a:spcAft>
-              <a:buNone/>
-            </a:pPr>
-            <a:endParaRPr lang="nl-NL" dirty="0"/>
-          </a:p>
-          <a:p>
-            <a:pPr marL="0" lvl="0" indent="0" algn="l" rtl="0">
-              <a:spcBef>
-                <a:spcPts val="0"/>
-              </a:spcBef>
-              <a:spcAft>
-                <a:spcPts val="0"/>
-              </a:spcAft>
-              <a:buNone/>
-            </a:pPr>
-            <a:r>
-              <a:rPr lang="nl-NL" b="1" dirty="0"/>
-              <a:t>Demonstratie:</a:t>
-            </a:r>
-            <a:endParaRPr lang="nl-NL" dirty="0"/>
-          </a:p>
-          <a:p>
-            <a:pPr marL="0" lvl="0" indent="0" algn="l" rtl="0">
-              <a:spcBef>
-                <a:spcPts val="0"/>
-              </a:spcBef>
-              <a:spcAft>
-                <a:spcPts val="0"/>
-              </a:spcAft>
-              <a:buNone/>
-            </a:pPr>
-            <a:r>
-              <a:rPr lang="nl-NL" dirty="0"/>
-              <a:t>Demo geven van een </a:t>
-            </a:r>
-            <a:r>
-              <a:rPr lang="nl-NL" dirty="0" err="1"/>
-              <a:t>rebase</a:t>
-            </a:r>
-            <a:r>
-              <a:rPr lang="nl-NL" dirty="0"/>
-              <a:t> met en zonder </a:t>
-            </a:r>
-            <a:r>
-              <a:rPr lang="nl-NL" dirty="0" err="1"/>
-              <a:t>merge</a:t>
-            </a:r>
-            <a:r>
-              <a:rPr lang="nl-NL" dirty="0"/>
-              <a:t>-conflict.</a:t>
-            </a:r>
+            <a:pPr marL="171450" lvl="0" indent="-95250" algn="l" rtl="0">
+              <a:spcBef>
+                <a:spcPts val="0"/>
+              </a:spcBef>
+              <a:spcAft>
+                <a:spcPts val="0"/>
+              </a:spcAft>
+              <a:buClr>
+                <a:schemeClr val="dk1"/>
+              </a:buClr>
+              <a:buSzPts val="1200"/>
+              <a:buFont typeface="Arial"/>
+              <a:buNone/>
+            </a:pPr>
+            <a:r>
+              <a:rPr lang="en-GB" b="0" dirty="0"/>
+              <a:t>Git rebase without </a:t>
+            </a:r>
+            <a:r>
+              <a:rPr lang="en-GB" b="0" dirty="0" err="1"/>
+              <a:t>mergeconflict</a:t>
+            </a:r>
+            <a:endParaRPr lang="en-GB" b="0" dirty="0"/>
+          </a:p>
+          <a:p>
+            <a:pPr marL="171450" lvl="0" indent="-95250" algn="l" rtl="0">
+              <a:spcBef>
+                <a:spcPts val="0"/>
+              </a:spcBef>
+              <a:spcAft>
+                <a:spcPts val="0"/>
+              </a:spcAft>
+              <a:buClr>
+                <a:schemeClr val="dk1"/>
+              </a:buClr>
+              <a:buSzPts val="1200"/>
+              <a:buFont typeface="Arial"/>
+              <a:buNone/>
+            </a:pPr>
+            <a:endParaRPr lang="en-GB" b="0" dirty="0"/>
+          </a:p>
+          <a:p>
+            <a:pPr marL="171450" lvl="0" indent="-95250" algn="l" rtl="0">
+              <a:spcBef>
+                <a:spcPts val="0"/>
+              </a:spcBef>
+              <a:spcAft>
+                <a:spcPts val="0"/>
+              </a:spcAft>
+              <a:buClr>
+                <a:schemeClr val="dk1"/>
+              </a:buClr>
+              <a:buSzPts val="1200"/>
+              <a:buFont typeface="Arial"/>
+              <a:buNone/>
+            </a:pPr>
+            <a:r>
+              <a:rPr lang="en-GB" b="0" dirty="0"/>
+              <a:t>- git log </a:t>
+            </a:r>
+          </a:p>
+          <a:p>
+            <a:pPr marL="171450" lvl="0" indent="-95250" algn="l" rtl="0">
+              <a:spcBef>
+                <a:spcPts val="0"/>
+              </a:spcBef>
+              <a:spcAft>
+                <a:spcPts val="0"/>
+              </a:spcAft>
+              <a:buClr>
+                <a:schemeClr val="dk1"/>
+              </a:buClr>
+              <a:buSzPts val="1200"/>
+              <a:buFont typeface="Arial"/>
+              <a:buNone/>
+            </a:pPr>
+            <a:r>
+              <a:rPr lang="en-GB" b="0" dirty="0"/>
+              <a:t>- Make a new branch based on the first commit</a:t>
+            </a:r>
+          </a:p>
+          <a:p>
+            <a:pPr marL="171450" lvl="0" indent="-95250" algn="l" rtl="0">
+              <a:spcBef>
+                <a:spcPts val="0"/>
+              </a:spcBef>
+              <a:spcAft>
+                <a:spcPts val="0"/>
+              </a:spcAft>
+              <a:buClr>
+                <a:schemeClr val="dk1"/>
+              </a:buClr>
+              <a:buSzPts val="1200"/>
+              <a:buFont typeface="Arial"/>
+              <a:buNone/>
+            </a:pPr>
+            <a:r>
+              <a:rPr lang="en-GB" b="0" dirty="0"/>
+              <a:t>- git switch branch</a:t>
+            </a:r>
+          </a:p>
+          <a:p>
+            <a:pPr marL="171450" lvl="0" indent="-95250" algn="l" rtl="0">
+              <a:spcBef>
+                <a:spcPts val="0"/>
+              </a:spcBef>
+              <a:spcAft>
+                <a:spcPts val="0"/>
+              </a:spcAft>
+              <a:buClr>
+                <a:schemeClr val="dk1"/>
+              </a:buClr>
+              <a:buSzPts val="1200"/>
+              <a:buFont typeface="Arial"/>
+              <a:buNone/>
+            </a:pPr>
+            <a:r>
+              <a:rPr lang="en-GB" b="0" dirty="0"/>
+              <a:t>- Add a new file (not yet used in main)</a:t>
+            </a:r>
+          </a:p>
+          <a:p>
+            <a:pPr marL="171450" lvl="0" indent="-95250" algn="l" rtl="0">
+              <a:spcBef>
+                <a:spcPts val="0"/>
+              </a:spcBef>
+              <a:spcAft>
+                <a:spcPts val="0"/>
+              </a:spcAft>
+              <a:buClr>
+                <a:schemeClr val="dk1"/>
+              </a:buClr>
+              <a:buSzPts val="1200"/>
+              <a:buFont typeface="Arial"/>
+              <a:buNone/>
+            </a:pPr>
+            <a:r>
+              <a:rPr lang="en-GB" b="0" dirty="0"/>
+              <a:t>- Use git add to make three separate changes</a:t>
+            </a:r>
+          </a:p>
+          <a:p>
+            <a:pPr marL="171450" lvl="0" indent="-95250" algn="l" rtl="0">
+              <a:spcBef>
+                <a:spcPts val="0"/>
+              </a:spcBef>
+              <a:spcAft>
+                <a:spcPts val="0"/>
+              </a:spcAft>
+              <a:buClr>
+                <a:schemeClr val="dk1"/>
+              </a:buClr>
+              <a:buSzPts val="1200"/>
+              <a:buFont typeface="Arial"/>
+              <a:buNone/>
+            </a:pPr>
+            <a:r>
+              <a:rPr lang="en-GB" b="0" dirty="0"/>
+              <a:t>- display the graph using </a:t>
+            </a:r>
+            <a:r>
+              <a:rPr lang="en-GB" b="0" dirty="0" err="1"/>
+              <a:t>gitk</a:t>
+            </a:r>
+            <a:endParaRPr lang="en-GB" b="0" dirty="0"/>
+          </a:p>
+          <a:p>
+            <a:pPr marL="171450" lvl="0" indent="-95250" algn="l" rtl="0">
+              <a:spcBef>
+                <a:spcPts val="0"/>
+              </a:spcBef>
+              <a:spcAft>
+                <a:spcPts val="0"/>
+              </a:spcAft>
+              <a:buClr>
+                <a:schemeClr val="dk1"/>
+              </a:buClr>
+              <a:buSzPts val="1200"/>
+              <a:buFont typeface="Arial"/>
+              <a:buNone/>
+            </a:pPr>
+            <a:r>
+              <a:rPr lang="en-GB" b="0" dirty="0"/>
+              <a:t>- Do the rebase using git rebase main</a:t>
+            </a:r>
+          </a:p>
+          <a:p>
+            <a:pPr marL="171450" lvl="0" indent="-95250" algn="l" rtl="0">
+              <a:spcBef>
+                <a:spcPts val="0"/>
+              </a:spcBef>
+              <a:spcAft>
+                <a:spcPts val="0"/>
+              </a:spcAft>
+              <a:buClr>
+                <a:schemeClr val="dk1"/>
+              </a:buClr>
+              <a:buSzPts val="1200"/>
+              <a:buFont typeface="Arial"/>
+              <a:buNone/>
+            </a:pPr>
+            <a:endParaRPr lang="en-GB" b="0" dirty="0"/>
+          </a:p>
+          <a:p>
+            <a:pPr marL="171450" lvl="0" indent="-95250" algn="l" rtl="0">
+              <a:spcBef>
+                <a:spcPts val="0"/>
+              </a:spcBef>
+              <a:spcAft>
+                <a:spcPts val="0"/>
+              </a:spcAft>
+              <a:buClr>
+                <a:schemeClr val="dk1"/>
+              </a:buClr>
+              <a:buSzPts val="1200"/>
+              <a:buFont typeface="Arial"/>
+              <a:buNone/>
+            </a:pPr>
+            <a:endParaRPr lang="nl-NL" b="0" dirty="0"/>
           </a:p>
           <a:p>
             <a:pPr marL="171450" lvl="0" indent="-95250" algn="l" rtl="0">
@@ -5975,7 +5977,7 @@
     </p:spTree>
     <p:extLst>
       <p:ext uri="{BB962C8B-B14F-4D97-AF65-F5344CB8AC3E}">
-        <p14:creationId xmlns:p14="http://schemas.microsoft.com/office/powerpoint/2010/main" val="2030160655"/>
+        <p14:creationId xmlns:p14="http://schemas.microsoft.com/office/powerpoint/2010/main" val="55107990"/>
       </p:ext>
     </p:extLst>
   </p:cSld>
@@ -6326,16 +6328,635 @@
           <a:bodyPr/>
           <a:lstStyle/>
           <a:p>
-            <a:pPr marL="0" lvl="0" indent="0" algn="l" rtl="0">
-              <a:spcBef>
-                <a:spcPts val="0"/>
-              </a:spcBef>
-              <a:spcAft>
-                <a:spcPts val="0"/>
-              </a:spcAft>
-              <a:buNone/>
-            </a:pPr>
-            <a:endParaRPr lang="nl-NL" dirty="0"/>
+            <a:pPr marL="171450" lvl="0" indent="-95250" algn="l" rtl="0">
+              <a:spcBef>
+                <a:spcPts val="0"/>
+              </a:spcBef>
+              <a:spcAft>
+                <a:spcPts val="0"/>
+              </a:spcAft>
+              <a:buClr>
+                <a:schemeClr val="dk1"/>
+              </a:buClr>
+              <a:buSzPts val="1200"/>
+              <a:buFont typeface="Arial"/>
+              <a:buNone/>
+            </a:pPr>
+            <a:r>
+              <a:rPr lang="nl-NL" b="0" dirty="0"/>
+              <a:t>Git </a:t>
+            </a:r>
+            <a:r>
+              <a:rPr lang="nl-NL" b="0" dirty="0" err="1"/>
+              <a:t>rebase</a:t>
+            </a:r>
+            <a:r>
+              <a:rPr lang="nl-NL" b="0" dirty="0"/>
+              <a:t> </a:t>
+            </a:r>
+            <a:r>
+              <a:rPr lang="nl-NL" b="0" dirty="0" err="1"/>
+              <a:t>with</a:t>
+            </a:r>
+            <a:r>
+              <a:rPr lang="nl-NL" b="0" dirty="0"/>
+              <a:t> </a:t>
+            </a:r>
+            <a:r>
+              <a:rPr lang="nl-NL" b="0" dirty="0" err="1"/>
+              <a:t>mergeconflict</a:t>
+            </a:r>
+            <a:endParaRPr lang="nl-NL" b="0" dirty="0"/>
+          </a:p>
+          <a:p>
+            <a:pPr marL="171450" lvl="0" indent="-95250" algn="l" rtl="0">
+              <a:spcBef>
+                <a:spcPts val="0"/>
+              </a:spcBef>
+              <a:spcAft>
+                <a:spcPts val="0"/>
+              </a:spcAft>
+              <a:buClr>
+                <a:schemeClr val="dk1"/>
+              </a:buClr>
+              <a:buSzPts val="1200"/>
+              <a:buFont typeface="Arial"/>
+              <a:buNone/>
+            </a:pPr>
+            <a:r>
+              <a:rPr lang="nl-NL" b="0" dirty="0"/>
+              <a:t>- </a:t>
+            </a:r>
+            <a:r>
+              <a:rPr lang="nl-NL" b="0" dirty="0" err="1"/>
+              <a:t>Create</a:t>
+            </a:r>
+            <a:r>
+              <a:rPr lang="nl-NL" b="0" dirty="0"/>
+              <a:t> a new empty </a:t>
+            </a:r>
+            <a:r>
+              <a:rPr lang="nl-NL" b="0" dirty="0" err="1"/>
+              <a:t>repository</a:t>
+            </a:r>
+            <a:r>
+              <a:rPr lang="nl-NL" b="0" dirty="0"/>
+              <a:t> </a:t>
+            </a:r>
+            <a:r>
+              <a:rPr lang="nl-NL" b="0" dirty="0" err="1"/>
+              <a:t>somewhere</a:t>
+            </a:r>
+            <a:endParaRPr lang="nl-NL" b="0" dirty="0"/>
+          </a:p>
+          <a:p>
+            <a:pPr marL="171450" lvl="0" indent="-95250" algn="l" rtl="0">
+              <a:spcBef>
+                <a:spcPts val="0"/>
+              </a:spcBef>
+              <a:spcAft>
+                <a:spcPts val="0"/>
+              </a:spcAft>
+              <a:buClr>
+                <a:schemeClr val="dk1"/>
+              </a:buClr>
+              <a:buSzPts val="1200"/>
+              <a:buFont typeface="Arial"/>
+              <a:buNone/>
+            </a:pPr>
+            <a:r>
+              <a:rPr lang="nl-NL" b="0" dirty="0"/>
+              <a:t>- </a:t>
+            </a:r>
+            <a:r>
+              <a:rPr lang="nl-NL" b="0" dirty="0" err="1"/>
+              <a:t>Add</a:t>
+            </a:r>
+            <a:r>
+              <a:rPr lang="nl-NL" b="0" dirty="0"/>
+              <a:t> a name.txt </a:t>
+            </a:r>
+            <a:r>
+              <a:rPr lang="nl-NL" b="0" dirty="0" err="1"/>
+              <a:t>with</a:t>
+            </a:r>
+            <a:r>
+              <a:rPr lang="nl-NL" b="0" dirty="0"/>
+              <a:t> </a:t>
+            </a:r>
+            <a:r>
+              <a:rPr lang="nl-NL" b="0" dirty="0" err="1"/>
+              <a:t>your</a:t>
+            </a:r>
+            <a:r>
+              <a:rPr lang="nl-NL" b="0" dirty="0"/>
+              <a:t> name on line 1 in </a:t>
+            </a:r>
+            <a:r>
+              <a:rPr lang="nl-NL" b="0" dirty="0" err="1"/>
+              <a:t>main</a:t>
+            </a:r>
+            <a:r>
+              <a:rPr lang="nl-NL" b="0" dirty="0"/>
+              <a:t> (</a:t>
+            </a:r>
+            <a:r>
+              <a:rPr lang="nl-NL" b="0" dirty="0" err="1"/>
+              <a:t>add</a:t>
+            </a:r>
+            <a:r>
+              <a:rPr lang="nl-NL" b="0" dirty="0"/>
+              <a:t>/</a:t>
+            </a:r>
+            <a:r>
+              <a:rPr lang="nl-NL" b="0" dirty="0" err="1"/>
+              <a:t>commit</a:t>
+            </a:r>
+            <a:r>
+              <a:rPr lang="nl-NL" b="0" dirty="0"/>
+              <a:t>)</a:t>
+            </a:r>
+          </a:p>
+          <a:p>
+            <a:pPr marL="171450" lvl="0" indent="-95250" algn="l" rtl="0">
+              <a:spcBef>
+                <a:spcPts val="0"/>
+              </a:spcBef>
+              <a:spcAft>
+                <a:spcPts val="0"/>
+              </a:spcAft>
+              <a:buClr>
+                <a:schemeClr val="dk1"/>
+              </a:buClr>
+              <a:buSzPts val="1200"/>
+              <a:buFont typeface="Arial"/>
+              <a:buNone/>
+            </a:pPr>
+            <a:r>
+              <a:rPr lang="nl-NL" b="0" dirty="0"/>
+              <a:t>- git </a:t>
+            </a:r>
+            <a:r>
+              <a:rPr lang="nl-NL" b="0" dirty="0" err="1"/>
+              <a:t>branch</a:t>
+            </a:r>
+            <a:r>
+              <a:rPr lang="nl-NL" b="0" dirty="0"/>
+              <a:t> </a:t>
+            </a:r>
+            <a:r>
+              <a:rPr lang="nl-NL" b="0" dirty="0" err="1"/>
+              <a:t>rebaseconflict</a:t>
+            </a:r>
+            <a:endParaRPr lang="nl-NL" b="0" dirty="0"/>
+          </a:p>
+          <a:p>
+            <a:pPr marL="171450" lvl="0" indent="-95250" algn="l" rtl="0">
+              <a:spcBef>
+                <a:spcPts val="0"/>
+              </a:spcBef>
+              <a:spcAft>
+                <a:spcPts val="0"/>
+              </a:spcAft>
+              <a:buClr>
+                <a:schemeClr val="dk1"/>
+              </a:buClr>
+              <a:buSzPts val="1200"/>
+              <a:buFont typeface="Arial"/>
+              <a:buNone/>
+            </a:pPr>
+            <a:r>
+              <a:rPr lang="nl-NL" b="0" dirty="0"/>
+              <a:t>- Change line 1 </a:t>
+            </a:r>
+            <a:r>
+              <a:rPr lang="nl-NL" b="0" dirty="0" err="1"/>
+              <a:t>into</a:t>
+            </a:r>
+            <a:r>
+              <a:rPr lang="nl-NL" b="0" dirty="0"/>
+              <a:t> </a:t>
+            </a:r>
+            <a:r>
+              <a:rPr lang="nl-NL" b="0" dirty="0" err="1"/>
+              <a:t>something</a:t>
+            </a:r>
+            <a:r>
+              <a:rPr lang="nl-NL" b="0" dirty="0"/>
+              <a:t> </a:t>
+            </a:r>
+            <a:r>
+              <a:rPr lang="nl-NL" b="0" dirty="0" err="1"/>
+              <a:t>else</a:t>
+            </a:r>
+            <a:r>
+              <a:rPr lang="nl-NL" b="0" dirty="0"/>
+              <a:t> in a second </a:t>
+            </a:r>
+            <a:r>
+              <a:rPr lang="nl-NL" b="0" dirty="0" err="1"/>
+              <a:t>commit</a:t>
+            </a:r>
+            <a:endParaRPr lang="nl-NL" b="0" dirty="0"/>
+          </a:p>
+          <a:p>
+            <a:pPr marL="171450" lvl="0" indent="-95250" algn="l" rtl="0">
+              <a:spcBef>
+                <a:spcPts val="0"/>
+              </a:spcBef>
+              <a:spcAft>
+                <a:spcPts val="0"/>
+              </a:spcAft>
+              <a:buClr>
+                <a:schemeClr val="dk1"/>
+              </a:buClr>
+              <a:buSzPts val="1200"/>
+              <a:buFont typeface="Arial"/>
+              <a:buNone/>
+            </a:pPr>
+            <a:r>
+              <a:rPr lang="nl-NL" b="0" dirty="0"/>
+              <a:t>- Switch </a:t>
+            </a:r>
+            <a:r>
+              <a:rPr lang="nl-NL" b="0" dirty="0" err="1"/>
+              <a:t>to</a:t>
+            </a:r>
+            <a:r>
+              <a:rPr lang="nl-NL" b="0" dirty="0"/>
+              <a:t> </a:t>
+            </a:r>
+            <a:r>
+              <a:rPr lang="nl-NL" b="0" dirty="0" err="1"/>
+              <a:t>branch</a:t>
+            </a:r>
+            <a:r>
+              <a:rPr lang="nl-NL" b="0" dirty="0"/>
+              <a:t> </a:t>
+            </a:r>
+            <a:r>
+              <a:rPr lang="nl-NL" b="0" dirty="0" err="1"/>
+              <a:t>rebaseconflict</a:t>
+            </a:r>
+            <a:endParaRPr lang="nl-NL" b="0" dirty="0"/>
+          </a:p>
+          <a:p>
+            <a:pPr marL="171450" lvl="0" indent="-95250" algn="l" rtl="0">
+              <a:spcBef>
+                <a:spcPts val="0"/>
+              </a:spcBef>
+              <a:spcAft>
+                <a:spcPts val="0"/>
+              </a:spcAft>
+              <a:buClr>
+                <a:schemeClr val="dk1"/>
+              </a:buClr>
+              <a:buSzPts val="1200"/>
+              <a:buFont typeface="Arial"/>
+              <a:buNone/>
+            </a:pPr>
+            <a:r>
+              <a:rPr lang="nl-NL" b="0" dirty="0"/>
+              <a:t>- Make a change </a:t>
+            </a:r>
+            <a:r>
+              <a:rPr lang="nl-NL" b="0" dirty="0" err="1"/>
+              <a:t>to</a:t>
+            </a:r>
+            <a:r>
+              <a:rPr lang="nl-NL" b="0" dirty="0"/>
+              <a:t> line 1 in name.txt </a:t>
+            </a:r>
+            <a:r>
+              <a:rPr lang="nl-NL" b="0" dirty="0" err="1"/>
+              <a:t>with</a:t>
+            </a:r>
+            <a:r>
+              <a:rPr lang="nl-NL" b="0" dirty="0"/>
+              <a:t> a different </a:t>
+            </a:r>
+            <a:r>
+              <a:rPr lang="nl-NL" b="0" dirty="0" err="1"/>
+              <a:t>value</a:t>
+            </a:r>
+            <a:r>
+              <a:rPr lang="nl-NL" b="0" dirty="0"/>
+              <a:t>.</a:t>
+            </a:r>
+          </a:p>
+          <a:p>
+            <a:pPr marL="171450" lvl="0" indent="-95250" algn="l" rtl="0">
+              <a:spcBef>
+                <a:spcPts val="0"/>
+              </a:spcBef>
+              <a:spcAft>
+                <a:spcPts val="0"/>
+              </a:spcAft>
+              <a:buClr>
+                <a:schemeClr val="dk1"/>
+              </a:buClr>
+              <a:buSzPts val="1200"/>
+              <a:buFont typeface="Arial"/>
+              <a:buNone/>
+            </a:pPr>
+            <a:r>
+              <a:rPr lang="nl-NL" b="0" dirty="0"/>
+              <a:t>- git </a:t>
+            </a:r>
+            <a:r>
+              <a:rPr lang="nl-NL" b="0" dirty="0" err="1"/>
+              <a:t>add</a:t>
+            </a:r>
+            <a:r>
+              <a:rPr lang="nl-NL" b="0" dirty="0"/>
+              <a:t>/</a:t>
+            </a:r>
+            <a:r>
+              <a:rPr lang="nl-NL" b="0" dirty="0" err="1"/>
+              <a:t>commit</a:t>
+            </a:r>
+            <a:endParaRPr lang="nl-NL" b="0" dirty="0"/>
+          </a:p>
+          <a:p>
+            <a:pPr marL="171450" lvl="0" indent="-95250" algn="l" rtl="0">
+              <a:spcBef>
+                <a:spcPts val="0"/>
+              </a:spcBef>
+              <a:spcAft>
+                <a:spcPts val="0"/>
+              </a:spcAft>
+              <a:buClr>
+                <a:schemeClr val="dk1"/>
+              </a:buClr>
+              <a:buSzPts val="1200"/>
+              <a:buFont typeface="Arial"/>
+              <a:buNone/>
+            </a:pPr>
+            <a:r>
+              <a:rPr lang="nl-NL" b="0" dirty="0"/>
+              <a:t>- </a:t>
+            </a:r>
+            <a:r>
+              <a:rPr lang="nl-NL" b="0" dirty="0" err="1"/>
+              <a:t>try</a:t>
+            </a:r>
+            <a:r>
+              <a:rPr lang="nl-NL" b="0" dirty="0"/>
+              <a:t> </a:t>
+            </a:r>
+            <a:r>
+              <a:rPr lang="nl-NL" b="0" dirty="0" err="1"/>
+              <a:t>to</a:t>
+            </a:r>
+            <a:r>
+              <a:rPr lang="nl-NL" b="0" dirty="0"/>
+              <a:t> </a:t>
+            </a:r>
+            <a:r>
+              <a:rPr lang="nl-NL" b="0" dirty="0" err="1"/>
+              <a:t>rebase</a:t>
+            </a:r>
+            <a:r>
+              <a:rPr lang="nl-NL" b="0" dirty="0"/>
+              <a:t> </a:t>
+            </a:r>
+            <a:r>
+              <a:rPr lang="nl-NL" b="0" dirty="0" err="1"/>
+              <a:t>against</a:t>
+            </a:r>
+            <a:r>
+              <a:rPr lang="nl-NL" b="0" dirty="0"/>
+              <a:t> </a:t>
+            </a:r>
+            <a:r>
+              <a:rPr lang="nl-NL" b="0" dirty="0" err="1"/>
+              <a:t>main</a:t>
+            </a:r>
+            <a:endParaRPr lang="nl-NL" b="0" dirty="0"/>
+          </a:p>
+          <a:p>
+            <a:pPr marL="171450" lvl="0" indent="-95250" algn="l" rtl="0">
+              <a:spcBef>
+                <a:spcPts val="0"/>
+              </a:spcBef>
+              <a:spcAft>
+                <a:spcPts val="0"/>
+              </a:spcAft>
+              <a:buClr>
+                <a:schemeClr val="dk1"/>
+              </a:buClr>
+              <a:buSzPts val="1200"/>
+              <a:buFont typeface="Arial"/>
+              <a:buNone/>
+            </a:pPr>
+            <a:r>
+              <a:rPr lang="nl-NL" b="0" dirty="0"/>
+              <a:t>- </a:t>
+            </a:r>
+            <a:r>
+              <a:rPr lang="nl-NL" b="0" dirty="0" err="1"/>
+              <a:t>use</a:t>
+            </a:r>
+            <a:r>
+              <a:rPr lang="nl-NL" b="0" dirty="0"/>
+              <a:t> git status </a:t>
+            </a:r>
+            <a:r>
+              <a:rPr lang="nl-NL" b="0" dirty="0" err="1"/>
+              <a:t>to</a:t>
+            </a:r>
+            <a:r>
+              <a:rPr lang="nl-NL" b="0" dirty="0"/>
+              <a:t> display git </a:t>
+            </a:r>
+            <a:r>
+              <a:rPr lang="nl-NL" b="0" dirty="0" err="1"/>
+              <a:t>rebase</a:t>
+            </a:r>
+            <a:r>
+              <a:rPr lang="nl-NL" b="0" dirty="0"/>
+              <a:t> status</a:t>
+            </a:r>
+          </a:p>
+          <a:p>
+            <a:pPr marL="171450" lvl="0" indent="-95250" algn="l" rtl="0">
+              <a:spcBef>
+                <a:spcPts val="0"/>
+              </a:spcBef>
+              <a:spcAft>
+                <a:spcPts val="0"/>
+              </a:spcAft>
+              <a:buClr>
+                <a:schemeClr val="dk1"/>
+              </a:buClr>
+              <a:buSzPts val="1200"/>
+              <a:buFont typeface="Arial"/>
+              <a:buNone/>
+            </a:pPr>
+            <a:r>
+              <a:rPr lang="nl-NL" b="0" dirty="0"/>
+              <a:t>- git </a:t>
+            </a:r>
+            <a:r>
+              <a:rPr lang="nl-NL" b="0" dirty="0" err="1"/>
+              <a:t>rebase</a:t>
+            </a:r>
+            <a:r>
+              <a:rPr lang="nl-NL" b="0" dirty="0"/>
+              <a:t> --</a:t>
+            </a:r>
+            <a:r>
+              <a:rPr lang="nl-NL" b="0" dirty="0" err="1"/>
+              <a:t>abort</a:t>
+            </a:r>
+            <a:endParaRPr lang="nl-NL" b="0" dirty="0"/>
+          </a:p>
+          <a:p>
+            <a:pPr marL="171450" lvl="0" indent="-95250" algn="l" rtl="0">
+              <a:spcBef>
+                <a:spcPts val="0"/>
+              </a:spcBef>
+              <a:spcAft>
+                <a:spcPts val="0"/>
+              </a:spcAft>
+              <a:buClr>
+                <a:schemeClr val="dk1"/>
+              </a:buClr>
+              <a:buSzPts val="1200"/>
+              <a:buFont typeface="Arial"/>
+              <a:buNone/>
+            </a:pPr>
+            <a:r>
+              <a:rPr lang="nl-NL" b="0" dirty="0"/>
+              <a:t>- git </a:t>
+            </a:r>
+            <a:r>
+              <a:rPr lang="nl-NL" b="0" dirty="0" err="1"/>
+              <a:t>rebase</a:t>
+            </a:r>
+            <a:r>
+              <a:rPr lang="nl-NL" b="0" dirty="0"/>
+              <a:t> </a:t>
+            </a:r>
+            <a:r>
+              <a:rPr lang="nl-NL" b="0" dirty="0" err="1"/>
+              <a:t>again</a:t>
+            </a:r>
+            <a:endParaRPr lang="nl-NL" b="0" dirty="0"/>
+          </a:p>
+          <a:p>
+            <a:pPr marL="171450" lvl="0" indent="-95250" algn="l" rtl="0">
+              <a:spcBef>
+                <a:spcPts val="0"/>
+              </a:spcBef>
+              <a:spcAft>
+                <a:spcPts val="0"/>
+              </a:spcAft>
+              <a:buClr>
+                <a:schemeClr val="dk1"/>
+              </a:buClr>
+              <a:buSzPts val="1200"/>
+              <a:buFont typeface="Arial"/>
+              <a:buNone/>
+            </a:pPr>
+            <a:r>
+              <a:rPr lang="nl-NL" b="0" dirty="0"/>
+              <a:t>- git </a:t>
+            </a:r>
+            <a:r>
+              <a:rPr lang="nl-NL" b="0" dirty="0" err="1"/>
+              <a:t>mergetool</a:t>
+            </a:r>
+            <a:endParaRPr lang="nl-NL" b="0" dirty="0"/>
+          </a:p>
+          <a:p>
+            <a:pPr marL="171450" lvl="0" indent="-95250" algn="l" rtl="0">
+              <a:spcBef>
+                <a:spcPts val="0"/>
+              </a:spcBef>
+              <a:spcAft>
+                <a:spcPts val="0"/>
+              </a:spcAft>
+              <a:buClr>
+                <a:schemeClr val="dk1"/>
+              </a:buClr>
+              <a:buSzPts val="1200"/>
+              <a:buFont typeface="Arial"/>
+              <a:buNone/>
+            </a:pPr>
+            <a:r>
+              <a:rPr lang="nl-NL" b="0" dirty="0"/>
+              <a:t>- Change file </a:t>
+            </a:r>
+            <a:r>
+              <a:rPr lang="nl-NL" b="0" dirty="0" err="1"/>
+              <a:t>to</a:t>
+            </a:r>
+            <a:r>
+              <a:rPr lang="nl-NL" b="0" dirty="0"/>
+              <a:t> </a:t>
+            </a:r>
+            <a:r>
+              <a:rPr lang="nl-NL" b="0" dirty="0" err="1"/>
+              <a:t>what</a:t>
+            </a:r>
+            <a:r>
+              <a:rPr lang="nl-NL" b="0" dirty="0"/>
+              <a:t> </a:t>
+            </a:r>
+            <a:r>
+              <a:rPr lang="nl-NL" b="0" dirty="0" err="1"/>
+              <a:t>you</a:t>
+            </a:r>
+            <a:r>
+              <a:rPr lang="nl-NL" b="0" dirty="0"/>
+              <a:t> want</a:t>
+            </a:r>
+          </a:p>
+          <a:p>
+            <a:pPr marL="171450" lvl="0" indent="-95250" algn="l" rtl="0">
+              <a:spcBef>
+                <a:spcPts val="0"/>
+              </a:spcBef>
+              <a:spcAft>
+                <a:spcPts val="0"/>
+              </a:spcAft>
+              <a:buClr>
+                <a:schemeClr val="dk1"/>
+              </a:buClr>
+              <a:buSzPts val="1200"/>
+              <a:buFont typeface="Arial"/>
+              <a:buNone/>
+            </a:pPr>
+            <a:r>
+              <a:rPr lang="nl-NL" b="0" dirty="0"/>
+              <a:t>- git </a:t>
+            </a:r>
+            <a:r>
+              <a:rPr lang="nl-NL" b="0" dirty="0" err="1"/>
+              <a:t>rebase</a:t>
+            </a:r>
+            <a:r>
+              <a:rPr lang="nl-NL" b="0" dirty="0"/>
+              <a:t> –continue</a:t>
+            </a:r>
+          </a:p>
+          <a:p>
+            <a:pPr marL="171450" lvl="0" indent="-95250" algn="l" rtl="0">
+              <a:spcBef>
+                <a:spcPts val="0"/>
+              </a:spcBef>
+              <a:spcAft>
+                <a:spcPts val="0"/>
+              </a:spcAft>
+              <a:buClr>
+                <a:schemeClr val="dk1"/>
+              </a:buClr>
+              <a:buSzPts val="1200"/>
+              <a:buFont typeface="Arial"/>
+              <a:buNone/>
+            </a:pPr>
+            <a:endParaRPr lang="nl-NL" b="0" dirty="0"/>
           </a:p>
         </p:txBody>
       </p:sp>
@@ -6365,7 +6986,7 @@
     </p:spTree>
     <p:extLst>
       <p:ext uri="{BB962C8B-B14F-4D97-AF65-F5344CB8AC3E}">
-        <p14:creationId xmlns:p14="http://schemas.microsoft.com/office/powerpoint/2010/main" val="1904188902"/>
+        <p14:creationId xmlns:p14="http://schemas.microsoft.com/office/powerpoint/2010/main" val="2030160655"/>
       </p:ext>
     </p:extLst>
   </p:cSld>
@@ -6429,80 +7050,8 @@
               <a:buNone/>
             </a:pPr>
             <a:r>
-              <a:rPr lang="en-US" dirty="0"/>
-              <a:t>Git clone </a:t>
-            </a:r>
-            <a:r>
-              <a:rPr lang="en-US" dirty="0" err="1"/>
-              <a:t>toelichten</a:t>
-            </a:r>
-            <a:r>
-              <a:rPr lang="en-US" dirty="0"/>
-              <a:t> – </a:t>
-            </a:r>
-            <a:r>
-              <a:rPr lang="en-US" dirty="0" err="1"/>
-              <a:t>volledige</a:t>
-            </a:r>
-            <a:r>
-              <a:rPr lang="en-US" dirty="0"/>
-              <a:t> </a:t>
-            </a:r>
-            <a:r>
-              <a:rPr lang="en-US" dirty="0" err="1"/>
-              <a:t>kopie</a:t>
-            </a:r>
-            <a:r>
-              <a:rPr lang="en-US" dirty="0"/>
-              <a:t> van repository. Repositories </a:t>
-            </a:r>
-            <a:r>
-              <a:rPr lang="en-US" dirty="0" err="1"/>
-              <a:t>waarmee</a:t>
-            </a:r>
-            <a:r>
-              <a:rPr lang="en-US" dirty="0"/>
-              <a:t> je </a:t>
-            </a:r>
-            <a:r>
-              <a:rPr lang="en-US" dirty="0" err="1"/>
-              <a:t>samenwerkt</a:t>
-            </a:r>
-            <a:r>
-              <a:rPr lang="en-US" dirty="0"/>
-              <a:t> </a:t>
-            </a:r>
-            <a:r>
-              <a:rPr lang="en-US" dirty="0" err="1"/>
-              <a:t>worden</a:t>
-            </a:r>
-            <a:r>
-              <a:rPr lang="en-US" dirty="0"/>
-              <a:t> </a:t>
-            </a:r>
-            <a:r>
-              <a:rPr lang="en-US" dirty="0" err="1"/>
-              <a:t>ook</a:t>
-            </a:r>
-            <a:r>
-              <a:rPr lang="en-US" dirty="0"/>
-              <a:t> </a:t>
-            </a:r>
-            <a:r>
-              <a:rPr lang="en-US" dirty="0" err="1"/>
-              <a:t>wel</a:t>
-            </a:r>
-            <a:r>
-              <a:rPr lang="en-US" dirty="0"/>
-              <a:t> remotes </a:t>
-            </a:r>
-            <a:r>
-              <a:rPr lang="en-US" dirty="0" err="1"/>
-              <a:t>genoemd</a:t>
-            </a:r>
-            <a:r>
-              <a:rPr lang="en-US" dirty="0"/>
-              <a:t>.</a:t>
+              <a:rPr lang="en-GB" dirty="0"/>
+              <a:t>DEMONSTRATE</a:t>
             </a:r>
           </a:p>
           <a:p>
@@ -6515,7 +7064,7 @@
               </a:spcAft>
               <a:buNone/>
             </a:pPr>
-            <a:endParaRPr lang="en-US" dirty="0"/>
+            <a:endParaRPr lang="en-GB" dirty="0"/>
           </a:p>
           <a:p>
             <a:pPr marL="0" lvl="0" indent="0" algn="l" rtl="0">
@@ -6528,32 +7077,8 @@
               <a:buNone/>
             </a:pPr>
             <a:r>
-              <a:rPr lang="en-US" dirty="0"/>
-              <a:t>Git pull – </a:t>
-            </a:r>
-            <a:r>
-              <a:rPr lang="en-US" dirty="0" err="1"/>
-              <a:t>wijzigingen</a:t>
-            </a:r>
-            <a:r>
-              <a:rPr lang="en-US" dirty="0"/>
-              <a:t> </a:t>
-            </a:r>
-            <a:r>
-              <a:rPr lang="en-US" dirty="0" err="1"/>
-              <a:t>binnenhalen</a:t>
-            </a:r>
-            <a:r>
-              <a:rPr lang="en-US" dirty="0"/>
-              <a:t> van de </a:t>
-            </a:r>
-            <a:r>
-              <a:rPr lang="en-US" dirty="0" err="1"/>
-              <a:t>andere</a:t>
-            </a:r>
-            <a:r>
-              <a:rPr lang="en-US" dirty="0"/>
-              <a:t> repository</a:t>
+              <a:rPr lang="en-GB" dirty="0"/>
+              <a:t>- Create a branch with two new commits</a:t>
             </a:r>
           </a:p>
           <a:p>
@@ -6567,33 +7092,29 @@
               <a:buNone/>
             </a:pPr>
             <a:r>
-              <a:rPr lang="en-US" dirty="0"/>
-              <a:t>Git push – locale </a:t>
-            </a:r>
-            <a:r>
-              <a:rPr lang="en-US" dirty="0" err="1"/>
-              <a:t>wijzigingen</a:t>
-            </a:r>
-            <a:r>
-              <a:rPr lang="en-US" dirty="0"/>
-              <a:t> </a:t>
-            </a:r>
-            <a:r>
-              <a:rPr lang="en-US" dirty="0" err="1"/>
-              <a:t>doorzetten</a:t>
-            </a:r>
-            <a:r>
-              <a:rPr lang="en-US" dirty="0"/>
-              <a:t> </a:t>
-            </a:r>
-            <a:r>
-              <a:rPr lang="en-US" dirty="0" err="1"/>
-              <a:t>naar</a:t>
-            </a:r>
-            <a:r>
-              <a:rPr lang="en-US" dirty="0"/>
-              <a:t> de remote repository</a:t>
-            </a:r>
+              <a:rPr lang="en-GB" dirty="0"/>
+              <a:t>- Do a git rebase -</a:t>
+            </a:r>
+            <a:r>
+              <a:rPr lang="en-GB" dirty="0" err="1"/>
+              <a:t>i</a:t>
+            </a:r>
+            <a:r>
+              <a:rPr lang="en-GB" dirty="0"/>
+              <a:t> against main</a:t>
+            </a:r>
+          </a:p>
+          <a:p>
+            <a:pPr marL="0" lvl="0" indent="0" algn="l" rtl="0">
+              <a:spcBef>
+                <a:spcPts val="0"/>
+              </a:spcBef>
+              <a:spcAft>
+                <a:spcPts val="0"/>
+              </a:spcAft>
+              <a:buNone/>
+            </a:pPr>
+            <a:endParaRPr lang="nl-NL" dirty="0"/>
           </a:p>
         </p:txBody>
       </p:sp>
@@ -6623,7 +7144,7 @@
     </p:spTree>
     <p:extLst>
       <p:ext uri="{BB962C8B-B14F-4D97-AF65-F5344CB8AC3E}">
-        <p14:creationId xmlns:p14="http://schemas.microsoft.com/office/powerpoint/2010/main" val="2678123285"/>
+        <p14:creationId xmlns:p14="http://schemas.microsoft.com/office/powerpoint/2010/main" val="1904188902"/>
       </p:ext>
     </p:extLst>
   </p:cSld>
@@ -6677,21 +7198,16 @@
           <a:bodyPr/>
           <a:lstStyle/>
           <a:p>
-            <a:pPr marL="171450" lvl="0" indent="-95250" algn="l" rtl="0">
-              <a:spcBef>
-                <a:spcPts val="0"/>
-              </a:spcBef>
-              <a:spcAft>
-                <a:spcPts val="0"/>
-              </a:spcAft>
-              <a:buClr>
-                <a:schemeClr val="dk1"/>
-              </a:buClr>
-              <a:buSzPts val="1200"/>
-              <a:buFont typeface="Arial"/>
-              <a:buNone/>
-            </a:pPr>
-            <a:endParaRPr lang="nl-NL" b="0" dirty="0"/>
+            <a:pPr marL="0" lvl="0" indent="0" algn="l" rtl="0">
+              <a:spcBef>
+                <a:spcPts val="0"/>
+              </a:spcBef>
+              <a:spcAft>
+                <a:spcPts val="0"/>
+              </a:spcAft>
+              <a:buNone/>
+            </a:pPr>
+            <a:endParaRPr lang="en-US" dirty="0"/>
           </a:p>
         </p:txBody>
       </p:sp>
@@ -6721,7 +7237,7 @@
     </p:spTree>
     <p:extLst>
       <p:ext uri="{BB962C8B-B14F-4D97-AF65-F5344CB8AC3E}">
-        <p14:creationId xmlns:p14="http://schemas.microsoft.com/office/powerpoint/2010/main" val="1756868549"/>
+        <p14:creationId xmlns:p14="http://schemas.microsoft.com/office/powerpoint/2010/main" val="2678123285"/>
       </p:ext>
     </p:extLst>
   </p:cSld>
@@ -6811,6 +7327,104 @@
             <a:fld id="{EC02DB66-CA7E-5043-8AC5-3E663CC57782}" type="slidenum">
               <a:rPr lang="nl-NL" smtClean="0"/>
               <a:t>23</a:t>
+            </a:fld>
+            <a:endParaRPr lang="nl-NL"/>
+          </a:p>
+        </p:txBody>
+      </p:sp>
+    </p:spTree>
+    <p:extLst>
+      <p:ext uri="{BB962C8B-B14F-4D97-AF65-F5344CB8AC3E}">
+        <p14:creationId xmlns:p14="http://schemas.microsoft.com/office/powerpoint/2010/main" val="1756868549"/>
+      </p:ext>
+    </p:extLst>
+  </p:cSld>
+  <p:clrMapOvr>
+    <a:masterClrMapping/>
+  </p:clrMapOvr>
+</p:notes>
+</file>
+
+<file path=ppt/notesSlides/notesSlide24.xml><?xml version="1.0" encoding="utf-8"?>
+<p:notes xmlns:a="http://schemas.openxmlformats.org/drawingml/2006/main" xmlns:r="http://schemas.openxmlformats.org/officeDocument/2006/relationships" xmlns:p="http://schemas.openxmlformats.org/presentationml/2006/main">
+  <p:cSld>
+    <p:spTree>
+      <p:nvGrpSpPr>
+        <p:cNvPr id="1" name=""/>
+        <p:cNvGrpSpPr/>
+        <p:nvPr/>
+      </p:nvGrpSpPr>
+      <p:grpSpPr>
+        <a:xfrm>
+          <a:off x="0" y="0"/>
+          <a:ext cx="0" cy="0"/>
+          <a:chOff x="0" y="0"/>
+          <a:chExt cx="0" cy="0"/>
+        </a:xfrm>
+      </p:grpSpPr>
+      <p:sp>
+        <p:nvSpPr>
+          <p:cNvPr id="2" name="Slide Image Placeholder 1"/>
+          <p:cNvSpPr>
+            <a:spLocks noGrp="1" noRot="1" noChangeAspect="1"/>
+          </p:cNvSpPr>
+          <p:nvPr>
+            <p:ph type="sldImg"/>
+          </p:nvPr>
+        </p:nvSpPr>
+        <p:spPr/>
+      </p:sp>
+      <p:sp>
+        <p:nvSpPr>
+          <p:cNvPr id="3" name="Notes Placeholder 2"/>
+          <p:cNvSpPr>
+            <a:spLocks noGrp="1"/>
+          </p:cNvSpPr>
+          <p:nvPr>
+            <p:ph type="body" idx="1"/>
+          </p:nvPr>
+        </p:nvSpPr>
+        <p:spPr/>
+        <p:txBody>
+          <a:bodyPr/>
+          <a:lstStyle/>
+          <a:p>
+            <a:pPr marL="171450" lvl="0" indent="-95250" algn="l" rtl="0">
+              <a:spcBef>
+                <a:spcPts val="0"/>
+              </a:spcBef>
+              <a:spcAft>
+                <a:spcPts val="0"/>
+              </a:spcAft>
+              <a:buClr>
+                <a:schemeClr val="dk1"/>
+              </a:buClr>
+              <a:buSzPts val="1200"/>
+              <a:buFont typeface="Arial"/>
+              <a:buNone/>
+            </a:pPr>
+            <a:endParaRPr lang="nl-NL" b="0" dirty="0"/>
+          </a:p>
+        </p:txBody>
+      </p:sp>
+      <p:sp>
+        <p:nvSpPr>
+          <p:cNvPr id="4" name="Slide Number Placeholder 3"/>
+          <p:cNvSpPr>
+            <a:spLocks noGrp="1"/>
+          </p:cNvSpPr>
+          <p:nvPr>
+            <p:ph type="sldNum" sz="quarter" idx="5"/>
+          </p:nvPr>
+        </p:nvSpPr>
+        <p:spPr/>
+        <p:txBody>
+          <a:bodyPr/>
+          <a:lstStyle/>
+          <a:p>
+            <a:fld id="{EC02DB66-CA7E-5043-8AC5-3E663CC57782}" type="slidenum">
+              <a:rPr lang="nl-NL" smtClean="0"/>
+              <a:t>24</a:t>
             </a:fld>
             <a:endParaRPr lang="nl-NL"/>
           </a:p>
@@ -7822,18 +8436,26 @@
               </a:spcAft>
               <a:buNone/>
             </a:pPr>
-            <a:r>
-              <a:rPr lang="en-US" b="1" dirty="0" err="1"/>
-              <a:t>Demonstratie</a:t>
-            </a:r>
+            <a:endParaRPr lang="en-US" dirty="0"/>
+          </a:p>
+          <a:p>
+            <a:pPr marL="0" lvl="0" indent="0" algn="l" rtl="0">
+              <a:spcBef>
+                <a:spcPts val="0"/>
+              </a:spcBef>
+              <a:spcAft>
+                <a:spcPts val="0"/>
+              </a:spcAft>
+              <a:buNone/>
+            </a:pPr>
             <a:r>
               <a:rPr lang="en-US" b="1" dirty="0"/>
-              <a:t>:</a:t>
+              <a:t>EXERCISE:</a:t>
             </a:r>
             <a:endParaRPr lang="en-US" dirty="0"/>
           </a:p>
           <a:p>
-            <a:pPr marL="171450" lvl="0" indent="-171450" algn="l" rtl="0">
+            <a:pPr marL="0" lvl="0" indent="0" algn="l" rtl="0">
               <a:spcBef>
                 <a:spcPts val="0"/>
               </a:spcBef>
@@ -7845,11 +8467,11 @@
               </a:buClr>
               <a:buSzPts val="1200"/>
               <a:buFont typeface="Arial"/>
-              <a:buChar char="•"/>
+              <a:buNone/>
             </a:pPr>
             <a:r>
               <a:rPr lang="en-US" dirty="0"/>
-              <a:t>Md </a:t>
+              <a:t>- Md </a:t>
             </a:r>
             <a:r>
               <a:rPr lang="en-US" dirty="0" err="1"/>
@@ -7858,7 +8480,7 @@
             <a:endParaRPr lang="en-US" dirty="0"/>
           </a:p>
           <a:p>
-            <a:pPr marL="171450" lvl="0" indent="-171450" algn="l" rtl="0">
+            <a:pPr marL="0" lvl="0" indent="0" algn="l" rtl="0">
               <a:spcBef>
                 <a:spcPts val="0"/>
               </a:spcBef>
@@ -7870,11 +8492,11 @@
               </a:buClr>
               <a:buSzPts val="1200"/>
               <a:buFont typeface="Arial"/>
-              <a:buChar char="•"/>
+              <a:buNone/>
             </a:pPr>
             <a:r>
               <a:rPr lang="en-US" dirty="0"/>
-              <a:t>Cd </a:t>
+              <a:t>- Cd </a:t>
             </a:r>
             <a:r>
               <a:rPr lang="en-US" dirty="0" err="1"/>
@@ -7883,7 +8505,7 @@
             <a:endParaRPr lang="en-US" dirty="0"/>
           </a:p>
           <a:p>
-            <a:pPr marL="171450" lvl="0" indent="-171450" algn="l" rtl="0">
+            <a:pPr marL="0" lvl="0" indent="0" algn="l" rtl="0">
               <a:spcBef>
                 <a:spcPts val="0"/>
               </a:spcBef>
@@ -7895,11 +8517,11 @@
               </a:buClr>
               <a:buSzPts val="1200"/>
               <a:buFont typeface="Arial"/>
-              <a:buChar char="•"/>
+              <a:buNone/>
             </a:pPr>
             <a:r>
               <a:rPr lang="en-US" dirty="0"/>
-              <a:t>Git </a:t>
+              <a:t>- Git </a:t>
             </a:r>
             <a:r>
               <a:rPr lang="en-US" dirty="0" err="1"/>
@@ -7911,7 +8533,7 @@
             </a:r>
           </a:p>
           <a:p>
-            <a:pPr marL="171450" lvl="0" indent="-95250" algn="l" rtl="0">
+            <a:pPr marL="0" lvl="0" indent="0" algn="l" rtl="0">
               <a:spcBef>
                 <a:spcPts val="0"/>
               </a:spcBef>
@@ -7925,7 +8547,10 @@
               <a:buFont typeface="Arial"/>
               <a:buNone/>
             </a:pPr>
-            <a:endParaRPr lang="en-US" dirty="0"/>
+            <a:r>
+              <a:rPr lang="en-US" dirty="0"/>
+              <a:t>- Show hidden .git directory</a:t>
+            </a:r>
           </a:p>
           <a:p>
             <a:pPr marL="0" lvl="0" indent="0" algn="l" rtl="0">
@@ -7942,101 +8567,7 @@
               <a:buFont typeface="Arial"/>
               <a:buNone/>
             </a:pPr>
-            <a:r>
-              <a:rPr lang="en-US" dirty="0"/>
-              <a:t>Laten </a:t>
-            </a:r>
-            <a:r>
-              <a:rPr lang="en-US" dirty="0" err="1"/>
-              <a:t>zien</a:t>
-            </a:r>
-            <a:r>
-              <a:rPr lang="en-US" dirty="0"/>
-              <a:t> </a:t>
-            </a:r>
-            <a:r>
-              <a:rPr lang="en-US" dirty="0" err="1"/>
-              <a:t>dat</a:t>
-            </a:r>
-            <a:r>
-              <a:rPr lang="en-US" dirty="0"/>
-              <a:t> er nu </a:t>
-            </a:r>
-            <a:r>
-              <a:rPr lang="en-US" dirty="0" err="1"/>
-              <a:t>een</a:t>
-            </a:r>
-            <a:r>
-              <a:rPr lang="en-US" dirty="0"/>
-              <a:t> git repository is </a:t>
-            </a:r>
-            <a:r>
-              <a:rPr lang="en-US" dirty="0" err="1"/>
-              <a:t>aangemaakt</a:t>
-            </a:r>
-            <a:r>
-              <a:rPr lang="en-US" dirty="0"/>
-              <a:t>. </a:t>
-            </a:r>
-            <a:r>
-              <a:rPr lang="en-US" dirty="0" err="1"/>
-              <a:t>Verwijderen</a:t>
-            </a:r>
-            <a:r>
-              <a:rPr lang="en-US" dirty="0"/>
-              <a:t> van de hidden .git repository </a:t>
-            </a:r>
-            <a:r>
-              <a:rPr lang="en-US" dirty="0" err="1"/>
-              <a:t>zorgt</a:t>
-            </a:r>
-            <a:r>
-              <a:rPr lang="en-US" dirty="0"/>
-              <a:t> </a:t>
-            </a:r>
-            <a:r>
-              <a:rPr lang="en-US" dirty="0" err="1"/>
-              <a:t>ervoor</a:t>
-            </a:r>
-            <a:r>
-              <a:rPr lang="en-US" dirty="0"/>
-              <a:t> </a:t>
-            </a:r>
-            <a:r>
-              <a:rPr lang="en-US" dirty="0" err="1"/>
-              <a:t>dat</a:t>
-            </a:r>
-            <a:r>
-              <a:rPr lang="en-US" dirty="0"/>
-              <a:t> </a:t>
-            </a:r>
-            <a:r>
-              <a:rPr lang="en-US" dirty="0" err="1"/>
-              <a:t>deze</a:t>
-            </a:r>
-            <a:r>
-              <a:rPr lang="en-US" dirty="0"/>
-              <a:t> </a:t>
-            </a:r>
-            <a:r>
-              <a:rPr lang="en-US" dirty="0" err="1"/>
-              <a:t>weer</a:t>
-            </a:r>
-            <a:r>
-              <a:rPr lang="en-US" dirty="0"/>
-              <a:t> </a:t>
-            </a:r>
-            <a:r>
-              <a:rPr lang="en-US" dirty="0" err="1"/>
-              <a:t>weg</a:t>
-            </a:r>
-            <a:r>
-              <a:rPr lang="en-US" dirty="0"/>
-              <a:t> is.</a:t>
-            </a:r>
-          </a:p>
-          <a:p>
-            <a:endParaRPr lang="nl-NL" dirty="0"/>
+            <a:endParaRPr lang="en-US" dirty="0"/>
           </a:p>
         </p:txBody>
       </p:sp>
@@ -19396,6 +19927,105 @@
           <a:p>
             <a:r>
               <a:rPr lang="en-GB" dirty="0"/>
+              <a:t>Nice to know</a:t>
+            </a:r>
+            <a:endParaRPr lang="nl-NL" dirty="0"/>
+          </a:p>
+        </p:txBody>
+      </p:sp>
+      <p:sp>
+        <p:nvSpPr>
+          <p:cNvPr id="3" name="Content Placeholder 2">
+            <a:extLst>
+              <a:ext uri="{FF2B5EF4-FFF2-40B4-BE49-F238E27FC236}">
+                <a16:creationId xmlns:a16="http://schemas.microsoft.com/office/drawing/2014/main" id="{9496E99D-61C3-5C16-A327-5CE1AA72F4B4}"/>
+              </a:ext>
+            </a:extLst>
+          </p:cNvPr>
+          <p:cNvSpPr>
+            <a:spLocks noGrp="1"/>
+          </p:cNvSpPr>
+          <p:nvPr>
+            <p:ph idx="1"/>
+          </p:nvPr>
+        </p:nvSpPr>
+        <p:spPr/>
+        <p:txBody>
+          <a:bodyPr/>
+          <a:lstStyle/>
+          <a:p>
+            <a:r>
+              <a:rPr lang="en-GB" dirty="0"/>
+              <a:t>HEAD is the name for the currently active branch’s latest commit.</a:t>
+            </a:r>
+          </a:p>
+          <a:p>
+            <a:r>
+              <a:rPr lang="en-GB" dirty="0"/>
+              <a:t>Lots of commands can accept a commit ID (SHA). If it is not specified, HEAD is used.</a:t>
+            </a:r>
+          </a:p>
+          <a:p>
+            <a:r>
+              <a:rPr lang="en-GB" dirty="0"/>
+              <a:t>Branches are just symbolic names to a specific SHA.</a:t>
+            </a:r>
+          </a:p>
+        </p:txBody>
+      </p:sp>
+    </p:spTree>
+    <p:extLst>
+      <p:ext uri="{BB962C8B-B14F-4D97-AF65-F5344CB8AC3E}">
+        <p14:creationId xmlns:p14="http://schemas.microsoft.com/office/powerpoint/2010/main" val="1374773666"/>
+      </p:ext>
+    </p:extLst>
+  </p:cSld>
+  <p:clrMapOvr>
+    <a:masterClrMapping/>
+  </p:clrMapOvr>
+</p:sld>
+</file>
+
+<file path=ppt/slides/slide15.xml><?xml version="1.0" encoding="utf-8"?>
+<p:sld xmlns:a="http://schemas.openxmlformats.org/drawingml/2006/main" xmlns:r="http://schemas.openxmlformats.org/officeDocument/2006/relationships" xmlns:p="http://schemas.openxmlformats.org/presentationml/2006/main">
+  <p:cSld>
+    <p:spTree>
+      <p:nvGrpSpPr>
+        <p:cNvPr id="1" name=""/>
+        <p:cNvGrpSpPr/>
+        <p:nvPr/>
+      </p:nvGrpSpPr>
+      <p:grpSpPr>
+        <a:xfrm>
+          <a:off x="0" y="0"/>
+          <a:ext cx="0" cy="0"/>
+          <a:chOff x="0" y="0"/>
+          <a:chExt cx="0" cy="0"/>
+        </a:xfrm>
+      </p:grpSpPr>
+      <p:sp>
+        <p:nvSpPr>
+          <p:cNvPr id="2" name="Title 1">
+            <a:extLst>
+              <a:ext uri="{FF2B5EF4-FFF2-40B4-BE49-F238E27FC236}">
+                <a16:creationId xmlns:a16="http://schemas.microsoft.com/office/drawing/2014/main" id="{ACDFD7FC-0818-9FEF-26C9-B529FD88B4DC}"/>
+              </a:ext>
+            </a:extLst>
+          </p:cNvPr>
+          <p:cNvSpPr>
+            <a:spLocks noGrp="1"/>
+          </p:cNvSpPr>
+          <p:nvPr>
+            <p:ph type="title"/>
+          </p:nvPr>
+        </p:nvSpPr>
+        <p:spPr/>
+        <p:txBody>
+          <a:bodyPr/>
+          <a:lstStyle/>
+          <a:p>
+            <a:r>
+              <a:rPr lang="en-GB" dirty="0"/>
               <a:t>Undo changes with git reset</a:t>
             </a:r>
             <a:endParaRPr lang="nl-NL" dirty="0"/>
@@ -19476,7 +20106,7 @@
 </p:sld>
 </file>
 
-<file path=ppt/slides/slide15.xml><?xml version="1.0" encoding="utf-8"?>
+<file path=ppt/slides/slide16.xml><?xml version="1.0" encoding="utf-8"?>
 <p:sld xmlns:a="http://schemas.openxmlformats.org/drawingml/2006/main" xmlns:r="http://schemas.openxmlformats.org/officeDocument/2006/relationships" xmlns:p="http://schemas.openxmlformats.org/presentationml/2006/main">
   <p:cSld>
     <p:spTree>
@@ -19647,7 +20277,7 @@
 </p:sld>
 </file>
 
-<file path=ppt/slides/slide16.xml><?xml version="1.0" encoding="utf-8"?>
+<file path=ppt/slides/slide17.xml><?xml version="1.0" encoding="utf-8"?>
 <p:sld xmlns:a="http://schemas.openxmlformats.org/drawingml/2006/main" xmlns:r="http://schemas.openxmlformats.org/officeDocument/2006/relationships" xmlns:p="http://schemas.openxmlformats.org/presentationml/2006/main">
   <p:cSld>
     <p:spTree>
@@ -19767,7 +20397,7 @@
 </p:sld>
 </file>
 
-<file path=ppt/slides/slide17.xml><?xml version="1.0" encoding="utf-8"?>
+<file path=ppt/slides/slide18.xml><?xml version="1.0" encoding="utf-8"?>
 <p:sld xmlns:a="http://schemas.openxmlformats.org/drawingml/2006/main" xmlns:r="http://schemas.openxmlformats.org/officeDocument/2006/relationships" xmlns:p="http://schemas.openxmlformats.org/presentationml/2006/main">
   <p:cSld>
     <p:spTree>
@@ -19895,7 +20525,7 @@
 </p:sld>
 </file>
 
-<file path=ppt/slides/slide18.xml><?xml version="1.0" encoding="utf-8"?>
+<file path=ppt/slides/slide19.xml><?xml version="1.0" encoding="utf-8"?>
 <p:sld xmlns:a="http://schemas.openxmlformats.org/drawingml/2006/main" xmlns:r="http://schemas.openxmlformats.org/officeDocument/2006/relationships" xmlns:p="http://schemas.openxmlformats.org/presentationml/2006/main">
   <p:cSld>
     <p:spTree>
@@ -20036,7 +20666,175 @@
 </p:sld>
 </file>
 
-<file path=ppt/slides/slide19.xml><?xml version="1.0" encoding="utf-8"?>
+<file path=ppt/slides/slide2.xml><?xml version="1.0" encoding="utf-8"?>
+<p:sld xmlns:a="http://schemas.openxmlformats.org/drawingml/2006/main" xmlns:r="http://schemas.openxmlformats.org/officeDocument/2006/relationships" xmlns:p="http://schemas.openxmlformats.org/presentationml/2006/main">
+  <p:cSld>
+    <p:spTree>
+      <p:nvGrpSpPr>
+        <p:cNvPr id="1" name=""/>
+        <p:cNvGrpSpPr/>
+        <p:nvPr/>
+      </p:nvGrpSpPr>
+      <p:grpSpPr>
+        <a:xfrm>
+          <a:off x="0" y="0"/>
+          <a:ext cx="0" cy="0"/>
+          <a:chOff x="0" y="0"/>
+          <a:chExt cx="0" cy="0"/>
+        </a:xfrm>
+      </p:grpSpPr>
+      <p:sp>
+        <p:nvSpPr>
+          <p:cNvPr id="2" name="Title 1">
+            <a:extLst>
+              <a:ext uri="{FF2B5EF4-FFF2-40B4-BE49-F238E27FC236}">
+                <a16:creationId xmlns:a16="http://schemas.microsoft.com/office/drawing/2014/main" id="{ACDFD7FC-0818-9FEF-26C9-B529FD88B4DC}"/>
+              </a:ext>
+            </a:extLst>
+          </p:cNvPr>
+          <p:cNvSpPr>
+            <a:spLocks noGrp="1"/>
+          </p:cNvSpPr>
+          <p:nvPr>
+            <p:ph type="title"/>
+          </p:nvPr>
+        </p:nvSpPr>
+        <p:spPr/>
+        <p:txBody>
+          <a:bodyPr/>
+          <a:lstStyle/>
+          <a:p>
+            <a:r>
+              <a:rPr lang="en-GB" dirty="0"/>
+              <a:t>Some background information…</a:t>
+            </a:r>
+            <a:endParaRPr lang="nl-NL" dirty="0"/>
+          </a:p>
+        </p:txBody>
+      </p:sp>
+      <p:sp>
+        <p:nvSpPr>
+          <p:cNvPr id="3" name="Content Placeholder 2">
+            <a:extLst>
+              <a:ext uri="{FF2B5EF4-FFF2-40B4-BE49-F238E27FC236}">
+                <a16:creationId xmlns:a16="http://schemas.microsoft.com/office/drawing/2014/main" id="{9496E99D-61C3-5C16-A327-5CE1AA72F4B4}"/>
+              </a:ext>
+            </a:extLst>
+          </p:cNvPr>
+          <p:cNvSpPr>
+            <a:spLocks noGrp="1"/>
+          </p:cNvSpPr>
+          <p:nvPr>
+            <p:ph idx="1"/>
+          </p:nvPr>
+        </p:nvSpPr>
+        <p:spPr/>
+        <p:txBody>
+          <a:bodyPr/>
+          <a:lstStyle/>
+          <a:p>
+            <a:r>
+              <a:rPr lang="en-GB" dirty="0"/>
+              <a:t>Started in 2005 by Linus Torvalds</a:t>
+            </a:r>
+          </a:p>
+          <a:p>
+            <a:r>
+              <a:rPr lang="en-GB" dirty="0"/>
+              <a:t>“A tool for programmers by programmers”</a:t>
+            </a:r>
+          </a:p>
+          <a:p>
+            <a:r>
+              <a:rPr lang="en-GB" dirty="0"/>
+              <a:t>Very popular – lots of projects using it (</a:t>
+            </a:r>
+            <a:r>
+              <a:rPr lang="en-GB" dirty="0">
+                <a:hlinkClick r:id="rId3"/>
+              </a:rPr>
+              <a:t>.NET</a:t>
+            </a:r>
+            <a:r>
+              <a:rPr lang="en-GB" dirty="0"/>
+              <a:t>, </a:t>
+            </a:r>
+            <a:r>
+              <a:rPr lang="en-GB" dirty="0">
+                <a:hlinkClick r:id="rId4"/>
+              </a:rPr>
+              <a:t>Facebook/React</a:t>
+            </a:r>
+            <a:r>
+              <a:rPr lang="en-GB" dirty="0"/>
+              <a:t>, </a:t>
+            </a:r>
+            <a:r>
+              <a:rPr lang="en-GB" dirty="0">
+                <a:hlinkClick r:id="rId5"/>
+              </a:rPr>
+              <a:t>Bootstrap</a:t>
+            </a:r>
+            <a:r>
+              <a:rPr lang="en-GB" dirty="0"/>
+              <a:t> to name a few)</a:t>
+            </a:r>
+          </a:p>
+          <a:p>
+            <a:r>
+              <a:rPr lang="en-GB" dirty="0"/>
+              <a:t>Large ecosystem surrounding Git (</a:t>
+            </a:r>
+            <a:r>
+              <a:rPr lang="en-GB" dirty="0" err="1"/>
+              <a:t>Github</a:t>
+            </a:r>
+            <a:r>
+              <a:rPr lang="en-GB" dirty="0"/>
+              <a:t>, Azure DevOps, </a:t>
+            </a:r>
+            <a:r>
+              <a:rPr lang="en-GB" dirty="0" err="1"/>
+              <a:t>Atlassion</a:t>
+            </a:r>
+            <a:r>
+              <a:rPr lang="en-GB" dirty="0"/>
+              <a:t> tooling, etc.)</a:t>
+            </a:r>
+          </a:p>
+          <a:p>
+            <a:r>
+              <a:rPr lang="en-GB" dirty="0"/>
+              <a:t>‘</a:t>
+            </a:r>
+            <a:r>
+              <a:rPr lang="en-GB" dirty="0">
+                <a:hlinkClick r:id="rId6"/>
+              </a:rPr>
+              <a:t>Git</a:t>
+            </a:r>
+            <a:r>
+              <a:rPr lang="en-GB" dirty="0"/>
+              <a:t>’ is the name, not an acronym.</a:t>
+            </a:r>
+            <a:endParaRPr lang="nl-NL" dirty="0"/>
+          </a:p>
+        </p:txBody>
+      </p:sp>
+    </p:spTree>
+    <p:extLst>
+      <p:ext uri="{BB962C8B-B14F-4D97-AF65-F5344CB8AC3E}">
+        <p14:creationId xmlns:p14="http://schemas.microsoft.com/office/powerpoint/2010/main" val="2040603583"/>
+      </p:ext>
+    </p:extLst>
+  </p:cSld>
+  <p:clrMapOvr>
+    <a:masterClrMapping/>
+  </p:clrMapOvr>
+</p:sld>
+</file>
+
+<file path=ppt/slides/slide20.xml><?xml version="1.0" encoding="utf-8"?>
 <p:sld xmlns:a="http://schemas.openxmlformats.org/drawingml/2006/main" xmlns:r="http://schemas.openxmlformats.org/officeDocument/2006/relationships" xmlns:p="http://schemas.openxmlformats.org/presentationml/2006/main">
   <p:cSld>
     <p:spTree>
@@ -20240,7 +21038,7 @@
 </p:sld>
 </file>
 
-<file path=ppt/slides/slide2.xml><?xml version="1.0" encoding="utf-8"?>
+<file path=ppt/slides/slide21.xml><?xml version="1.0" encoding="utf-8"?>
 <p:sld xmlns:a="http://schemas.openxmlformats.org/drawingml/2006/main" xmlns:r="http://schemas.openxmlformats.org/officeDocument/2006/relationships" xmlns:p="http://schemas.openxmlformats.org/presentationml/2006/main">
   <p:cSld>
     <p:spTree>
@@ -20280,174 +21078,6 @@
           <a:p>
             <a:r>
               <a:rPr lang="en-GB" dirty="0"/>
-              <a:t>Some background information…</a:t>
-            </a:r>
-            <a:endParaRPr lang="nl-NL" dirty="0"/>
-          </a:p>
-        </p:txBody>
-      </p:sp>
-      <p:sp>
-        <p:nvSpPr>
-          <p:cNvPr id="3" name="Content Placeholder 2">
-            <a:extLst>
-              <a:ext uri="{FF2B5EF4-FFF2-40B4-BE49-F238E27FC236}">
-                <a16:creationId xmlns:a16="http://schemas.microsoft.com/office/drawing/2014/main" id="{9496E99D-61C3-5C16-A327-5CE1AA72F4B4}"/>
-              </a:ext>
-            </a:extLst>
-          </p:cNvPr>
-          <p:cNvSpPr>
-            <a:spLocks noGrp="1"/>
-          </p:cNvSpPr>
-          <p:nvPr>
-            <p:ph idx="1"/>
-          </p:nvPr>
-        </p:nvSpPr>
-        <p:spPr/>
-        <p:txBody>
-          <a:bodyPr/>
-          <a:lstStyle/>
-          <a:p>
-            <a:r>
-              <a:rPr lang="en-GB" dirty="0"/>
-              <a:t>Started in 2005 by Linus Torvalds</a:t>
-            </a:r>
-          </a:p>
-          <a:p>
-            <a:r>
-              <a:rPr lang="en-GB" dirty="0"/>
-              <a:t>“A tool for programmers by programmers”</a:t>
-            </a:r>
-          </a:p>
-          <a:p>
-            <a:r>
-              <a:rPr lang="en-GB" dirty="0"/>
-              <a:t>Very popular – lots of projects using it (</a:t>
-            </a:r>
-            <a:r>
-              <a:rPr lang="en-GB" dirty="0">
-                <a:hlinkClick r:id="rId3"/>
-              </a:rPr>
-              <a:t>.NET</a:t>
-            </a:r>
-            <a:r>
-              <a:rPr lang="en-GB" dirty="0"/>
-              <a:t>, </a:t>
-            </a:r>
-            <a:r>
-              <a:rPr lang="en-GB" dirty="0">
-                <a:hlinkClick r:id="rId4"/>
-              </a:rPr>
-              <a:t>Facebook/React</a:t>
-            </a:r>
-            <a:r>
-              <a:rPr lang="en-GB" dirty="0"/>
-              <a:t>, </a:t>
-            </a:r>
-            <a:r>
-              <a:rPr lang="en-GB" dirty="0">
-                <a:hlinkClick r:id="rId5"/>
-              </a:rPr>
-              <a:t>Bootstrap</a:t>
-            </a:r>
-            <a:r>
-              <a:rPr lang="en-GB" dirty="0"/>
-              <a:t> to name a few)</a:t>
-            </a:r>
-          </a:p>
-          <a:p>
-            <a:r>
-              <a:rPr lang="en-GB" dirty="0"/>
-              <a:t>Large ecosystem surrounding Git (</a:t>
-            </a:r>
-            <a:r>
-              <a:rPr lang="en-GB" dirty="0" err="1"/>
-              <a:t>Github</a:t>
-            </a:r>
-            <a:r>
-              <a:rPr lang="en-GB" dirty="0"/>
-              <a:t>, Azure DevOps, </a:t>
-            </a:r>
-            <a:r>
-              <a:rPr lang="en-GB" dirty="0" err="1"/>
-              <a:t>Atlassion</a:t>
-            </a:r>
-            <a:r>
-              <a:rPr lang="en-GB" dirty="0"/>
-              <a:t> tooling, etc.)</a:t>
-            </a:r>
-          </a:p>
-          <a:p>
-            <a:r>
-              <a:rPr lang="en-GB" dirty="0"/>
-              <a:t>‘</a:t>
-            </a:r>
-            <a:r>
-              <a:rPr lang="en-GB" dirty="0">
-                <a:hlinkClick r:id="rId6"/>
-              </a:rPr>
-              <a:t>Git</a:t>
-            </a:r>
-            <a:r>
-              <a:rPr lang="en-GB" dirty="0"/>
-              <a:t>’ is the name, not an acronym.</a:t>
-            </a:r>
-            <a:endParaRPr lang="nl-NL" dirty="0"/>
-          </a:p>
-        </p:txBody>
-      </p:sp>
-    </p:spTree>
-    <p:extLst>
-      <p:ext uri="{BB962C8B-B14F-4D97-AF65-F5344CB8AC3E}">
-        <p14:creationId xmlns:p14="http://schemas.microsoft.com/office/powerpoint/2010/main" val="2040603583"/>
-      </p:ext>
-    </p:extLst>
-  </p:cSld>
-  <p:clrMapOvr>
-    <a:masterClrMapping/>
-  </p:clrMapOvr>
-</p:sld>
-</file>
-
-<file path=ppt/slides/slide20.xml><?xml version="1.0" encoding="utf-8"?>
-<p:sld xmlns:a="http://schemas.openxmlformats.org/drawingml/2006/main" xmlns:r="http://schemas.openxmlformats.org/officeDocument/2006/relationships" xmlns:p="http://schemas.openxmlformats.org/presentationml/2006/main">
-  <p:cSld>
-    <p:spTree>
-      <p:nvGrpSpPr>
-        <p:cNvPr id="1" name=""/>
-        <p:cNvGrpSpPr/>
-        <p:nvPr/>
-      </p:nvGrpSpPr>
-      <p:grpSpPr>
-        <a:xfrm>
-          <a:off x="0" y="0"/>
-          <a:ext cx="0" cy="0"/>
-          <a:chOff x="0" y="0"/>
-          <a:chExt cx="0" cy="0"/>
-        </a:xfrm>
-      </p:grpSpPr>
-      <p:sp>
-        <p:nvSpPr>
-          <p:cNvPr id="2" name="Title 1">
-            <a:extLst>
-              <a:ext uri="{FF2B5EF4-FFF2-40B4-BE49-F238E27FC236}">
-                <a16:creationId xmlns:a16="http://schemas.microsoft.com/office/drawing/2014/main" id="{ACDFD7FC-0818-9FEF-26C9-B529FD88B4DC}"/>
-              </a:ext>
-            </a:extLst>
-          </p:cNvPr>
-          <p:cNvSpPr>
-            <a:spLocks noGrp="1"/>
-          </p:cNvSpPr>
-          <p:nvPr>
-            <p:ph type="title"/>
-          </p:nvPr>
-        </p:nvSpPr>
-        <p:spPr/>
-        <p:txBody>
-          <a:bodyPr/>
-          <a:lstStyle/>
-          <a:p>
-            <a:r>
-              <a:rPr lang="en-GB" dirty="0"/>
               <a:t>Interactive rebasing – become worlds best programmer</a:t>
             </a:r>
             <a:endParaRPr lang="nl-NL" dirty="0"/>
@@ -20603,7 +21233,7 @@
 </p:sld>
 </file>
 
-<file path=ppt/slides/slide21.xml><?xml version="1.0" encoding="utf-8"?>
+<file path=ppt/slides/slide22.xml><?xml version="1.0" encoding="utf-8"?>
 <p:sld xmlns:a="http://schemas.openxmlformats.org/drawingml/2006/main" xmlns:r="http://schemas.openxmlformats.org/officeDocument/2006/relationships" xmlns:p="http://schemas.openxmlformats.org/presentationml/2006/main">
   <p:cSld>
     <p:spTree>
@@ -20749,167 +21379,6 @@
 </p:sld>
 </file>
 
-<file path=ppt/slides/slide22.xml><?xml version="1.0" encoding="utf-8"?>
-<p:sld xmlns:a="http://schemas.openxmlformats.org/drawingml/2006/main" xmlns:r="http://schemas.openxmlformats.org/officeDocument/2006/relationships" xmlns:p="http://schemas.openxmlformats.org/presentationml/2006/main">
-  <p:cSld>
-    <p:spTree>
-      <p:nvGrpSpPr>
-        <p:cNvPr id="1" name=""/>
-        <p:cNvGrpSpPr/>
-        <p:nvPr/>
-      </p:nvGrpSpPr>
-      <p:grpSpPr>
-        <a:xfrm>
-          <a:off x="0" y="0"/>
-          <a:ext cx="0" cy="0"/>
-          <a:chOff x="0" y="0"/>
-          <a:chExt cx="0" cy="0"/>
-        </a:xfrm>
-      </p:grpSpPr>
-      <p:sp>
-        <p:nvSpPr>
-          <p:cNvPr id="2" name="Title 1">
-            <a:extLst>
-              <a:ext uri="{FF2B5EF4-FFF2-40B4-BE49-F238E27FC236}">
-                <a16:creationId xmlns:a16="http://schemas.microsoft.com/office/drawing/2014/main" id="{ACDFD7FC-0818-9FEF-26C9-B529FD88B4DC}"/>
-              </a:ext>
-            </a:extLst>
-          </p:cNvPr>
-          <p:cNvSpPr>
-            <a:spLocks noGrp="1"/>
-          </p:cNvSpPr>
-          <p:nvPr>
-            <p:ph type="title"/>
-          </p:nvPr>
-        </p:nvSpPr>
-        <p:spPr/>
-        <p:txBody>
-          <a:bodyPr/>
-          <a:lstStyle/>
-          <a:p>
-            <a:r>
-              <a:rPr lang="en-GB" dirty="0"/>
-              <a:t>Lessons learned for me</a:t>
-            </a:r>
-            <a:endParaRPr lang="nl-NL" dirty="0"/>
-          </a:p>
-        </p:txBody>
-      </p:sp>
-      <p:sp>
-        <p:nvSpPr>
-          <p:cNvPr id="3" name="Content Placeholder 2">
-            <a:extLst>
-              <a:ext uri="{FF2B5EF4-FFF2-40B4-BE49-F238E27FC236}">
-                <a16:creationId xmlns:a16="http://schemas.microsoft.com/office/drawing/2014/main" id="{9496E99D-61C3-5C16-A327-5CE1AA72F4B4}"/>
-              </a:ext>
-            </a:extLst>
-          </p:cNvPr>
-          <p:cNvSpPr>
-            <a:spLocks noGrp="1"/>
-          </p:cNvSpPr>
-          <p:nvPr>
-            <p:ph idx="1"/>
-          </p:nvPr>
-        </p:nvSpPr>
-        <p:spPr/>
-        <p:txBody>
-          <a:bodyPr/>
-          <a:lstStyle/>
-          <a:p>
-            <a:r>
-              <a:rPr lang="en-GB" dirty="0"/>
-              <a:t>Take the time to learn your tools</a:t>
-            </a:r>
-          </a:p>
-          <a:p>
-            <a:r>
-              <a:rPr lang="en-GB" dirty="0"/>
-              <a:t>Prefer small, logical commits</a:t>
-            </a:r>
-          </a:p>
-          <a:p>
-            <a:r>
-              <a:rPr lang="en-GB" dirty="0"/>
-              <a:t>Write clear commit messages. Explain the </a:t>
-            </a:r>
-            <a:r>
-              <a:rPr lang="en-GB" b="1" dirty="0"/>
-              <a:t>why</a:t>
-            </a:r>
-            <a:r>
-              <a:rPr lang="en-GB" dirty="0"/>
-              <a:t>, not the </a:t>
-            </a:r>
-            <a:r>
-              <a:rPr lang="en-GB" b="1" dirty="0"/>
-              <a:t>how</a:t>
-            </a:r>
-            <a:r>
-              <a:rPr lang="en-GB" dirty="0"/>
-              <a:t>.</a:t>
-            </a:r>
-          </a:p>
-          <a:p>
-            <a:r>
-              <a:rPr lang="en-GB" dirty="0"/>
-              <a:t>Don’t be afraid to create branches</a:t>
-            </a:r>
-          </a:p>
-          <a:p>
-            <a:r>
-              <a:rPr lang="en-GB" dirty="0"/>
-              <a:t>Pick a workflow with your team</a:t>
-            </a:r>
-          </a:p>
-          <a:p>
-            <a:r>
-              <a:rPr lang="en-GB" b="1" dirty="0"/>
-              <a:t>K</a:t>
-            </a:r>
-            <a:r>
-              <a:rPr lang="en-GB" dirty="0"/>
-              <a:t>eep </a:t>
-            </a:r>
-            <a:r>
-              <a:rPr lang="en-GB" b="1" dirty="0"/>
-              <a:t>I</a:t>
-            </a:r>
-            <a:r>
-              <a:rPr lang="en-GB" dirty="0"/>
-              <a:t>t </a:t>
-            </a:r>
-            <a:r>
-              <a:rPr lang="en-GB" b="1" dirty="0"/>
-              <a:t>S</a:t>
-            </a:r>
-            <a:r>
-              <a:rPr lang="en-GB" dirty="0"/>
-              <a:t>imple </a:t>
-            </a:r>
-            <a:r>
-              <a:rPr lang="en-GB" b="1" dirty="0"/>
-              <a:t>S</a:t>
-            </a:r>
-            <a:r>
-              <a:rPr lang="en-GB" dirty="0"/>
-              <a:t>tupid</a:t>
-            </a:r>
-          </a:p>
-        </p:txBody>
-      </p:sp>
-    </p:spTree>
-    <p:extLst>
-      <p:ext uri="{BB962C8B-B14F-4D97-AF65-F5344CB8AC3E}">
-        <p14:creationId xmlns:p14="http://schemas.microsoft.com/office/powerpoint/2010/main" val="3356569970"/>
-      </p:ext>
-    </p:extLst>
-  </p:cSld>
-  <p:clrMapOvr>
-    <a:masterClrMapping/>
-  </p:clrMapOvr>
-</p:sld>
-</file>
-
 <file path=ppt/slides/slide23.xml><?xml version="1.0" encoding="utf-8"?>
 <p:sld xmlns:a="http://schemas.openxmlformats.org/drawingml/2006/main" xmlns:r="http://schemas.openxmlformats.org/officeDocument/2006/relationships" xmlns:p="http://schemas.openxmlformats.org/presentationml/2006/main">
   <p:cSld>
@@ -20950,7 +21419,7 @@
           <a:p>
             <a:r>
               <a:rPr lang="en-GB" dirty="0"/>
-              <a:t>Useful tools / clients</a:t>
+              <a:t>Lessons learned for me</a:t>
             </a:r>
             <a:endParaRPr lang="nl-NL" dirty="0"/>
           </a:p>
@@ -20978,62 +21447,281 @@
           <a:lstStyle/>
           <a:p>
             <a:r>
+              <a:rPr lang="en-GB" dirty="0"/>
+              <a:t>Take the time to learn your tools</a:t>
+            </a:r>
+          </a:p>
+          <a:p>
+            <a:r>
+              <a:rPr lang="en-GB" dirty="0"/>
+              <a:t>Prefer small, logical commits</a:t>
+            </a:r>
+          </a:p>
+          <a:p>
+            <a:r>
+              <a:rPr lang="en-GB" dirty="0"/>
+              <a:t>Write clear commit messages. Explain the </a:t>
+            </a:r>
+            <a:r>
+              <a:rPr lang="en-GB" b="1" dirty="0"/>
+              <a:t>why</a:t>
+            </a:r>
+            <a:r>
+              <a:rPr lang="en-GB" dirty="0"/>
+              <a:t>, not the </a:t>
+            </a:r>
+            <a:r>
+              <a:rPr lang="en-GB" b="1" dirty="0"/>
+              <a:t>how</a:t>
+            </a:r>
+            <a:r>
+              <a:rPr lang="en-GB" dirty="0"/>
+              <a:t>.</a:t>
+            </a:r>
+          </a:p>
+          <a:p>
+            <a:r>
+              <a:rPr lang="en-GB" dirty="0"/>
+              <a:t>Don’t be afraid to create branches</a:t>
+            </a:r>
+          </a:p>
+          <a:p>
+            <a:r>
+              <a:rPr lang="en-GB" dirty="0"/>
+              <a:t>Pick a workflow with your team</a:t>
+            </a:r>
+          </a:p>
+          <a:p>
+            <a:r>
+              <a:rPr lang="en-GB" b="1" dirty="0"/>
+              <a:t>K</a:t>
+            </a:r>
+            <a:r>
+              <a:rPr lang="en-GB" dirty="0"/>
+              <a:t>eep </a:t>
+            </a:r>
+            <a:r>
+              <a:rPr lang="en-GB" b="1" dirty="0"/>
+              <a:t>I</a:t>
+            </a:r>
+            <a:r>
+              <a:rPr lang="en-GB" dirty="0"/>
+              <a:t>t </a:t>
+            </a:r>
+            <a:r>
+              <a:rPr lang="en-GB" b="1" dirty="0"/>
+              <a:t>S</a:t>
+            </a:r>
+            <a:r>
+              <a:rPr lang="en-GB" dirty="0"/>
+              <a:t>imple </a:t>
+            </a:r>
+            <a:r>
+              <a:rPr lang="en-GB" b="1" dirty="0"/>
+              <a:t>S</a:t>
+            </a:r>
+            <a:r>
+              <a:rPr lang="en-GB" dirty="0"/>
+              <a:t>tupid</a:t>
+            </a:r>
+          </a:p>
+        </p:txBody>
+      </p:sp>
+    </p:spTree>
+    <p:extLst>
+      <p:ext uri="{BB962C8B-B14F-4D97-AF65-F5344CB8AC3E}">
+        <p14:creationId xmlns:p14="http://schemas.microsoft.com/office/powerpoint/2010/main" val="3356569970"/>
+      </p:ext>
+    </p:extLst>
+  </p:cSld>
+  <p:clrMapOvr>
+    <a:masterClrMapping/>
+  </p:clrMapOvr>
+</p:sld>
+</file>
+
+<file path=ppt/slides/slide24.xml><?xml version="1.0" encoding="utf-8"?>
+<p:sld xmlns:a="http://schemas.openxmlformats.org/drawingml/2006/main" xmlns:r="http://schemas.openxmlformats.org/officeDocument/2006/relationships" xmlns:p="http://schemas.openxmlformats.org/presentationml/2006/main">
+  <p:cSld>
+    <p:spTree>
+      <p:nvGrpSpPr>
+        <p:cNvPr id="1" name=""/>
+        <p:cNvGrpSpPr/>
+        <p:nvPr/>
+      </p:nvGrpSpPr>
+      <p:grpSpPr>
+        <a:xfrm>
+          <a:off x="0" y="0"/>
+          <a:ext cx="0" cy="0"/>
+          <a:chOff x="0" y="0"/>
+          <a:chExt cx="0" cy="0"/>
+        </a:xfrm>
+      </p:grpSpPr>
+      <p:sp>
+        <p:nvSpPr>
+          <p:cNvPr id="2" name="Title 1">
+            <a:extLst>
+              <a:ext uri="{FF2B5EF4-FFF2-40B4-BE49-F238E27FC236}">
+                <a16:creationId xmlns:a16="http://schemas.microsoft.com/office/drawing/2014/main" id="{ACDFD7FC-0818-9FEF-26C9-B529FD88B4DC}"/>
+              </a:ext>
+            </a:extLst>
+          </p:cNvPr>
+          <p:cNvSpPr>
+            <a:spLocks noGrp="1"/>
+          </p:cNvSpPr>
+          <p:nvPr>
+            <p:ph type="title"/>
+          </p:nvPr>
+        </p:nvSpPr>
+        <p:spPr/>
+        <p:txBody>
+          <a:bodyPr/>
+          <a:lstStyle/>
+          <a:p>
+            <a:r>
+              <a:rPr lang="en-GB" dirty="0"/>
+              <a:t>Useful tools / clients</a:t>
+            </a:r>
+            <a:endParaRPr lang="nl-NL" dirty="0"/>
+          </a:p>
+        </p:txBody>
+      </p:sp>
+      <p:sp>
+        <p:nvSpPr>
+          <p:cNvPr id="3" name="Content Placeholder 2">
+            <a:extLst>
+              <a:ext uri="{FF2B5EF4-FFF2-40B4-BE49-F238E27FC236}">
+                <a16:creationId xmlns:a16="http://schemas.microsoft.com/office/drawing/2014/main" id="{9496E99D-61C3-5C16-A327-5CE1AA72F4B4}"/>
+              </a:ext>
+            </a:extLst>
+          </p:cNvPr>
+          <p:cNvSpPr>
+            <a:spLocks noGrp="1"/>
+          </p:cNvSpPr>
+          <p:nvPr>
+            <p:ph idx="1"/>
+          </p:nvPr>
+        </p:nvSpPr>
+        <p:spPr/>
+        <p:txBody>
+          <a:bodyPr/>
+          <a:lstStyle/>
+          <a:p>
+            <a:r>
+              <a:rPr lang="en-GB" dirty="0"/>
+              <a:t>Git clients</a:t>
+            </a:r>
+            <a:endParaRPr lang="en-GB" dirty="0">
+              <a:hlinkClick r:id="rId3"/>
+            </a:endParaRPr>
+          </a:p>
+          <a:p>
+            <a:pPr lvl="1"/>
+            <a:r>
               <a:rPr lang="en-GB" dirty="0">
                 <a:hlinkClick r:id="rId3"/>
               </a:rPr>
               <a:t>Fork</a:t>
             </a:r>
-            <a:endParaRPr lang="en-GB" dirty="0"/>
-          </a:p>
-          <a:p>
+            <a:r>
+              <a:rPr lang="en-GB" dirty="0"/>
+              <a:t> / </a:t>
+            </a:r>
             <a:r>
               <a:rPr lang="en-GB" dirty="0" err="1">
                 <a:hlinkClick r:id="rId4"/>
               </a:rPr>
               <a:t>TortoiseGit</a:t>
             </a:r>
-            <a:endParaRPr lang="en-GB" dirty="0"/>
-          </a:p>
-          <a:p>
+            <a:r>
+              <a:rPr lang="en-GB" dirty="0"/>
+              <a:t> / </a:t>
+            </a:r>
             <a:r>
               <a:rPr lang="en-GB" dirty="0" err="1">
                 <a:hlinkClick r:id="rId5"/>
               </a:rPr>
               <a:t>SmartGit</a:t>
             </a:r>
-            <a:endParaRPr lang="en-GB" dirty="0"/>
-          </a:p>
-          <a:p>
+            <a:r>
+              <a:rPr lang="en-GB" dirty="0"/>
+              <a:t> / </a:t>
+            </a:r>
             <a:r>
               <a:rPr lang="en-GB" dirty="0">
                 <a:hlinkClick r:id="rId6"/>
               </a:rPr>
               <a:t>Git Tower</a:t>
             </a:r>
-            <a:endParaRPr lang="en-GB" dirty="0"/>
-          </a:p>
-          <a:p>
+            <a:r>
+              <a:rPr lang="en-GB" dirty="0"/>
+              <a:t> / </a:t>
+            </a:r>
             <a:r>
               <a:rPr lang="en-GB" dirty="0" err="1">
                 <a:hlinkClick r:id="rId7"/>
               </a:rPr>
               <a:t>Sourcetree</a:t>
             </a:r>
-            <a:endParaRPr lang="en-GB" dirty="0"/>
-          </a:p>
-          <a:p>
+            <a:r>
+              <a:rPr lang="en-GB" dirty="0"/>
+              <a:t> / </a:t>
+            </a:r>
+            <a:r>
+              <a:rPr lang="en-GB" dirty="0" err="1">
+                <a:hlinkClick r:id="rId8"/>
+              </a:rPr>
+              <a:t>Github</a:t>
+            </a:r>
             <a:r>
               <a:rPr lang="en-GB" dirty="0">
                 <a:hlinkClick r:id="rId8"/>
               </a:rPr>
+              <a:t> Desktop</a:t>
+            </a:r>
+            <a:r>
+              <a:rPr lang="en-GB" dirty="0"/>
+              <a:t> / </a:t>
+            </a:r>
+            <a:r>
+              <a:rPr lang="en-GB" dirty="0" err="1">
+                <a:hlinkClick r:id="rId9"/>
+              </a:rPr>
+              <a:t>GitKraken</a:t>
+            </a:r>
+            <a:endParaRPr lang="en-GB" dirty="0"/>
+          </a:p>
+          <a:p>
+            <a:r>
+              <a:rPr lang="en-GB" dirty="0" err="1"/>
+              <a:t>Commandline</a:t>
+            </a:r>
+            <a:r>
+              <a:rPr lang="en-GB" dirty="0"/>
+              <a:t> extension</a:t>
+            </a:r>
+          </a:p>
+          <a:p>
+            <a:pPr lvl="1"/>
+            <a:r>
+              <a:rPr lang="en-GB" dirty="0">
+                <a:hlinkClick r:id="rId10"/>
+              </a:rPr>
               <a:t>Posh Git</a:t>
             </a:r>
             <a:endParaRPr lang="en-GB" dirty="0"/>
           </a:p>
           <a:p>
             <a:r>
+              <a:rPr lang="en-GB" dirty="0"/>
+              <a:t>Tools</a:t>
+            </a:r>
+          </a:p>
+          <a:p>
+            <a:pPr lvl="1"/>
+            <a:r>
               <a:rPr lang="en-GB" dirty="0">
-                <a:hlinkClick r:id="rId9"/>
+                <a:hlinkClick r:id="rId11"/>
               </a:rPr>
               <a:t>BFG Repo-Cleaner</a:t>
             </a:r>

--- a/Git training beginners.pptx
+++ b/Git training beginners.pptx
@@ -7197,6 +7197,144 @@
         <p:txBody>
           <a:bodyPr/>
           <a:lstStyle/>
+          <a:p>
+            <a:pPr marL="0" lvl="0" indent="0" algn="l" rtl="0">
+              <a:spcBef>
+                <a:spcPts val="0"/>
+              </a:spcBef>
+              <a:spcAft>
+                <a:spcPts val="0"/>
+              </a:spcAft>
+              <a:buNone/>
+            </a:pPr>
+            <a:r>
+              <a:rPr lang="en-US" dirty="0"/>
+              <a:t>EXERCISE</a:t>
+            </a:r>
+          </a:p>
+          <a:p>
+            <a:pPr marL="0" lvl="0" indent="0" algn="l" rtl="0">
+              <a:spcBef>
+                <a:spcPts val="0"/>
+              </a:spcBef>
+              <a:spcAft>
+                <a:spcPts val="0"/>
+              </a:spcAft>
+              <a:buNone/>
+            </a:pPr>
+            <a:endParaRPr lang="en-US" dirty="0"/>
+          </a:p>
+          <a:p>
+            <a:pPr marL="0" lvl="0" indent="0" algn="l" rtl="0">
+              <a:spcBef>
+                <a:spcPts val="0"/>
+              </a:spcBef>
+              <a:spcAft>
+                <a:spcPts val="0"/>
+              </a:spcAft>
+              <a:buNone/>
+            </a:pPr>
+            <a:r>
+              <a:rPr lang="en-US" dirty="0"/>
+              <a:t>- Clone one of my repositories (https://github.com/WilbertOnGithub/GitTraining)</a:t>
+            </a:r>
+          </a:p>
+          <a:p>
+            <a:pPr marL="0" lvl="0" indent="0" algn="l" rtl="0">
+              <a:spcBef>
+                <a:spcPts val="0"/>
+              </a:spcBef>
+              <a:spcAft>
+                <a:spcPts val="0"/>
+              </a:spcAft>
+              <a:buNone/>
+            </a:pPr>
+            <a:r>
+              <a:rPr lang="en-US" dirty="0"/>
+              <a:t>- Use git remote to show that a remote called origin has been created</a:t>
+            </a:r>
+          </a:p>
+          <a:p>
+            <a:pPr marL="0" lvl="0" indent="0" algn="l" rtl="0">
+              <a:spcBef>
+                <a:spcPts val="0"/>
+              </a:spcBef>
+              <a:spcAft>
+                <a:spcPts val="0"/>
+              </a:spcAft>
+              <a:buNone/>
+            </a:pPr>
+            <a:r>
+              <a:rPr lang="en-US" dirty="0"/>
+              <a:t>- Use git remote –v to show the details</a:t>
+            </a:r>
+          </a:p>
+          <a:p>
+            <a:pPr marL="0" lvl="0" indent="0" algn="l" rtl="0">
+              <a:spcBef>
+                <a:spcPts val="0"/>
+              </a:spcBef>
+              <a:spcAft>
+                <a:spcPts val="0"/>
+              </a:spcAft>
+              <a:buNone/>
+            </a:pPr>
+            <a:r>
+              <a:rPr lang="en-US" dirty="0"/>
+              <a:t>- Use </a:t>
+            </a:r>
+            <a:r>
+              <a:rPr lang="en-US" dirty="0" err="1"/>
+              <a:t>gitk</a:t>
+            </a:r>
+            <a:r>
+              <a:rPr lang="en-US" dirty="0"/>
+              <a:t> to show that we have a branch called origin/main. Explain</a:t>
+            </a:r>
+          </a:p>
+          <a:p>
+            <a:pPr marL="0" lvl="0" indent="0" algn="l" rtl="0">
+              <a:spcBef>
+                <a:spcPts val="0"/>
+              </a:spcBef>
+              <a:spcAft>
+                <a:spcPts val="0"/>
+              </a:spcAft>
+              <a:buNone/>
+            </a:pPr>
+            <a:endParaRPr lang="en-US" dirty="0"/>
+          </a:p>
+          <a:p>
+            <a:pPr marL="0" lvl="0" indent="0" algn="l" rtl="0">
+              <a:spcBef>
+                <a:spcPts val="0"/>
+              </a:spcBef>
+              <a:spcAft>
+                <a:spcPts val="0"/>
+              </a:spcAft>
+              <a:buNone/>
+            </a:pPr>
+            <a:r>
+              <a:rPr lang="en-US" dirty="0"/>
+              <a:t>- Create commit on </a:t>
+            </a:r>
+            <a:r>
+              <a:rPr lang="en-US"/>
+              <a:t>my repository and push</a:t>
+            </a:r>
+          </a:p>
+          <a:p>
+            <a:pPr marL="0" lvl="0" indent="0" algn="l" rtl="0">
+              <a:spcBef>
+                <a:spcPts val="0"/>
+              </a:spcBef>
+              <a:spcAft>
+                <a:spcPts val="0"/>
+              </a:spcAft>
+              <a:buNone/>
+            </a:pPr>
+            <a:endParaRPr lang="en-US"/>
+          </a:p>
           <a:p>
             <a:pPr marL="0" lvl="0" indent="0" algn="l" rtl="0">
               <a:spcBef>

--- a/Git training beginners.pptx
+++ b/Git training beginners.pptx
@@ -7316,24 +7316,144 @@
             </a:pPr>
             <a:r>
               <a:rPr lang="en-US" dirty="0"/>
+              <a:t>- Create commit on my repository and push</a:t>
+            </a:r>
+          </a:p>
+          <a:p>
+            <a:pPr marL="0" lvl="0" indent="0" algn="l" rtl="0">
+              <a:spcBef>
+                <a:spcPts val="0"/>
+              </a:spcBef>
+              <a:spcAft>
+                <a:spcPts val="0"/>
+              </a:spcAft>
+              <a:buNone/>
+            </a:pPr>
+            <a:r>
+              <a:rPr lang="en-US" dirty="0"/>
+              <a:t>- In students repository show that there no changes yet</a:t>
+            </a:r>
+          </a:p>
+          <a:p>
+            <a:pPr marL="0" lvl="0" indent="0" algn="l" rtl="0">
+              <a:spcBef>
+                <a:spcPts val="0"/>
+              </a:spcBef>
+              <a:spcAft>
+                <a:spcPts val="0"/>
+              </a:spcAft>
+              <a:buNone/>
+            </a:pPr>
+            <a:r>
+              <a:rPr lang="en-US" dirty="0"/>
+              <a:t>- Perform a git fetch</a:t>
+            </a:r>
+          </a:p>
+          <a:p>
+            <a:pPr marL="0" lvl="0" indent="0" algn="l" rtl="0">
+              <a:spcBef>
+                <a:spcPts val="0"/>
+              </a:spcBef>
+              <a:spcAft>
+                <a:spcPts val="0"/>
+              </a:spcAft>
+              <a:buNone/>
+            </a:pPr>
+            <a:r>
+              <a:rPr lang="en-US" dirty="0"/>
+              <a:t>- </a:t>
+            </a:r>
+            <a:r>
+              <a:rPr lang="en-US" dirty="0" err="1"/>
+              <a:t>Zie</a:t>
+            </a:r>
+            <a:r>
+              <a:rPr lang="en-US" dirty="0"/>
+              <a:t> </a:t>
+            </a:r>
+            <a:r>
+              <a:rPr lang="en-US" dirty="0" err="1"/>
+              <a:t>dat</a:t>
+            </a:r>
+            <a:r>
+              <a:rPr lang="en-US" dirty="0"/>
+              <a:t> origin/main is </a:t>
+            </a:r>
+            <a:r>
+              <a:rPr lang="en-US" dirty="0" err="1"/>
+              <a:t>bijgewerkt</a:t>
+            </a:r>
+            <a:r>
+              <a:rPr lang="en-US" dirty="0"/>
+              <a:t> maar main </a:t>
+            </a:r>
+            <a:r>
+              <a:rPr lang="en-US" dirty="0" err="1"/>
+              <a:t>niet</a:t>
+            </a:r>
+            <a:endParaRPr lang="en-US" dirty="0"/>
+          </a:p>
+          <a:p>
+            <a:pPr marL="0" lvl="0" indent="0" algn="l" rtl="0">
+              <a:spcBef>
+                <a:spcPts val="0"/>
+              </a:spcBef>
+              <a:spcAft>
+                <a:spcPts val="0"/>
+              </a:spcAft>
+              <a:buNone/>
+            </a:pPr>
+            <a:r>
+              <a:rPr lang="en-US" dirty="0"/>
+              <a:t>- Merge main met origin/main om de tree </a:t>
+            </a:r>
+            <a:r>
+              <a:rPr lang="en-US" dirty="0" err="1"/>
+              <a:t>bij</a:t>
+            </a:r>
+            <a:r>
+              <a:rPr lang="en-US" dirty="0"/>
+              <a:t> te </a:t>
+            </a:r>
+            <a:r>
+              <a:rPr lang="en-US" dirty="0" err="1"/>
+              <a:t>werken</a:t>
+            </a:r>
+            <a:r>
+              <a:rPr lang="en-US" dirty="0"/>
+              <a:t>.</a:t>
+            </a:r>
+          </a:p>
+          <a:p>
+            <a:pPr marL="0" lvl="0" indent="0" algn="l" rtl="0">
+              <a:spcBef>
+                <a:spcPts val="0"/>
+              </a:spcBef>
+              <a:spcAft>
+                <a:spcPts val="0"/>
+              </a:spcAft>
+              <a:buNone/>
+            </a:pPr>
+            <a:endParaRPr lang="en-US" dirty="0"/>
+          </a:p>
+          <a:p>
+            <a:pPr marL="0" lvl="0" indent="0" algn="l" rtl="0">
+              <a:spcBef>
+                <a:spcPts val="0"/>
+              </a:spcBef>
+              <a:spcAft>
+                <a:spcPts val="0"/>
+              </a:spcAft>
+              <a:buNone/>
+            </a:pPr>
+            <a:r>
+              <a:rPr lang="en-US" dirty="0"/>
               <a:t>- Create commit on </a:t>
             </a:r>
             <a:r>
               <a:rPr lang="en-US"/>
               <a:t>my repository and push</a:t>
             </a:r>
-          </a:p>
-          <a:p>
-            <a:pPr marL="0" lvl="0" indent="0" algn="l" rtl="0">
-              <a:spcBef>
-                <a:spcPts val="0"/>
-              </a:spcBef>
-              <a:spcAft>
-                <a:spcPts val="0"/>
-              </a:spcAft>
-              <a:buNone/>
-            </a:pPr>
-            <a:endParaRPr lang="en-US"/>
           </a:p>
           <a:p>
             <a:pPr marL="0" lvl="0" indent="0" algn="l" rtl="0">

--- a/Git training beginners.pptx
+++ b/Git training beginners.pptx
@@ -7448,12 +7448,168 @@
             </a:pPr>
             <a:r>
               <a:rPr lang="en-US" dirty="0"/>
-              <a:t>- Create commit on </a:t>
+              <a:t>- Create commit on my repository and push</a:t>
+            </a:r>
+          </a:p>
+          <a:p>
+            <a:pPr marL="0" lvl="0" indent="0" algn="l" rtl="0">
+              <a:spcBef>
+                <a:spcPts val="0"/>
+              </a:spcBef>
+              <a:spcAft>
+                <a:spcPts val="0"/>
+              </a:spcAft>
+              <a:buNone/>
+            </a:pPr>
+            <a:r>
+              <a:rPr lang="en-US" dirty="0"/>
+              <a:t>- In students repository perform a git pull</a:t>
+            </a:r>
+          </a:p>
+          <a:p>
+            <a:pPr marL="0" lvl="0" indent="0" algn="l" rtl="0">
+              <a:spcBef>
+                <a:spcPts val="0"/>
+              </a:spcBef>
+              <a:spcAft>
+                <a:spcPts val="0"/>
+              </a:spcAft>
+              <a:buNone/>
+            </a:pPr>
+            <a:r>
+              <a:rPr lang="en-US" dirty="0"/>
+              <a:t>- </a:t>
+            </a:r>
+            <a:r>
+              <a:rPr lang="en-US" dirty="0" err="1"/>
+              <a:t>Toelichten</a:t>
+            </a:r>
+            <a:r>
+              <a:rPr lang="en-US" dirty="0"/>
+              <a:t> </a:t>
+            </a:r>
+            <a:r>
+              <a:rPr lang="en-US" dirty="0" err="1"/>
+              <a:t>dat</a:t>
+            </a:r>
+            <a:r>
+              <a:rPr lang="en-US" dirty="0"/>
+              <a:t> </a:t>
+            </a:r>
+            <a:r>
+              <a:rPr lang="en-US" dirty="0" err="1"/>
+              <a:t>een</a:t>
+            </a:r>
+            <a:r>
+              <a:rPr lang="en-US" dirty="0"/>
+              <a:t> git pull </a:t>
+            </a:r>
+            <a:r>
+              <a:rPr lang="en-US" dirty="0" err="1"/>
+              <a:t>niets</a:t>
+            </a:r>
+            <a:r>
+              <a:rPr lang="en-US" dirty="0"/>
+              <a:t> </a:t>
+            </a:r>
+            <a:r>
+              <a:rPr lang="en-US" dirty="0" err="1"/>
+              <a:t>anders</a:t>
+            </a:r>
+            <a:r>
+              <a:rPr lang="en-US" dirty="0"/>
+              <a:t> is </a:t>
+            </a:r>
+            <a:r>
+              <a:rPr lang="en-US" dirty="0" err="1"/>
+              <a:t>als</a:t>
+            </a:r>
+            <a:r>
+              <a:rPr lang="en-US" dirty="0"/>
+              <a:t> </a:t>
+            </a:r>
+            <a:r>
+              <a:rPr lang="en-US" dirty="0" err="1"/>
+              <a:t>een</a:t>
+            </a:r>
+            <a:r>
+              <a:rPr lang="en-US" dirty="0"/>
+              <a:t> git fetch </a:t>
+            </a:r>
+            <a:r>
+              <a:rPr lang="en-US" dirty="0" err="1"/>
+              <a:t>gevolgd</a:t>
+            </a:r>
+            <a:r>
+              <a:rPr lang="en-US" dirty="0"/>
+              <a:t> door </a:t>
+            </a:r>
+            <a:r>
+              <a:rPr lang="en-US" dirty="0" err="1"/>
+              <a:t>een</a:t>
+            </a:r>
+            <a:r>
+              <a:rPr lang="en-US" dirty="0"/>
+              <a:t> pull</a:t>
+            </a:r>
+          </a:p>
+          <a:p>
+            <a:pPr marL="0" lvl="0" indent="0" algn="l" rtl="0">
+              <a:spcBef>
+                <a:spcPts val="0"/>
+              </a:spcBef>
+              <a:spcAft>
+                <a:spcPts val="0"/>
+              </a:spcAft>
+              <a:buNone/>
+            </a:pPr>
+            <a:endParaRPr lang="en-US" dirty="0"/>
+          </a:p>
+          <a:p>
+            <a:pPr marL="0" lvl="0" indent="0" algn="l" rtl="0">
+              <a:spcBef>
+                <a:spcPts val="0"/>
+              </a:spcBef>
+              <a:spcAft>
+                <a:spcPts val="0"/>
+              </a:spcAft>
+              <a:buNone/>
+            </a:pPr>
+            <a:r>
+              <a:rPr lang="en-US" dirty="0"/>
+              <a:t>- Create commit on my repository and push</a:t>
+            </a:r>
+          </a:p>
+          <a:p>
+            <a:pPr marL="0" lvl="0" indent="0" algn="l" rtl="0">
+              <a:spcBef>
+                <a:spcPts val="0"/>
+              </a:spcBef>
+              <a:spcAft>
+                <a:spcPts val="0"/>
+              </a:spcAft>
+              <a:buNone/>
+            </a:pPr>
+            <a:r>
+              <a:rPr lang="en-US" dirty="0"/>
+              <a:t>- In students repository</a:t>
             </a:r>
             <a:r>
               <a:rPr lang="en-US"/>
-              <a:t>my repository and push</a:t>
-            </a:r>
+              <a:t>, create a commit</a:t>
+            </a:r>
+          </a:p>
+          <a:p>
+            <a:pPr marL="0" lvl="0" indent="0" algn="l" rtl="0">
+              <a:spcBef>
+                <a:spcPts val="0"/>
+              </a:spcBef>
+              <a:spcAft>
+                <a:spcPts val="0"/>
+              </a:spcAft>
+              <a:buNone/>
+            </a:pPr>
+            <a:endParaRPr lang="en-US"/>
           </a:p>
           <a:p>
             <a:pPr marL="0" lvl="0" indent="0" algn="l" rtl="0">

--- a/Git training beginners.pptx
+++ b/Git training beginners.pptx
@@ -7592,11 +7592,7 @@
             </a:pPr>
             <a:r>
               <a:rPr lang="en-US" dirty="0"/>
-              <a:t>- In students repository</a:t>
-            </a:r>
-            <a:r>
-              <a:rPr lang="en-US"/>
-              <a:t>, create a commit</a:t>
+              <a:t>- In students repository, create a commit</a:t>
             </a:r>
           </a:p>
           <a:p>
@@ -7609,7 +7605,64 @@
               </a:spcAft>
               <a:buNone/>
             </a:pPr>
-            <a:endParaRPr lang="en-US"/>
+            <a:r>
+              <a:rPr lang="en-US" dirty="0"/>
+              <a:t>- Let them try to push</a:t>
+            </a:r>
+          </a:p>
+          <a:p>
+            <a:pPr marL="0" lvl="0" indent="0" algn="l" rtl="0">
+              <a:spcBef>
+                <a:spcPts val="0"/>
+              </a:spcBef>
+              <a:spcAft>
+                <a:spcPts val="0"/>
+              </a:spcAft>
+              <a:buNone/>
+            </a:pPr>
+            <a:r>
+              <a:rPr lang="en-US" dirty="0"/>
+              <a:t>- Let them try to pull</a:t>
+            </a:r>
+          </a:p>
+          <a:p>
+            <a:pPr marL="0" lvl="0" indent="0" algn="l" rtl="0">
+              <a:spcBef>
+                <a:spcPts val="0"/>
+              </a:spcBef>
+              <a:spcAft>
+                <a:spcPts val="0"/>
+              </a:spcAft>
+              <a:buNone/>
+            </a:pPr>
+            <a:r>
+              <a:rPr lang="en-US" dirty="0"/>
+              <a:t>- Explain pull / explain git pull --rebase</a:t>
+            </a:r>
+          </a:p>
+          <a:p>
+            <a:pPr marL="0" lvl="0" indent="0" algn="l" rtl="0">
+              <a:spcBef>
+                <a:spcPts val="0"/>
+              </a:spcBef>
+              <a:spcAft>
+                <a:spcPts val="0"/>
+              </a:spcAft>
+              <a:buNone/>
+            </a:pPr>
+            <a:endParaRPr lang="en-US" dirty="0"/>
+          </a:p>
+          <a:p>
+            <a:pPr marL="0" lvl="0" indent="0" algn="l" rtl="0">
+              <a:spcBef>
+                <a:spcPts val="0"/>
+              </a:spcBef>
+              <a:spcAft>
+                <a:spcPts val="0"/>
+              </a:spcAft>
+              <a:buNone/>
+            </a:pPr>
+            <a:endParaRPr lang="en-US" dirty="0"/>
           </a:p>
           <a:p>
             <a:pPr marL="0" lvl="0" indent="0" algn="l" rtl="0">
@@ -21738,6 +21791,13 @@
             </a:r>
           </a:p>
           <a:p>
+            <a:pPr lvl="1"/>
+            <a:r>
+              <a:rPr lang="en-GB" dirty="0"/>
+              <a:t>git pull --rebase</a:t>
+            </a:r>
+          </a:p>
+          <a:p>
             <a:r>
               <a:rPr lang="en-GB" dirty="0"/>
               <a:t>git push</a:t>
@@ -21772,8 +21832,8 @@
         </p:blipFill>
         <p:spPr>
           <a:xfrm>
-            <a:off x="3689970" y="1510016"/>
-            <a:ext cx="7275758" cy="4295608"/>
+            <a:off x="3795166" y="1510016"/>
+            <a:ext cx="7663156" cy="4295608"/>
           </a:xfrm>
           <a:prstGeom prst="rect">
             <a:avLst/>
